--- a/sync_presentations/week_09/week_09-new.pptx
+++ b/sync_presentations/week_09/week_09-new.pptx
@@ -36,6 +36,9 @@
     <p:sldId id="281" r:id="rId33"/>
     <p:sldId id="282" r:id="rId34"/>
     <p:sldId id="283" r:id="rId35"/>
+    <p:sldId id="284" r:id="rId36"/>
+    <p:sldId id="285" r:id="rId37"/>
+    <p:sldId id="286" r:id="rId38"/>
   </p:sldIdLst>
   <p:sldSz cx="13004800" cy="9753600"/>
   <p:notesSz cx="6858000" cy="9144000"/>
@@ -3439,6 +3442,10 @@
           </p:nvPr>
         </p:nvSpPr>
         <p:spPr>
+          <a:xfrm>
+            <a:off x="1269999" y="683367"/>
+            <a:ext cx="10464801" cy="2652581"/>
+          </a:xfrm>
           <a:prstGeom prst="rect">
             <a:avLst/>
           </a:prstGeom>
@@ -3447,19 +3454,27 @@
           <a:bodyPr/>
           <a:lstStyle/>
           <a:p>
-            <a:pPr defTabSz="514095">
-              <a:defRPr sz="7040"/>
+            <a:pPr defTabSz="455675">
+              <a:defRPr sz="6240"/>
             </a:pPr>
             <a:r>
               <a:t>Week 9: </a:t>
             </a:r>
           </a:p>
           <a:p>
-            <a:pPr defTabSz="514095">
-              <a:defRPr sz="7040"/>
+            <a:pPr defTabSz="455675">
+              <a:defRPr sz="6240"/>
             </a:pPr>
             <a:r>
               <a:t>Encoding Text</a:t>
+            </a:r>
+          </a:p>
+          <a:p>
+            <a:pPr defTabSz="455675">
+              <a:defRPr sz="6240"/>
+            </a:pPr>
+            <a:r>
+              <a:t>and a quick glance at NymPy</a:t>
             </a:r>
           </a:p>
         </p:txBody>
@@ -8516,7 +8531,16 @@
           <a:p>
             <a:pPr/>
             <a:r>
-              <a:t>Text Output | The Basics | New Style</a:t>
+              <a:rPr>
+                <a:latin typeface="Freight Sans Bold"/>
+                <a:ea typeface="Freight Sans Bold"/>
+                <a:cs typeface="Freight Sans Bold"/>
+                <a:sym typeface="Freight Sans Bold"/>
+              </a:rPr>
+              <a:t>Text</a:t>
+            </a:r>
+            <a:r>
+              <a:t> Output | The Basics | New Style</a:t>
             </a:r>
           </a:p>
         </p:txBody>
@@ -8799,7 +8823,16 @@
           <a:p>
             <a:pPr/>
             <a:r>
-              <a:t>Basic Patterns | Python Functions</a:t>
+              <a:rPr>
+                <a:latin typeface="Freight Sans Bold"/>
+                <a:ea typeface="Freight Sans Bold"/>
+                <a:cs typeface="Freight Sans Bold"/>
+                <a:sym typeface="Freight Sans Bold"/>
+              </a:rPr>
+              <a:t>Basic</a:t>
+            </a:r>
+            <a:r>
+              <a:t> Patterns | Python Functions</a:t>
             </a:r>
           </a:p>
         </p:txBody>
@@ -9038,7 +9071,19 @@
           <a:p>
             <a:pPr/>
             <a:r>
-              <a:t>Loading Files | Python Functions</a:t>
+              <a:t>Loading </a:t>
+            </a:r>
+            <a:r>
+              <a:rPr>
+                <a:latin typeface="Freight Sans Bold"/>
+                <a:ea typeface="Freight Sans Bold"/>
+                <a:cs typeface="Freight Sans Bold"/>
+                <a:sym typeface="Freight Sans Bold"/>
+              </a:rPr>
+              <a:t>Files</a:t>
+            </a:r>
+            <a:r>
+              <a:t> | Python Functions</a:t>
             </a:r>
           </a:p>
         </p:txBody>
@@ -9223,6 +9268,178 @@
           <a:p>
             <a:pPr/>
             <a:fld id="{86CB4B4D-7CA3-9044-876B-883B54F8677D}" type="slidenum"/>
+          </a:p>
+        </p:txBody>
+      </p:sp>
+    </p:spTree>
+  </p:cSld>
+  <p:clrMapOvr>
+    <a:masterClrMapping/>
+  </p:clrMapOvr>
+  <p:transition xmlns:p14="http://schemas.microsoft.com/office/powerpoint/2010/main" spd="med" advClick="1"/>
+</p:sld>
+</file>
+
+<file path=ppt/slides/slide29.xml><?xml version="1.0" encoding="utf-8"?>
+<p:sld xmlns:a="http://schemas.openxmlformats.org/drawingml/2006/main" xmlns:r="http://schemas.openxmlformats.org/officeDocument/2006/relationships" xmlns:p="http://schemas.openxmlformats.org/presentationml/2006/main" xmlns:m="http://schemas.openxmlformats.org/officeDocument/2006/math" xmlns:a14="http://schemas.microsoft.com/office/drawing/2010/main" showMasterSp="1" showMasterPhAnim="1">
+  <p:cSld>
+    <p:bg>
+      <p:bgPr>
+        <a:solidFill>
+          <a:srgbClr val="003262"/>
+        </a:solidFill>
+      </p:bgPr>
+    </p:bg>
+    <p:spTree>
+      <p:nvGrpSpPr>
+        <p:cNvPr id="1" name=""/>
+        <p:cNvGrpSpPr/>
+        <p:nvPr/>
+      </p:nvGrpSpPr>
+      <p:grpSpPr>
+        <a:xfrm>
+          <a:off x="0" y="0"/>
+          <a:ext cx="0" cy="0"/>
+          <a:chOff x="0" y="0"/>
+          <a:chExt cx="0" cy="0"/>
+        </a:xfrm>
+      </p:grpSpPr>
+      <p:sp>
+        <p:nvSpPr>
+          <p:cNvPr id="286" name="Slide Number"/>
+          <p:cNvSpPr txBox="1"/>
+          <p:nvPr>
+            <p:ph type="sldNum" sz="quarter" idx="2"/>
+          </p:nvPr>
+        </p:nvSpPr>
+        <p:spPr>
+          <a:prstGeom prst="rect">
+            <a:avLst/>
+          </a:prstGeom>
+          <a:extLst>
+            <a:ext uri="{C572A759-6A51-4108-AA02-DFA0A04FC94B}">
+              <ma14:wrappingTextBoxFlag xmlns:ma14="http://schemas.microsoft.com/office/mac/drawingml/2011/main" val="1"/>
+            </a:ext>
+          </a:extLst>
+        </p:spPr>
+        <p:txBody>
+          <a:bodyPr/>
+          <a:lstStyle/>
+          <a:p>
+            <a:pPr/>
+            <a:fld id="{86CB4B4D-7CA3-9044-876B-883B54F8677D}" type="slidenum"/>
+          </a:p>
+        </p:txBody>
+      </p:sp>
+      <p:grpSp>
+        <p:nvGrpSpPr>
+          <p:cNvPr id="289" name="Image"/>
+          <p:cNvGrpSpPr/>
+          <p:nvPr/>
+        </p:nvGrpSpPr>
+        <p:grpSpPr>
+          <a:xfrm>
+            <a:off x="5232399" y="3012016"/>
+            <a:ext cx="2540001" cy="1104901"/>
+            <a:chOff x="0" y="0"/>
+            <a:chExt cx="2540000" cy="1104900"/>
+          </a:xfrm>
+        </p:grpSpPr>
+        <p:pic>
+          <p:nvPicPr>
+            <p:cNvPr id="288" name="Image" descr="Image"/>
+            <p:cNvPicPr>
+              <a:picLocks noChangeAspect="1"/>
+            </p:cNvPicPr>
+            <p:nvPr/>
+          </p:nvPicPr>
+          <p:blipFill>
+            <a:blip r:embed="rId2">
+              <a:extLst/>
+            </a:blip>
+            <a:stretch>
+              <a:fillRect/>
+            </a:stretch>
+          </p:blipFill>
+          <p:spPr>
+            <a:xfrm>
+              <a:off x="127000" y="88900"/>
+              <a:ext cx="2286000" cy="774700"/>
+            </a:xfrm>
+            <a:prstGeom prst="rect">
+              <a:avLst/>
+            </a:prstGeom>
+            <a:ln>
+              <a:noFill/>
+            </a:ln>
+            <a:effectLst/>
+          </p:spPr>
+        </p:pic>
+        <p:pic>
+          <p:nvPicPr>
+            <p:cNvPr id="287" name="Image" descr="Image"/>
+            <p:cNvPicPr>
+              <a:picLocks noChangeAspect="0"/>
+            </p:cNvPicPr>
+            <p:nvPr/>
+          </p:nvPicPr>
+          <p:blipFill>
+            <a:blip r:embed="rId3">
+              <a:extLst/>
+            </a:blip>
+            <a:stretch>
+              <a:fillRect/>
+            </a:stretch>
+          </p:blipFill>
+          <p:spPr>
+            <a:xfrm>
+              <a:off x="0" y="0"/>
+              <a:ext cx="2540000" cy="1104900"/>
+            </a:xfrm>
+            <a:prstGeom prst="rect">
+              <a:avLst/>
+            </a:prstGeom>
+            <a:effectLst/>
+          </p:spPr>
+        </p:pic>
+      </p:grpSp>
+      <p:sp>
+        <p:nvSpPr>
+          <p:cNvPr id="290" name="NumPy"/>
+          <p:cNvSpPr txBox="1"/>
+          <p:nvPr>
+            <p:ph type="title" idx="4294967295"/>
+          </p:nvPr>
+        </p:nvSpPr>
+        <p:spPr>
+          <a:xfrm>
+            <a:off x="952499" y="152399"/>
+            <a:ext cx="11099801" cy="2159001"/>
+          </a:xfrm>
+          <a:prstGeom prst="rect">
+            <a:avLst/>
+          </a:prstGeom>
+        </p:spPr>
+        <p:txBody>
+          <a:bodyPr/>
+          <a:lstStyle>
+            <a:lvl1pPr>
+              <a:defRPr>
+                <a:solidFill>
+                  <a:srgbClr val="F8F3CB"/>
+                </a:solidFill>
+                <a:latin typeface="Freight Sans Medium"/>
+                <a:ea typeface="Freight Sans Medium"/>
+                <a:cs typeface="Freight Sans Medium"/>
+                <a:sym typeface="Freight Sans Medium"/>
+              </a:defRPr>
+            </a:lvl1pPr>
+          </a:lstStyle>
+          <a:p>
+            <a:pPr/>
+            <a:r>
+              <a:t>NumPy</a:t>
+            </a:r>
           </a:p>
         </p:txBody>
       </p:sp>
@@ -9686,6 +9903,718 @@
           <a:p>
             <a:pPr/>
             <a:fld id="{86CB4B4D-7CA3-9044-876B-883B54F8677D}" type="slidenum"/>
+          </a:p>
+        </p:txBody>
+      </p:sp>
+    </p:spTree>
+  </p:cSld>
+  <p:clrMapOvr>
+    <a:masterClrMapping/>
+  </p:clrMapOvr>
+  <p:transition xmlns:p14="http://schemas.microsoft.com/office/powerpoint/2010/main" spd="med" advClick="1"/>
+</p:sld>
+</file>
+
+<file path=ppt/slides/slide30.xml><?xml version="1.0" encoding="utf-8"?>
+<p:sld xmlns:a="http://schemas.openxmlformats.org/drawingml/2006/main" xmlns:r="http://schemas.openxmlformats.org/officeDocument/2006/relationships" xmlns:p="http://schemas.openxmlformats.org/presentationml/2006/main" xmlns:m="http://schemas.openxmlformats.org/officeDocument/2006/math" xmlns:a14="http://schemas.microsoft.com/office/drawing/2010/main" showMasterSp="1" showMasterPhAnim="1">
+  <p:cSld>
+    <p:spTree>
+      <p:nvGrpSpPr>
+        <p:cNvPr id="1" name=""/>
+        <p:cNvGrpSpPr/>
+        <p:nvPr/>
+      </p:nvGrpSpPr>
+      <p:grpSpPr>
+        <a:xfrm>
+          <a:off x="0" y="0"/>
+          <a:ext cx="0" cy="0"/>
+          <a:chOff x="0" y="0"/>
+          <a:chExt cx="0" cy="0"/>
+        </a:xfrm>
+      </p:grpSpPr>
+      <p:sp>
+        <p:nvSpPr>
+          <p:cNvPr id="292" name="Quick NumPy"/>
+          <p:cNvSpPr txBox="1"/>
+          <p:nvPr>
+            <p:ph type="title"/>
+          </p:nvPr>
+        </p:nvSpPr>
+        <p:spPr>
+          <a:prstGeom prst="rect">
+            <a:avLst/>
+          </a:prstGeom>
+        </p:spPr>
+        <p:txBody>
+          <a:bodyPr/>
+          <a:lstStyle/>
+          <a:p>
+            <a:pPr/>
+            <a:r>
+              <a:t>Quick </a:t>
+            </a:r>
+            <a:r>
+              <a:rPr>
+                <a:latin typeface="Freight Sans Bold"/>
+                <a:ea typeface="Freight Sans Bold"/>
+                <a:cs typeface="Freight Sans Bold"/>
+                <a:sym typeface="Freight Sans Bold"/>
+              </a:rPr>
+              <a:t>NumPy</a:t>
+            </a:r>
+          </a:p>
+        </p:txBody>
+      </p:sp>
+      <p:sp>
+        <p:nvSpPr>
+          <p:cNvPr id="293" name="NumPy gives you the ability to work with n-dimensional arrays of numeric data of many types.…"/>
+          <p:cNvSpPr txBox="1"/>
+          <p:nvPr>
+            <p:ph type="body" idx="1"/>
+          </p:nvPr>
+        </p:nvSpPr>
+        <p:spPr>
+          <a:prstGeom prst="rect">
+            <a:avLst/>
+          </a:prstGeom>
+        </p:spPr>
+        <p:txBody>
+          <a:bodyPr/>
+          <a:lstStyle/>
+          <a:p>
+            <a:pPr marL="0" indent="0" defTabSz="768095">
+              <a:lnSpc>
+                <a:spcPct val="115000"/>
+              </a:lnSpc>
+              <a:spcBef>
+                <a:spcPts val="0"/>
+              </a:spcBef>
+              <a:buClr>
+                <a:srgbClr val="434343"/>
+              </a:buClr>
+              <a:buSzTx/>
+              <a:buFont typeface="Helvetica"/>
+              <a:buNone/>
+              <a:defRPr i="0" sz="2940">
+                <a:solidFill>
+                  <a:srgbClr val="000000"/>
+                </a:solidFill>
+                <a:latin typeface="Roboto"/>
+                <a:ea typeface="Roboto"/>
+                <a:cs typeface="Roboto"/>
+                <a:sym typeface="Roboto"/>
+              </a:defRPr>
+            </a:pPr>
+            <a:r>
+              <a:t>NumPy gives you the ability to work with </a:t>
+            </a:r>
+            <a:r>
+              <a:rPr b="1" u="sng"/>
+              <a:t>n-dimensional</a:t>
+            </a:r>
+            <a:r>
+              <a:t> arrays of numeric data of many types.</a:t>
+            </a:r>
+          </a:p>
+          <a:p>
+            <a:pPr marL="0" indent="0" defTabSz="768095">
+              <a:lnSpc>
+                <a:spcPct val="115000"/>
+              </a:lnSpc>
+              <a:spcBef>
+                <a:spcPts val="1300"/>
+              </a:spcBef>
+              <a:buClr>
+                <a:srgbClr val="434343"/>
+              </a:buClr>
+              <a:buSzTx/>
+              <a:buFont typeface="Helvetica"/>
+              <a:buNone/>
+              <a:defRPr i="0" sz="2940">
+                <a:solidFill>
+                  <a:srgbClr val="000000"/>
+                </a:solidFill>
+                <a:latin typeface="Roboto"/>
+                <a:ea typeface="Roboto"/>
+                <a:cs typeface="Roboto"/>
+                <a:sym typeface="Roboto"/>
+              </a:defRPr>
+            </a:pPr>
+            <a:r>
+              <a:t>Pandas is built on top of NumPy and provides a more user friendly experience. There, we work with a “dataset” and include non-numeric variables.</a:t>
+            </a:r>
+          </a:p>
+          <a:p>
+            <a:pPr marL="0" indent="0" defTabSz="768095">
+              <a:lnSpc>
+                <a:spcPct val="115000"/>
+              </a:lnSpc>
+              <a:spcBef>
+                <a:spcPts val="1300"/>
+              </a:spcBef>
+              <a:buClr>
+                <a:srgbClr val="434343"/>
+              </a:buClr>
+              <a:buSzTx/>
+              <a:buFont typeface="Helvetica"/>
+              <a:buNone/>
+              <a:defRPr i="0" sz="2940">
+                <a:solidFill>
+                  <a:srgbClr val="000000"/>
+                </a:solidFill>
+                <a:latin typeface="Roboto"/>
+                <a:ea typeface="Roboto"/>
+                <a:cs typeface="Roboto"/>
+                <a:sym typeface="Roboto"/>
+              </a:defRPr>
+            </a:pPr>
+            <a:r>
+              <a:t>Understanding NumPy is critical to understanding more advanced packages.</a:t>
+            </a:r>
+          </a:p>
+          <a:p>
+            <a:pPr marL="0" indent="0" defTabSz="768095">
+              <a:lnSpc>
+                <a:spcPct val="115000"/>
+              </a:lnSpc>
+              <a:spcBef>
+                <a:spcPts val="1300"/>
+              </a:spcBef>
+              <a:buClr>
+                <a:srgbClr val="434343"/>
+              </a:buClr>
+              <a:buSzTx/>
+              <a:buFont typeface="Helvetica"/>
+              <a:buNone/>
+              <a:defRPr i="0" sz="2940">
+                <a:solidFill>
+                  <a:srgbClr val="000000"/>
+                </a:solidFill>
+                <a:latin typeface="Roboto"/>
+                <a:ea typeface="Roboto"/>
+                <a:cs typeface="Roboto"/>
+                <a:sym typeface="Roboto"/>
+              </a:defRPr>
+            </a:pPr>
+            <a:r>
+              <a:t>A basic understanding of NumPy will deepen your understanding of Pandas.</a:t>
+            </a:r>
+          </a:p>
+          <a:p>
+            <a:pPr marL="0" indent="0" defTabSz="768095">
+              <a:lnSpc>
+                <a:spcPct val="115000"/>
+              </a:lnSpc>
+              <a:spcBef>
+                <a:spcPts val="1300"/>
+              </a:spcBef>
+              <a:buClr>
+                <a:srgbClr val="434343"/>
+              </a:buClr>
+              <a:buSzTx/>
+              <a:buFont typeface="Helvetica"/>
+              <a:buNone/>
+              <a:defRPr i="0" sz="2940">
+                <a:solidFill>
+                  <a:srgbClr val="000000"/>
+                </a:solidFill>
+                <a:latin typeface="Roboto"/>
+                <a:ea typeface="Roboto"/>
+                <a:cs typeface="Roboto"/>
+                <a:sym typeface="Roboto"/>
+              </a:defRPr>
+            </a:pPr>
+            <a:r>
+              <a:t>NumPy offers vectorized operations </a:t>
+            </a:r>
+          </a:p>
+          <a:p>
+            <a:pPr marL="0" indent="0" defTabSz="768095">
+              <a:lnSpc>
+                <a:spcPct val="115000"/>
+              </a:lnSpc>
+              <a:spcBef>
+                <a:spcPts val="1300"/>
+              </a:spcBef>
+              <a:buClr>
+                <a:srgbClr val="434343"/>
+              </a:buClr>
+              <a:buSzTx/>
+              <a:buFont typeface="Helvetica"/>
+              <a:buNone/>
+              <a:defRPr i="0" sz="2940">
+                <a:solidFill>
+                  <a:srgbClr val="000000"/>
+                </a:solidFill>
+                <a:latin typeface="Roboto"/>
+                <a:ea typeface="Roboto"/>
+                <a:cs typeface="Roboto"/>
+                <a:sym typeface="Roboto"/>
+              </a:defRPr>
+            </a:pPr>
+            <a:r>
+              <a:t>** But see this: </a:t>
+            </a:r>
+            <a:r>
+              <a:rPr u="sng">
+                <a:solidFill>
+                  <a:srgbClr val="F06292"/>
+                </a:solidFill>
+                <a:uFill>
+                  <a:solidFill>
+                    <a:srgbClr val="F06292"/>
+                  </a:solidFill>
+                </a:uFill>
+                <a:hlinkClick r:id="rId2" invalidUrl="" action="" tgtFrame="" tooltip="" history="1" highlightClick="0" endSnd="0"/>
+              </a:rPr>
+              <a:t>https://timothyhelton.github.io/pandas_best_practices.html</a:t>
+            </a:r>
+          </a:p>
+        </p:txBody>
+      </p:sp>
+      <p:sp>
+        <p:nvSpPr>
+          <p:cNvPr id="294" name="Slide Number"/>
+          <p:cNvSpPr txBox="1"/>
+          <p:nvPr>
+            <p:ph type="sldNum" sz="quarter" idx="2"/>
+          </p:nvPr>
+        </p:nvSpPr>
+        <p:spPr>
+          <a:prstGeom prst="rect">
+            <a:avLst/>
+          </a:prstGeom>
+          <a:extLst>
+            <a:ext uri="{C572A759-6A51-4108-AA02-DFA0A04FC94B}">
+              <ma14:wrappingTextBoxFlag xmlns:ma14="http://schemas.microsoft.com/office/mac/drawingml/2011/main" val="1"/>
+            </a:ext>
+          </a:extLst>
+        </p:spPr>
+        <p:txBody>
+          <a:bodyPr/>
+          <a:lstStyle/>
+          <a:p>
+            <a:pPr/>
+            <a:fld id="{86CB4B4D-7CA3-9044-876B-883B54F8677D}" type="slidenum"/>
+          </a:p>
+        </p:txBody>
+      </p:sp>
+      <p:sp>
+        <p:nvSpPr>
+          <p:cNvPr id="295" name="http://www.numpy.org"/>
+          <p:cNvSpPr txBox="1"/>
+          <p:nvPr/>
+        </p:nvSpPr>
+        <p:spPr>
+          <a:xfrm>
+            <a:off x="8317771" y="521189"/>
+            <a:ext cx="3345791" cy="461060"/>
+          </a:xfrm>
+          <a:prstGeom prst="rect">
+            <a:avLst/>
+          </a:prstGeom>
+          <a:ln w="12700">
+            <a:miter lim="400000"/>
+          </a:ln>
+          <a:extLst>
+            <a:ext uri="{C572A759-6A51-4108-AA02-DFA0A04FC94B}">
+              <ma14:wrappingTextBoxFlag xmlns:ma14="http://schemas.microsoft.com/office/mac/drawingml/2011/main" val="1"/>
+            </a:ext>
+          </a:extLst>
+        </p:spPr>
+        <p:txBody>
+          <a:bodyPr wrap="none" lIns="50800" tIns="50800" rIns="50800" bIns="50800" anchor="ctr">
+            <a:spAutoFit/>
+          </a:bodyPr>
+          <a:lstStyle/>
+          <a:p>
+            <a:pPr/>
+            <a:r>
+              <a:t>http://www.numpy.org</a:t>
+            </a:r>
+          </a:p>
+        </p:txBody>
+      </p:sp>
+    </p:spTree>
+  </p:cSld>
+  <p:clrMapOvr>
+    <a:masterClrMapping/>
+  </p:clrMapOvr>
+  <p:transition xmlns:p14="http://schemas.microsoft.com/office/powerpoint/2010/main" spd="med" advClick="1"/>
+</p:sld>
+</file>
+
+<file path=ppt/slides/slide31.xml><?xml version="1.0" encoding="utf-8"?>
+<p:sld xmlns:a="http://schemas.openxmlformats.org/drawingml/2006/main" xmlns:r="http://schemas.openxmlformats.org/officeDocument/2006/relationships" xmlns:p="http://schemas.openxmlformats.org/presentationml/2006/main" xmlns:m="http://schemas.openxmlformats.org/officeDocument/2006/math" xmlns:a14="http://schemas.microsoft.com/office/drawing/2010/main" showMasterSp="1" showMasterPhAnim="1">
+  <p:cSld>
+    <p:spTree>
+      <p:nvGrpSpPr>
+        <p:cNvPr id="1" name=""/>
+        <p:cNvGrpSpPr/>
+        <p:nvPr/>
+      </p:nvGrpSpPr>
+      <p:grpSpPr>
+        <a:xfrm>
+          <a:off x="0" y="0"/>
+          <a:ext cx="0" cy="0"/>
+          <a:chOff x="0" y="0"/>
+          <a:chExt cx="0" cy="0"/>
+        </a:xfrm>
+      </p:grpSpPr>
+      <p:sp>
+        <p:nvSpPr>
+          <p:cNvPr id="297" name="NumPy | Python Functions"/>
+          <p:cNvSpPr txBox="1"/>
+          <p:nvPr>
+            <p:ph type="title"/>
+          </p:nvPr>
+        </p:nvSpPr>
+        <p:spPr>
+          <a:prstGeom prst="rect">
+            <a:avLst/>
+          </a:prstGeom>
+        </p:spPr>
+        <p:txBody>
+          <a:bodyPr/>
+          <a:lstStyle/>
+          <a:p>
+            <a:pPr/>
+            <a:r>
+              <a:rPr>
+                <a:latin typeface="Freight Sans Bold"/>
+                <a:ea typeface="Freight Sans Bold"/>
+                <a:cs typeface="Freight Sans Bold"/>
+                <a:sym typeface="Freight Sans Bold"/>
+              </a:rPr>
+              <a:t>NumPy</a:t>
+            </a:r>
+            <a:r>
+              <a:t> | Python Functions</a:t>
+            </a:r>
+          </a:p>
+        </p:txBody>
+      </p:sp>
+      <p:sp>
+        <p:nvSpPr>
+          <p:cNvPr id="298" name="np.array()…"/>
+          <p:cNvSpPr txBox="1"/>
+          <p:nvPr>
+            <p:ph type="body" idx="1"/>
+          </p:nvPr>
+        </p:nvSpPr>
+        <p:spPr>
+          <a:prstGeom prst="rect">
+            <a:avLst/>
+          </a:prstGeom>
+        </p:spPr>
+        <p:txBody>
+          <a:bodyPr/>
+          <a:lstStyle/>
+          <a:p>
+            <a:pPr marL="800100" indent="-685800" defTabSz="914400">
+              <a:lnSpc>
+                <a:spcPct val="115000"/>
+              </a:lnSpc>
+              <a:spcBef>
+                <a:spcPts val="0"/>
+              </a:spcBef>
+              <a:buClr>
+                <a:srgbClr val="000000"/>
+              </a:buClr>
+              <a:buSzPts val="3300"/>
+              <a:buAutoNum type="arabicPeriod" startAt="1"/>
+              <a:defRPr i="0" sz="3300">
+                <a:solidFill>
+                  <a:srgbClr val="000000"/>
+                </a:solidFill>
+                <a:latin typeface="Roboto"/>
+                <a:ea typeface="Roboto"/>
+                <a:cs typeface="Roboto"/>
+                <a:sym typeface="Roboto"/>
+              </a:defRPr>
+            </a:pPr>
+            <a:r>
+              <a:t>np.array()</a:t>
+            </a:r>
+          </a:p>
+          <a:p>
+            <a:pPr marL="800100" indent="-685800" defTabSz="914400">
+              <a:lnSpc>
+                <a:spcPct val="115000"/>
+              </a:lnSpc>
+              <a:spcBef>
+                <a:spcPts val="0"/>
+              </a:spcBef>
+              <a:buClr>
+                <a:srgbClr val="000000"/>
+              </a:buClr>
+              <a:buSzPts val="3300"/>
+              <a:buAutoNum type="arabicPeriod" startAt="1"/>
+              <a:defRPr i="0" sz="3300">
+                <a:solidFill>
+                  <a:srgbClr val="000000"/>
+                </a:solidFill>
+                <a:latin typeface="Roboto"/>
+                <a:ea typeface="Roboto"/>
+                <a:cs typeface="Roboto"/>
+                <a:sym typeface="Roboto"/>
+              </a:defRPr>
+            </a:pPr>
+            <a:r>
+              <a:t>np.arange(), np.linspace()</a:t>
+            </a:r>
+          </a:p>
+          <a:p>
+            <a:pPr marL="800100" indent="-685800" defTabSz="914400">
+              <a:lnSpc>
+                <a:spcPct val="115000"/>
+              </a:lnSpc>
+              <a:spcBef>
+                <a:spcPts val="0"/>
+              </a:spcBef>
+              <a:buClr>
+                <a:srgbClr val="000000"/>
+              </a:buClr>
+              <a:buSzPts val="3300"/>
+              <a:buAutoNum type="arabicPeriod" startAt="1"/>
+              <a:defRPr i="0" sz="3300">
+                <a:solidFill>
+                  <a:srgbClr val="000000"/>
+                </a:solidFill>
+                <a:latin typeface="Roboto"/>
+                <a:ea typeface="Roboto"/>
+                <a:cs typeface="Roboto"/>
+                <a:sym typeface="Roboto"/>
+              </a:defRPr>
+            </a:pPr>
+            <a:r>
+              <a:t>np.min(), np.max(), np.std(), np.var()</a:t>
+            </a:r>
+          </a:p>
+          <a:p>
+            <a:pPr marL="800100" indent="-685800" defTabSz="914400">
+              <a:lnSpc>
+                <a:spcPct val="115000"/>
+              </a:lnSpc>
+              <a:spcBef>
+                <a:spcPts val="0"/>
+              </a:spcBef>
+              <a:buClr>
+                <a:srgbClr val="000000"/>
+              </a:buClr>
+              <a:buSzPts val="3300"/>
+              <a:buAutoNum type="arabicPeriod" startAt="1"/>
+              <a:defRPr i="0" sz="3300">
+                <a:solidFill>
+                  <a:srgbClr val="000000"/>
+                </a:solidFill>
+                <a:latin typeface="Roboto"/>
+                <a:ea typeface="Roboto"/>
+                <a:cs typeface="Roboto"/>
+                <a:sym typeface="Roboto"/>
+              </a:defRPr>
+            </a:pPr>
+            <a:r>
+              <a:t>np.argmax(), np.argmin()</a:t>
+            </a:r>
+          </a:p>
+          <a:p>
+            <a:pPr marL="800100" indent="-685800" defTabSz="914400">
+              <a:lnSpc>
+                <a:spcPct val="115000"/>
+              </a:lnSpc>
+              <a:spcBef>
+                <a:spcPts val="0"/>
+              </a:spcBef>
+              <a:buClr>
+                <a:srgbClr val="000000"/>
+              </a:buClr>
+              <a:buSzPts val="3300"/>
+              <a:buAutoNum type="arabicPeriod" startAt="1"/>
+              <a:defRPr i="0" sz="3300">
+                <a:solidFill>
+                  <a:srgbClr val="000000"/>
+                </a:solidFill>
+                <a:latin typeface="Roboto"/>
+                <a:ea typeface="Roboto"/>
+                <a:cs typeface="Roboto"/>
+                <a:sym typeface="Roboto"/>
+              </a:defRPr>
+            </a:pPr>
+            <a:r>
+              <a:t>np.shape(), np.reshape()</a:t>
+            </a:r>
+          </a:p>
+          <a:p>
+            <a:pPr marL="800100" indent="-685800" defTabSz="914400">
+              <a:lnSpc>
+                <a:spcPct val="115000"/>
+              </a:lnSpc>
+              <a:spcBef>
+                <a:spcPts val="0"/>
+              </a:spcBef>
+              <a:buClr>
+                <a:srgbClr val="000000"/>
+              </a:buClr>
+              <a:buSzPts val="3300"/>
+              <a:buAutoNum type="arabicPeriod" startAt="1"/>
+              <a:defRPr i="0" sz="3300">
+                <a:solidFill>
+                  <a:srgbClr val="000000"/>
+                </a:solidFill>
+                <a:latin typeface="Roboto"/>
+                <a:ea typeface="Roboto"/>
+                <a:cs typeface="Roboto"/>
+                <a:sym typeface="Roboto"/>
+              </a:defRPr>
+            </a:pPr>
+            <a:r>
+              <a:t>np.zeros()</a:t>
+            </a:r>
+          </a:p>
+          <a:p>
+            <a:pPr marL="800100" indent="-685800" defTabSz="914400">
+              <a:lnSpc>
+                <a:spcPct val="115000"/>
+              </a:lnSpc>
+              <a:spcBef>
+                <a:spcPts val="0"/>
+              </a:spcBef>
+              <a:buClr>
+                <a:srgbClr val="000000"/>
+              </a:buClr>
+              <a:buSzPts val="3300"/>
+              <a:buAutoNum type="arabicPeriod" startAt="1"/>
+              <a:defRPr i="0" sz="3300">
+                <a:solidFill>
+                  <a:srgbClr val="000000"/>
+                </a:solidFill>
+                <a:latin typeface="Roboto"/>
+                <a:ea typeface="Roboto"/>
+                <a:cs typeface="Roboto"/>
+                <a:sym typeface="Roboto"/>
+              </a:defRPr>
+            </a:pPr>
+            <a:r>
+              <a:t>np.random.seed(), np.random.random_integers()</a:t>
+            </a:r>
+          </a:p>
+          <a:p>
+            <a:pPr marL="800100" indent="-685800" defTabSz="914400">
+              <a:lnSpc>
+                <a:spcPct val="115000"/>
+              </a:lnSpc>
+              <a:spcBef>
+                <a:spcPts val="0"/>
+              </a:spcBef>
+              <a:buClr>
+                <a:srgbClr val="000000"/>
+              </a:buClr>
+              <a:buSzPts val="3300"/>
+              <a:buAutoNum type="arabicPeriod" startAt="1"/>
+              <a:defRPr i="0" sz="3300">
+                <a:solidFill>
+                  <a:srgbClr val="000000"/>
+                </a:solidFill>
+                <a:latin typeface="Roboto"/>
+                <a:ea typeface="Roboto"/>
+                <a:cs typeface="Roboto"/>
+                <a:sym typeface="Roboto"/>
+              </a:defRPr>
+            </a:pPr>
+            <a:r>
+              <a:t>np.vstack(), np.hstack()</a:t>
+            </a:r>
+          </a:p>
+          <a:p>
+            <a:pPr marL="800100" indent="-685800" defTabSz="914400">
+              <a:lnSpc>
+                <a:spcPct val="115000"/>
+              </a:lnSpc>
+              <a:spcBef>
+                <a:spcPts val="1600"/>
+              </a:spcBef>
+              <a:buClr>
+                <a:srgbClr val="000000"/>
+              </a:buClr>
+              <a:buSzPts val="3300"/>
+              <a:buAutoNum type="arabicPeriod" startAt="1"/>
+              <a:defRPr i="0" sz="3300">
+                <a:solidFill>
+                  <a:srgbClr val="000000"/>
+                </a:solidFill>
+                <a:latin typeface="Roboto"/>
+                <a:ea typeface="Roboto"/>
+                <a:cs typeface="Roboto"/>
+                <a:sym typeface="Roboto"/>
+              </a:defRPr>
+            </a:pPr>
+            <a:r>
+              <a:t>Dealing with n-dimensions: “axis = “ (o or 1)</a:t>
+            </a:r>
+          </a:p>
+        </p:txBody>
+      </p:sp>
+      <p:sp>
+        <p:nvSpPr>
+          <p:cNvPr id="299" name="Slide Number"/>
+          <p:cNvSpPr txBox="1"/>
+          <p:nvPr>
+            <p:ph type="sldNum" sz="quarter" idx="2"/>
+          </p:nvPr>
+        </p:nvSpPr>
+        <p:spPr>
+          <a:prstGeom prst="rect">
+            <a:avLst/>
+          </a:prstGeom>
+          <a:extLst>
+            <a:ext uri="{C572A759-6A51-4108-AA02-DFA0A04FC94B}">
+              <ma14:wrappingTextBoxFlag xmlns:ma14="http://schemas.microsoft.com/office/mac/drawingml/2011/main" val="1"/>
+            </a:ext>
+          </a:extLst>
+        </p:spPr>
+        <p:txBody>
+          <a:bodyPr/>
+          <a:lstStyle/>
+          <a:p>
+            <a:pPr/>
+            <a:fld id="{86CB4B4D-7CA3-9044-876B-883B54F8677D}" type="slidenum"/>
+          </a:p>
+        </p:txBody>
+      </p:sp>
+      <p:sp>
+        <p:nvSpPr>
+          <p:cNvPr id="300" name="http://www.numpy.org"/>
+          <p:cNvSpPr txBox="1"/>
+          <p:nvPr/>
+        </p:nvSpPr>
+        <p:spPr>
+          <a:xfrm>
+            <a:off x="8347835" y="521189"/>
+            <a:ext cx="3345790" cy="461060"/>
+          </a:xfrm>
+          <a:prstGeom prst="rect">
+            <a:avLst/>
+          </a:prstGeom>
+          <a:ln w="12700">
+            <a:miter lim="400000"/>
+          </a:ln>
+          <a:extLst>
+            <a:ext uri="{C572A759-6A51-4108-AA02-DFA0A04FC94B}">
+              <ma14:wrappingTextBoxFlag xmlns:ma14="http://schemas.microsoft.com/office/mac/drawingml/2011/main" val="1"/>
+            </a:ext>
+          </a:extLst>
+        </p:spPr>
+        <p:txBody>
+          <a:bodyPr wrap="none" lIns="50800" tIns="50800" rIns="50800" bIns="50800" anchor="ctr">
+            <a:spAutoFit/>
+          </a:bodyPr>
+          <a:lstStyle/>
+          <a:p>
+            <a:pPr/>
+            <a:r>
+              <a:t>http://www.numpy.org</a:t>
+            </a:r>
           </a:p>
         </p:txBody>
       </p:sp>

--- a/sync_presentations/week_09/week_09-new.pptx
+++ b/sync_presentations/week_09/week_09-new.pptx
@@ -39,6 +39,8 @@
     <p:sldId id="284" r:id="rId36"/>
     <p:sldId id="285" r:id="rId37"/>
     <p:sldId id="286" r:id="rId38"/>
+    <p:sldId id="287" r:id="rId39"/>
+    <p:sldId id="288" r:id="rId40"/>
   </p:sldIdLst>
   <p:sldSz cx="13004800" cy="9753600"/>
   <p:notesSz cx="6858000" cy="9144000"/>
@@ -3443,8 +3445,8 @@
         </p:nvSpPr>
         <p:spPr>
           <a:xfrm>
-            <a:off x="1269999" y="683367"/>
-            <a:ext cx="10464801" cy="2652581"/>
+            <a:off x="1270000" y="683367"/>
+            <a:ext cx="10464800" cy="2652581"/>
           </a:xfrm>
           <a:prstGeom prst="rect">
             <a:avLst/>
@@ -3652,7 +3654,7 @@
         <p:spPr>
           <a:xfrm>
             <a:off x="2458838" y="6502400"/>
-            <a:ext cx="8527391" cy="406401"/>
+            <a:ext cx="8527390" cy="406401"/>
           </a:xfrm>
           <a:prstGeom prst="rect">
             <a:avLst/>
@@ -3716,7 +3718,212 @@
       </p:grpSpPr>
       <p:sp>
         <p:nvSpPr>
-          <p:cNvPr id="177" name="Encoding Schemes, con’t."/>
+          <p:cNvPr id="178" name="Most end-users think about what they type … but most professional/industrial standards require UTF-8.  (https://www.w3schools.com/charsets/ref_html_utf8.asp).  There are hundreds of encoding schemes - from Big5, TwinBridge to IIS, JIS, MacRoman, win-1285, utf-8, utf-16, etc.!…"/>
+          <p:cNvSpPr txBox="1"/>
+          <p:nvPr>
+            <p:ph type="body" idx="1"/>
+          </p:nvPr>
+        </p:nvSpPr>
+        <p:spPr>
+          <a:prstGeom prst="rect">
+            <a:avLst/>
+          </a:prstGeom>
+        </p:spPr>
+        <p:txBody>
+          <a:bodyPr/>
+          <a:lstStyle/>
+          <a:p>
+            <a:pPr marL="377825" indent="-377825" defTabSz="496570">
+              <a:spcBef>
+                <a:spcPts val="2800"/>
+              </a:spcBef>
+              <a:defRPr sz="2720"/>
+            </a:pPr>
+            <a:r>
+              <a:t>Most end-users think about what they type … but most professional/industrial standards </a:t>
+            </a:r>
+            <a:r>
+              <a:rPr i="0"/>
+              <a:t>require</a:t>
+            </a:r>
+            <a:r>
+              <a:t> UTF-8.  (</a:t>
+            </a:r>
+            <a:r>
+              <a:rPr u="sng">
+                <a:hlinkClick r:id="rId2" invalidUrl="" action="" tgtFrame="" tooltip="" history="1" highlightClick="0" endSnd="0"/>
+              </a:rPr>
+              <a:t>https://www.w3schools.com/charsets/ref_html_utf8.asp</a:t>
+            </a:r>
+            <a:r>
+              <a:t>).  There are hundreds of encoding schemes - from Big5, TwinBridge to IIS, JIS, MacRoman, win-1285, utf-8, utf-16, etc.!</a:t>
+            </a:r>
+          </a:p>
+          <a:p>
+            <a:pPr marL="377825" indent="-377825" defTabSz="496570">
+              <a:spcBef>
+                <a:spcPts val="2800"/>
+              </a:spcBef>
+              <a:defRPr sz="2720"/>
+            </a:pPr>
+            <a:r>
+              <a:t>Base 10 example:</a:t>
+            </a:r>
+          </a:p>
+          <a:p>
+            <a:pPr lvl="1" marL="755650" indent="-377825" defTabSz="496570">
+              <a:spcBef>
+                <a:spcPts val="2800"/>
+              </a:spcBef>
+              <a:defRPr i="0" sz="2720"/>
+            </a:pPr>
+            <a:r>
+              <a:t>0000 = 0 [zero in all places, 0, 0, 0, 0]</a:t>
+            </a:r>
+          </a:p>
+          <a:p>
+            <a:pPr lvl="1" marL="755650" indent="-377825" defTabSz="496570">
+              <a:spcBef>
+                <a:spcPts val="2800"/>
+              </a:spcBef>
+              <a:defRPr i="0" sz="2720"/>
+            </a:pPr>
+            <a:r>
+              <a:t>0001 = 1 [ 1 x 2</a:t>
+            </a:r>
+            <a:r>
+              <a:rPr baseline="31999"/>
+              <a:t>0</a:t>
+            </a:r>
+            <a:r>
+              <a:t>] 1 in the one’s place  *nb: take the bite * 2…</a:t>
+            </a:r>
+          </a:p>
+          <a:p>
+            <a:pPr lvl="1" marL="755650" indent="-377825" defTabSz="496570">
+              <a:spcBef>
+                <a:spcPts val="2800"/>
+              </a:spcBef>
+              <a:defRPr i="0" sz="2720"/>
+            </a:pPr>
+            <a:r>
+              <a:t>0010 = 2 [ 1 x 2</a:t>
+            </a:r>
+            <a:r>
+              <a:rPr baseline="31999"/>
+              <a:t>1</a:t>
+            </a:r>
+            <a:r>
+              <a:t>]  1 in the two’s place</a:t>
+            </a:r>
+          </a:p>
+          <a:p>
+            <a:pPr lvl="1" marL="755650" indent="-377825" defTabSz="496570">
+              <a:spcBef>
+                <a:spcPts val="2800"/>
+              </a:spcBef>
+              <a:defRPr i="0" sz="2720"/>
+            </a:pPr>
+            <a:r>
+              <a:t>0100 = 4 [ 1 x 2</a:t>
+            </a:r>
+            <a:r>
+              <a:rPr baseline="31999"/>
+              <a:t>2</a:t>
+            </a:r>
+            <a:r>
+              <a:t>]  1 in the four’s place</a:t>
+            </a:r>
+          </a:p>
+          <a:p>
+            <a:pPr lvl="1" marL="755650" indent="-377825" defTabSz="496570">
+              <a:spcBef>
+                <a:spcPts val="2800"/>
+              </a:spcBef>
+              <a:defRPr i="0" sz="2720"/>
+            </a:pPr>
+            <a:r>
+              <a:t>1000 = 8 [ 1 x 2</a:t>
+            </a:r>
+            <a:r>
+              <a:rPr baseline="31999"/>
+              <a:t>3</a:t>
+            </a:r>
+            <a:r>
+              <a:t>] 1 in the eight’s place </a:t>
+            </a:r>
+          </a:p>
+          <a:p>
+            <a:pPr lvl="1" marL="755650" indent="-377825" defTabSz="496570">
+              <a:spcBef>
+                <a:spcPts val="2800"/>
+              </a:spcBef>
+              <a:defRPr i="0" sz="2720"/>
+            </a:pPr>
+            <a:r>
+              <a:t>1100 = 12 [ 1 x 2</a:t>
+            </a:r>
+            <a:r>
+              <a:rPr baseline="31999"/>
+              <a:t>4</a:t>
+            </a:r>
+            <a:r>
+              <a:t>]   8 + 4 … on in the eight’s place and one in the four’s … and so on… </a:t>
+            </a:r>
+          </a:p>
+        </p:txBody>
+      </p:sp>
+      <p:sp>
+        <p:nvSpPr>
+          <p:cNvPr id="179" name="Rounded Rectangle"/>
+          <p:cNvSpPr/>
+          <p:nvPr/>
+        </p:nvSpPr>
+        <p:spPr>
+          <a:xfrm>
+            <a:off x="8987366" y="5308600"/>
+            <a:ext cx="3585035" cy="2228718"/>
+          </a:xfrm>
+          <a:prstGeom prst="roundRect">
+            <a:avLst>
+              <a:gd name="adj" fmla="val 15000"/>
+            </a:avLst>
+          </a:prstGeom>
+          <a:solidFill>
+            <a:srgbClr val="F8F3CB"/>
+          </a:solidFill>
+          <a:ln w="12700">
+            <a:miter lim="400000"/>
+          </a:ln>
+          <a:effectLst>
+            <a:outerShdw sx="100000" sy="100000" kx="0" ky="0" algn="b" rotWithShape="0" blurRad="50800" dist="25400" dir="3600000">
+              <a:srgbClr val="000000">
+                <a:alpha val="70000"/>
+              </a:srgbClr>
+            </a:outerShdw>
+          </a:effectLst>
+        </p:spPr>
+        <p:txBody>
+          <a:bodyPr lIns="50800" tIns="50800" rIns="50800" bIns="50800" anchor="ctr"/>
+          <a:lstStyle/>
+          <a:p>
+            <a:pPr>
+              <a:defRPr b="0" sz="2200">
+                <a:solidFill>
+                  <a:srgbClr val="FFFFFF"/>
+                </a:solidFill>
+                <a:latin typeface="+mn-lt"/>
+                <a:ea typeface="+mn-ea"/>
+                <a:cs typeface="+mn-cs"/>
+                <a:sym typeface="Helvetica Neue Medium"/>
+              </a:defRPr>
+            </a:pPr>
+          </a:p>
+        </p:txBody>
+      </p:sp>
+      <p:sp>
+        <p:nvSpPr>
+          <p:cNvPr id="180" name="Encoding Schemes"/>
           <p:cNvSpPr txBox="1"/>
           <p:nvPr>
             <p:ph type="title"/>
@@ -3733,196 +3940,14 @@
           <a:p>
             <a:pPr/>
             <a:r>
-              <a:t>Encoding Schemes, con’t.</a:t>
-            </a:r>
-          </a:p>
-        </p:txBody>
-      </p:sp>
-      <p:sp>
-        <p:nvSpPr>
-          <p:cNvPr id="178" name="The choice of base 16 comes directly from the use of phrases binary strings; first 3 (Octal) and then 4 digit (Nybble, aka: hexadecimal)…"/>
-          <p:cNvSpPr txBox="1"/>
-          <p:nvPr>
-            <p:ph type="body" idx="1"/>
-          </p:nvPr>
-        </p:nvSpPr>
-        <p:spPr>
-          <a:prstGeom prst="rect">
-            <a:avLst/>
-          </a:prstGeom>
-        </p:spPr>
-        <p:txBody>
-          <a:bodyPr/>
-          <a:lstStyle/>
-          <a:p>
-            <a:pPr marL="457200" indent="-342900" defTabSz="914400">
-              <a:lnSpc>
-                <a:spcPct val="115000"/>
-              </a:lnSpc>
-              <a:spcBef>
-                <a:spcPts val="500"/>
-              </a:spcBef>
-              <a:buClr>
-                <a:srgbClr val="000000"/>
-              </a:buClr>
-              <a:buSzPts val="2700"/>
-              <a:buFont typeface="Trebuchet MS"/>
-              <a:buChar char="●"/>
-              <a:defRPr i="0" sz="2700">
-                <a:solidFill>
-                  <a:srgbClr val="000000"/>
-                </a:solidFill>
-              </a:defRPr>
-            </a:pPr>
-            <a:r>
-              <a:t>The choice of base 16 comes directly from the use of phrases binary strings; first 3 (Octal) and then 4 digit (Nybble, aka: hexadecimal)</a:t>
-            </a:r>
-          </a:p>
-          <a:p>
-            <a:pPr marL="0" indent="0" defTabSz="914400">
-              <a:lnSpc>
-                <a:spcPct val="115000"/>
-              </a:lnSpc>
-              <a:spcBef>
-                <a:spcPts val="0"/>
-              </a:spcBef>
-              <a:buClr>
-                <a:srgbClr val="434343"/>
-              </a:buClr>
-              <a:buSzTx/>
-              <a:buFont typeface="Helvetica"/>
-              <a:buNone/>
-              <a:defRPr i="0" sz="2700">
-                <a:solidFill>
-                  <a:srgbClr val="434343"/>
-                </a:solidFill>
-              </a:defRPr>
-            </a:pPr>
-            <a:endParaRPr>
-              <a:solidFill>
-                <a:srgbClr val="000000"/>
-              </a:solidFill>
-              <a:latin typeface="Freight Sans Bold"/>
-              <a:ea typeface="Freight Sans Bold"/>
-              <a:cs typeface="Freight Sans Bold"/>
-              <a:sym typeface="Freight Sans Bold"/>
-            </a:endParaRPr>
-          </a:p>
-          <a:p>
-            <a:pPr marL="0" indent="0" defTabSz="914400">
-              <a:lnSpc>
-                <a:spcPct val="115000"/>
-              </a:lnSpc>
-              <a:spcBef>
-                <a:spcPts val="1600"/>
-              </a:spcBef>
-              <a:buClr>
-                <a:srgbClr val="434343"/>
-              </a:buClr>
-              <a:buSzTx/>
-              <a:buFont typeface="Helvetica"/>
-              <a:buNone/>
-              <a:defRPr i="0" sz="2700">
-                <a:solidFill>
-                  <a:srgbClr val="000000"/>
-                </a:solidFill>
-                <a:latin typeface="Freight Sans Bold"/>
-                <a:ea typeface="Freight Sans Bold"/>
-                <a:cs typeface="Freight Sans Bold"/>
-                <a:sym typeface="Freight Sans Bold"/>
-              </a:defRPr>
-            </a:pPr>
-            <a:r>
-              <a:t>3 digit binary phrase (Octal) </a:t>
-            </a:r>
-          </a:p>
-          <a:p>
-            <a:pPr marL="0" indent="0" defTabSz="914400">
-              <a:lnSpc>
-                <a:spcPct val="115000"/>
-              </a:lnSpc>
-              <a:spcBef>
-                <a:spcPts val="1600"/>
-              </a:spcBef>
-              <a:buClr>
-                <a:srgbClr val="434343"/>
-              </a:buClr>
-              <a:buSzTx/>
-              <a:buFont typeface="Helvetica"/>
-              <a:buNone/>
-              <a:defRPr i="0" sz="2700">
-                <a:solidFill>
-                  <a:srgbClr val="000000"/>
-                </a:solidFill>
-              </a:defRPr>
-            </a:pPr>
-            <a:r>
-              <a:t>000=0, 001=1, 010=2, 011=3, 100=4, 101=5, 011=6,  111=7</a:t>
-            </a:r>
-          </a:p>
-          <a:p>
-            <a:pPr marL="0" indent="0" defTabSz="914400">
-              <a:lnSpc>
-                <a:spcPct val="115000"/>
-              </a:lnSpc>
-              <a:spcBef>
-                <a:spcPts val="1600"/>
-              </a:spcBef>
-              <a:buClr>
-                <a:srgbClr val="434343"/>
-              </a:buClr>
-              <a:buSzTx/>
-              <a:buFont typeface="Helvetica"/>
-              <a:buNone/>
-              <a:defRPr i="0" sz="2700">
-                <a:solidFill>
-                  <a:srgbClr val="000000"/>
-                </a:solidFill>
-              </a:defRPr>
-            </a:pPr>
-            <a:r>
-              <a:t>These 8 numbers represent one Octal digit that can take values 0-7</a:t>
-            </a:r>
-            <a:endParaRPr>
-              <a:latin typeface="Freight Sans Bold"/>
-              <a:ea typeface="Freight Sans Bold"/>
-              <a:cs typeface="Freight Sans Bold"/>
-              <a:sym typeface="Freight Sans Bold"/>
-            </a:endParaRPr>
-          </a:p>
-          <a:p>
-            <a:pPr marL="0" indent="0" defTabSz="914400">
-              <a:lnSpc>
-                <a:spcPct val="115000"/>
-              </a:lnSpc>
-              <a:spcBef>
-                <a:spcPts val="1600"/>
-              </a:spcBef>
-              <a:buClr>
-                <a:srgbClr val="434343"/>
-              </a:buClr>
-              <a:buSzTx/>
-              <a:buFont typeface="Helvetica"/>
-              <a:buNone/>
-              <a:defRPr i="0" sz="2700">
-                <a:solidFill>
-                  <a:srgbClr val="000000"/>
-                </a:solidFill>
-                <a:latin typeface="Freight Sans Bold"/>
-                <a:ea typeface="Freight Sans Bold"/>
-                <a:cs typeface="Freight Sans Bold"/>
-                <a:sym typeface="Freight Sans Bold"/>
-              </a:defRPr>
-            </a:pPr>
-            <a:r>
-              <a:t>Similarly the 4 digit binary phrase (“nibble”) has 16 values and represents one hexadecimal digit (0-F)</a:t>
-            </a:r>
-          </a:p>
-        </p:txBody>
-      </p:sp>
-      <p:sp>
-        <p:nvSpPr>
-          <p:cNvPr id="179" name="Slide Number"/>
+              <a:t>Encoding Schemes</a:t>
+            </a:r>
+          </a:p>
+        </p:txBody>
+      </p:sp>
+      <p:sp>
+        <p:nvSpPr>
+          <p:cNvPr id="181" name="Slide Number"/>
           <p:cNvSpPr txBox="1"/>
           <p:nvPr>
             <p:ph type="sldNum" sz="quarter" idx="2"/>
@@ -3944,6 +3969,100 @@
           <a:p>
             <a:pPr/>
             <a:fld id="{86CB4B4D-7CA3-9044-876B-883B54F8677D}" type="slidenum"/>
+          </a:p>
+        </p:txBody>
+      </p:sp>
+      <p:sp>
+        <p:nvSpPr>
+          <p:cNvPr id="182" name="Google Shape;177;p27"/>
+          <p:cNvSpPr txBox="1"/>
+          <p:nvPr/>
+        </p:nvSpPr>
+        <p:spPr>
+          <a:xfrm>
+            <a:off x="9293833" y="5374008"/>
+            <a:ext cx="2972101" cy="1775572"/>
+          </a:xfrm>
+          <a:prstGeom prst="rect">
+            <a:avLst/>
+          </a:prstGeom>
+          <a:ln w="12700">
+            <a:miter lim="400000"/>
+          </a:ln>
+          <a:extLst>
+            <a:ext uri="{C572A759-6A51-4108-AA02-DFA0A04FC94B}">
+              <ma14:wrappingTextBoxFlag xmlns:ma14="http://schemas.microsoft.com/office/mac/drawingml/2011/main" val="1"/>
+            </a:ext>
+          </a:extLst>
+        </p:spPr>
+        <p:txBody>
+          <a:bodyPr lIns="91424" tIns="91424" rIns="91424" bIns="91424">
+            <a:spAutoFit/>
+          </a:bodyPr>
+          <a:lstStyle/>
+          <a:p>
+            <a:pPr algn="l" defTabSz="914400">
+              <a:defRPr sz="1800">
+                <a:solidFill>
+                  <a:srgbClr val="0000FF"/>
+                </a:solidFill>
+                <a:latin typeface="Arial"/>
+                <a:ea typeface="Arial"/>
+                <a:cs typeface="Arial"/>
+                <a:sym typeface="Arial"/>
+              </a:defRPr>
+            </a:pPr>
+            <a:r>
+              <a:t>In binary every number takes one of 2 values </a:t>
+            </a:r>
+          </a:p>
+          <a:p>
+            <a:pPr algn="l" defTabSz="914400">
+              <a:defRPr sz="1800">
+                <a:solidFill>
+                  <a:srgbClr val="0000FF"/>
+                </a:solidFill>
+                <a:latin typeface="Arial"/>
+                <a:ea typeface="Arial"/>
+                <a:cs typeface="Arial"/>
+                <a:sym typeface="Arial"/>
+              </a:defRPr>
+            </a:pPr>
+            <a:r>
+              <a:t>0 or 1)</a:t>
+            </a:r>
+          </a:p>
+          <a:p>
+            <a:pPr algn="l" defTabSz="914400">
+              <a:defRPr sz="1800">
+                <a:solidFill>
+                  <a:srgbClr val="0000FF"/>
+                </a:solidFill>
+                <a:latin typeface="Arial"/>
+                <a:ea typeface="Arial"/>
+                <a:cs typeface="Arial"/>
+                <a:sym typeface="Arial"/>
+              </a:defRPr>
+            </a:pPr>
+            <a:r>
+              <a:t>------------------------------------</a:t>
+            </a:r>
+          </a:p>
+          <a:p>
+            <a:pPr algn="l" defTabSz="914400">
+              <a:defRPr sz="1800">
+                <a:solidFill>
+                  <a:srgbClr val="20124D"/>
+                </a:solidFill>
+                <a:latin typeface="Arial"/>
+                <a:ea typeface="Arial"/>
+                <a:cs typeface="Arial"/>
+                <a:sym typeface="Arial"/>
+              </a:defRPr>
+            </a:pPr>
+            <a:r>
+              <a:t>The places are multiples of 16 -&gt;       1, 2, 4, 6, 8, 10</a:t>
+            </a:r>
           </a:p>
         </p:txBody>
       </p:sp>
@@ -3975,7 +4094,7 @@
       </p:grpSpPr>
       <p:sp>
         <p:nvSpPr>
-          <p:cNvPr id="181" name="Encoding Schemes, con’t."/>
+          <p:cNvPr id="184" name="Encoding Schemes, con’t."/>
           <p:cNvSpPr txBox="1"/>
           <p:nvPr>
             <p:ph type="title"/>
@@ -3999,7 +4118,266 @@
       </p:sp>
       <p:sp>
         <p:nvSpPr>
-          <p:cNvPr id="182" name="Computers also use hexadecimal which is base 16,…"/>
+          <p:cNvPr id="185" name="The choice of base 16 comes directly from the use of phrases binary strings; first 3 (Octal) and then 4 digit (Nybble, aka: hexadecimal)…"/>
+          <p:cNvSpPr txBox="1"/>
+          <p:nvPr>
+            <p:ph type="body" idx="1"/>
+          </p:nvPr>
+        </p:nvSpPr>
+        <p:spPr>
+          <a:prstGeom prst="rect">
+            <a:avLst/>
+          </a:prstGeom>
+        </p:spPr>
+        <p:txBody>
+          <a:bodyPr/>
+          <a:lstStyle/>
+          <a:p>
+            <a:pPr marL="457200" indent="-342900" defTabSz="914400">
+              <a:lnSpc>
+                <a:spcPct val="115000"/>
+              </a:lnSpc>
+              <a:spcBef>
+                <a:spcPts val="500"/>
+              </a:spcBef>
+              <a:buClr>
+                <a:srgbClr val="000000"/>
+              </a:buClr>
+              <a:buSzPts val="2700"/>
+              <a:buFont typeface="Trebuchet MS"/>
+              <a:buChar char="●"/>
+              <a:defRPr i="0" sz="2700">
+                <a:solidFill>
+                  <a:srgbClr val="000000"/>
+                </a:solidFill>
+              </a:defRPr>
+            </a:pPr>
+            <a:r>
+              <a:t>The choice of base 16 comes directly from the use of phrases binary strings; first 3 (Octal) and then 4 digit (Nybble, aka: hexadecimal)</a:t>
+            </a:r>
+          </a:p>
+          <a:p>
+            <a:pPr marL="0" indent="0" defTabSz="914400">
+              <a:lnSpc>
+                <a:spcPct val="115000"/>
+              </a:lnSpc>
+              <a:spcBef>
+                <a:spcPts val="0"/>
+              </a:spcBef>
+              <a:buClr>
+                <a:srgbClr val="434343"/>
+              </a:buClr>
+              <a:buSzTx/>
+              <a:buFont typeface="Helvetica"/>
+              <a:buNone/>
+              <a:defRPr i="0" sz="2700">
+                <a:solidFill>
+                  <a:srgbClr val="434343"/>
+                </a:solidFill>
+              </a:defRPr>
+            </a:pPr>
+            <a:endParaRPr>
+              <a:solidFill>
+                <a:srgbClr val="000000"/>
+              </a:solidFill>
+              <a:latin typeface="Freight Sans Bold"/>
+              <a:ea typeface="Freight Sans Bold"/>
+              <a:cs typeface="Freight Sans Bold"/>
+              <a:sym typeface="Freight Sans Bold"/>
+            </a:endParaRPr>
+          </a:p>
+          <a:p>
+            <a:pPr marL="0" indent="0" defTabSz="914400">
+              <a:lnSpc>
+                <a:spcPct val="115000"/>
+              </a:lnSpc>
+              <a:spcBef>
+                <a:spcPts val="1600"/>
+              </a:spcBef>
+              <a:buClr>
+                <a:srgbClr val="434343"/>
+              </a:buClr>
+              <a:buSzTx/>
+              <a:buFont typeface="Helvetica"/>
+              <a:buNone/>
+              <a:defRPr i="0" sz="2700">
+                <a:solidFill>
+                  <a:srgbClr val="000000"/>
+                </a:solidFill>
+                <a:latin typeface="Freight Sans Bold"/>
+                <a:ea typeface="Freight Sans Bold"/>
+                <a:cs typeface="Freight Sans Bold"/>
+                <a:sym typeface="Freight Sans Bold"/>
+              </a:defRPr>
+            </a:pPr>
+            <a:r>
+              <a:t>3 digit binary phrase (Octal) </a:t>
+            </a:r>
+          </a:p>
+          <a:p>
+            <a:pPr marL="0" indent="0" defTabSz="914400">
+              <a:lnSpc>
+                <a:spcPct val="115000"/>
+              </a:lnSpc>
+              <a:spcBef>
+                <a:spcPts val="1600"/>
+              </a:spcBef>
+              <a:buClr>
+                <a:srgbClr val="434343"/>
+              </a:buClr>
+              <a:buSzTx/>
+              <a:buFont typeface="Helvetica"/>
+              <a:buNone/>
+              <a:defRPr i="0" sz="2700">
+                <a:solidFill>
+                  <a:srgbClr val="000000"/>
+                </a:solidFill>
+              </a:defRPr>
+            </a:pPr>
+            <a:r>
+              <a:t>000=0, 001=1, 010=2, 011=3, 100=4, 101=5, 011=6,  111=7</a:t>
+            </a:r>
+          </a:p>
+          <a:p>
+            <a:pPr marL="0" indent="0" defTabSz="914400">
+              <a:lnSpc>
+                <a:spcPct val="115000"/>
+              </a:lnSpc>
+              <a:spcBef>
+                <a:spcPts val="1600"/>
+              </a:spcBef>
+              <a:buClr>
+                <a:srgbClr val="434343"/>
+              </a:buClr>
+              <a:buSzTx/>
+              <a:buFont typeface="Helvetica"/>
+              <a:buNone/>
+              <a:defRPr i="0" sz="2700">
+                <a:solidFill>
+                  <a:srgbClr val="000000"/>
+                </a:solidFill>
+              </a:defRPr>
+            </a:pPr>
+            <a:r>
+              <a:t>These 8 numbers represent one Octal digit that can take values 0-7</a:t>
+            </a:r>
+            <a:endParaRPr>
+              <a:latin typeface="Freight Sans Bold"/>
+              <a:ea typeface="Freight Sans Bold"/>
+              <a:cs typeface="Freight Sans Bold"/>
+              <a:sym typeface="Freight Sans Bold"/>
+            </a:endParaRPr>
+          </a:p>
+          <a:p>
+            <a:pPr marL="0" indent="0" defTabSz="914400">
+              <a:lnSpc>
+                <a:spcPct val="115000"/>
+              </a:lnSpc>
+              <a:spcBef>
+                <a:spcPts val="1600"/>
+              </a:spcBef>
+              <a:buClr>
+                <a:srgbClr val="434343"/>
+              </a:buClr>
+              <a:buSzTx/>
+              <a:buFont typeface="Helvetica"/>
+              <a:buNone/>
+              <a:defRPr i="0" sz="2700">
+                <a:solidFill>
+                  <a:srgbClr val="000000"/>
+                </a:solidFill>
+                <a:latin typeface="Freight Sans Bold"/>
+                <a:ea typeface="Freight Sans Bold"/>
+                <a:cs typeface="Freight Sans Bold"/>
+                <a:sym typeface="Freight Sans Bold"/>
+              </a:defRPr>
+            </a:pPr>
+            <a:r>
+              <a:t>Similarly the 4 digit binary phrase (“nibble”) has 16 values and represents one hexadecimal digit (0-F)</a:t>
+            </a:r>
+          </a:p>
+        </p:txBody>
+      </p:sp>
+      <p:sp>
+        <p:nvSpPr>
+          <p:cNvPr id="186" name="Slide Number"/>
+          <p:cNvSpPr txBox="1"/>
+          <p:nvPr>
+            <p:ph type="sldNum" sz="quarter" idx="2"/>
+          </p:nvPr>
+        </p:nvSpPr>
+        <p:spPr>
+          <a:prstGeom prst="rect">
+            <a:avLst/>
+          </a:prstGeom>
+          <a:extLst>
+            <a:ext uri="{C572A759-6A51-4108-AA02-DFA0A04FC94B}">
+              <ma14:wrappingTextBoxFlag xmlns:ma14="http://schemas.microsoft.com/office/mac/drawingml/2011/main" val="1"/>
+            </a:ext>
+          </a:extLst>
+        </p:spPr>
+        <p:txBody>
+          <a:bodyPr/>
+          <a:lstStyle/>
+          <a:p>
+            <a:pPr/>
+            <a:fld id="{86CB4B4D-7CA3-9044-876B-883B54F8677D}" type="slidenum"/>
+          </a:p>
+        </p:txBody>
+      </p:sp>
+    </p:spTree>
+  </p:cSld>
+  <p:clrMapOvr>
+    <a:masterClrMapping/>
+  </p:clrMapOvr>
+  <p:transition xmlns:p14="http://schemas.microsoft.com/office/powerpoint/2010/main" spd="med" advClick="1"/>
+</p:sld>
+</file>
+
+<file path=ppt/slides/slide12.xml><?xml version="1.0" encoding="utf-8"?>
+<p:sld xmlns:a="http://schemas.openxmlformats.org/drawingml/2006/main" xmlns:r="http://schemas.openxmlformats.org/officeDocument/2006/relationships" xmlns:p="http://schemas.openxmlformats.org/presentationml/2006/main" xmlns:m="http://schemas.openxmlformats.org/officeDocument/2006/math" xmlns:a14="http://schemas.microsoft.com/office/drawing/2010/main" showMasterSp="1" showMasterPhAnim="1">
+  <p:cSld>
+    <p:spTree>
+      <p:nvGrpSpPr>
+        <p:cNvPr id="1" name=""/>
+        <p:cNvGrpSpPr/>
+        <p:nvPr/>
+      </p:nvGrpSpPr>
+      <p:grpSpPr>
+        <a:xfrm>
+          <a:off x="0" y="0"/>
+          <a:ext cx="0" cy="0"/>
+          <a:chOff x="0" y="0"/>
+          <a:chExt cx="0" cy="0"/>
+        </a:xfrm>
+      </p:grpSpPr>
+      <p:sp>
+        <p:nvSpPr>
+          <p:cNvPr id="188" name="Encoding Schemes, con’t."/>
+          <p:cNvSpPr txBox="1"/>
+          <p:nvPr>
+            <p:ph type="title"/>
+          </p:nvPr>
+        </p:nvSpPr>
+        <p:spPr>
+          <a:prstGeom prst="rect">
+            <a:avLst/>
+          </a:prstGeom>
+        </p:spPr>
+        <p:txBody>
+          <a:bodyPr/>
+          <a:lstStyle/>
+          <a:p>
+            <a:pPr/>
+            <a:r>
+              <a:t>Encoding Schemes, con’t.</a:t>
+            </a:r>
+          </a:p>
+        </p:txBody>
+      </p:sp>
+      <p:sp>
+        <p:nvSpPr>
+          <p:cNvPr id="189" name="Computers also use hexadecimal which is base 16,…"/>
           <p:cNvSpPr txBox="1"/>
           <p:nvPr>
             <p:ph type="body" idx="1"/>
@@ -4150,7 +4528,7 @@
       </p:sp>
       <p:sp>
         <p:nvSpPr>
-          <p:cNvPr id="183" name="Slide Number"/>
+          <p:cNvPr id="190" name="Slide Number"/>
           <p:cNvSpPr txBox="1"/>
           <p:nvPr>
             <p:ph type="sldNum" sz="quarter" idx="2"/>
@@ -4177,7 +4555,7 @@
       </p:sp>
       <p:grpSp>
         <p:nvGrpSpPr>
-          <p:cNvPr id="186" name="Google Shape;202;p30"/>
+          <p:cNvPr id="193" name="Google Shape;202;p30"/>
           <p:cNvGrpSpPr/>
           <p:nvPr/>
         </p:nvGrpSpPr>
@@ -4191,7 +4569,7 @@
         </p:grpSpPr>
         <p:pic>
           <p:nvPicPr>
-            <p:cNvPr id="185" name="Google Shape;202;p30" descr="Google Shape;202;p30"/>
+            <p:cNvPr id="192" name="Google Shape;202;p30" descr="Google Shape;202;p30"/>
             <p:cNvPicPr>
               <a:picLocks noChangeAspect="1"/>
             </p:cNvPicPr>
@@ -4221,7 +4599,7 @@
         </p:pic>
         <p:pic>
           <p:nvPicPr>
-            <p:cNvPr id="184" name="Google Shape;202;p30" descr="Google Shape;202;p30"/>
+            <p:cNvPr id="191" name="Google Shape;202;p30" descr="Google Shape;202;p30"/>
             <p:cNvPicPr>
               <a:picLocks noChangeAspect="0"/>
             </p:cNvPicPr>
@@ -4249,7 +4627,7 @@
       </p:grpSp>
       <p:sp>
         <p:nvSpPr>
-          <p:cNvPr id="187" name="Google Shape;201;p30"/>
+          <p:cNvPr id="194" name="Google Shape;201;p30"/>
           <p:cNvSpPr txBox="1"/>
           <p:nvPr/>
         </p:nvSpPr>
@@ -4318,7 +4696,7 @@
 </p:sld>
 </file>
 
-<file path=ppt/slides/slide12.xml><?xml version="1.0" encoding="utf-8"?>
+<file path=ppt/slides/slide13.xml><?xml version="1.0" encoding="utf-8"?>
 <p:sld xmlns:a="http://schemas.openxmlformats.org/drawingml/2006/main" xmlns:r="http://schemas.openxmlformats.org/officeDocument/2006/relationships" xmlns:p="http://schemas.openxmlformats.org/presentationml/2006/main" xmlns:m="http://schemas.openxmlformats.org/officeDocument/2006/math" xmlns:a14="http://schemas.microsoft.com/office/drawing/2010/main" showMasterSp="1" showMasterPhAnim="1">
   <p:cSld>
     <p:spTree>
@@ -4337,7 +4715,7 @@
       </p:grpSpPr>
       <p:sp>
         <p:nvSpPr>
-          <p:cNvPr id="189" name="ASCII?!"/>
+          <p:cNvPr id="196" name="ASCII?!"/>
           <p:cNvSpPr txBox="1"/>
           <p:nvPr>
             <p:ph type="title"/>
@@ -4371,7 +4749,7 @@
       </p:sp>
       <p:sp>
         <p:nvSpPr>
-          <p:cNvPr id="190" name="ASCII uses 7 binary bits…"/>
+          <p:cNvPr id="197" name="ASCII uses 7 binary bits…"/>
           <p:cNvSpPr txBox="1"/>
           <p:nvPr>
             <p:ph type="body" idx="1"/>
@@ -4599,7 +4977,7 @@
       </p:sp>
       <p:sp>
         <p:nvSpPr>
-          <p:cNvPr id="191" name="Slide Number"/>
+          <p:cNvPr id="198" name="Slide Number"/>
           <p:cNvSpPr txBox="1"/>
           <p:nvPr>
             <p:ph type="sldNum" sz="quarter" idx="2"/>
@@ -4626,7 +5004,7 @@
       </p:sp>
       <p:grpSp>
         <p:nvGrpSpPr>
-          <p:cNvPr id="194" name="Screen Shot 2018-10-29 at 4.54.00 PM.png"/>
+          <p:cNvPr id="201" name="Screen Shot 2018-10-29 at 4.54.00 PM.png"/>
           <p:cNvGrpSpPr/>
           <p:nvPr/>
         </p:nvGrpSpPr>
@@ -4640,7 +5018,7 @@
         </p:grpSpPr>
         <p:pic>
           <p:nvPicPr>
-            <p:cNvPr id="193" name="Screen Shot 2018-10-29 at 4.54.00 PM.png" descr="Screen Shot 2018-10-29 at 4.54.00 PM.png"/>
+            <p:cNvPr id="200" name="Screen Shot 2018-10-29 at 4.54.00 PM.png" descr="Screen Shot 2018-10-29 at 4.54.00 PM.png"/>
             <p:cNvPicPr>
               <a:picLocks noChangeAspect="1"/>
             </p:cNvPicPr>
@@ -4670,7 +5048,7 @@
         </p:pic>
         <p:pic>
           <p:nvPicPr>
-            <p:cNvPr id="192" name="Screen Shot 2018-10-29 at 4.54.00 PM.png" descr="Screen Shot 2018-10-29 at 4.54.00 PM.png"/>
+            <p:cNvPr id="199" name="Screen Shot 2018-10-29 at 4.54.00 PM.png" descr="Screen Shot 2018-10-29 at 4.54.00 PM.png"/>
             <p:cNvPicPr>
               <a:picLocks noChangeAspect="0"/>
             </p:cNvPicPr>
@@ -4705,358 +5083,6 @@
 </p:sld>
 </file>
 
-<file path=ppt/slides/slide13.xml><?xml version="1.0" encoding="utf-8"?>
-<p:sld xmlns:a="http://schemas.openxmlformats.org/drawingml/2006/main" xmlns:r="http://schemas.openxmlformats.org/officeDocument/2006/relationships" xmlns:p="http://schemas.openxmlformats.org/presentationml/2006/main" xmlns:m="http://schemas.openxmlformats.org/officeDocument/2006/math" xmlns:a14="http://schemas.microsoft.com/office/drawing/2010/main" showMasterSp="1" showMasterPhAnim="1">
-  <p:cSld>
-    <p:spTree>
-      <p:nvGrpSpPr>
-        <p:cNvPr id="1" name=""/>
-        <p:cNvGrpSpPr/>
-        <p:nvPr/>
-      </p:nvGrpSpPr>
-      <p:grpSpPr>
-        <a:xfrm>
-          <a:off x="0" y="0"/>
-          <a:ext cx="0" cy="0"/>
-          <a:chOff x="0" y="0"/>
-          <a:chExt cx="0" cy="0"/>
-        </a:xfrm>
-      </p:grpSpPr>
-      <p:sp>
-        <p:nvSpPr>
-          <p:cNvPr id="196" name="Unicode, 1"/>
-          <p:cNvSpPr txBox="1"/>
-          <p:nvPr>
-            <p:ph type="title"/>
-          </p:nvPr>
-        </p:nvSpPr>
-        <p:spPr>
-          <a:prstGeom prst="rect">
-            <a:avLst/>
-          </a:prstGeom>
-        </p:spPr>
-        <p:txBody>
-          <a:bodyPr/>
-          <a:lstStyle/>
-          <a:p>
-            <a:pPr/>
-            <a:r>
-              <a:t>Unicode, 1</a:t>
-            </a:r>
-          </a:p>
-        </p:txBody>
-      </p:sp>
-      <p:sp>
-        <p:nvSpPr>
-          <p:cNvPr id="197" name="Unicode  encodes 120k characters…"/>
-          <p:cNvSpPr txBox="1"/>
-          <p:nvPr>
-            <p:ph type="body" idx="1"/>
-          </p:nvPr>
-        </p:nvSpPr>
-        <p:spPr>
-          <a:xfrm>
-            <a:off x="419100" y="1524000"/>
-            <a:ext cx="12379127" cy="6705601"/>
-          </a:xfrm>
-          <a:prstGeom prst="rect">
-            <a:avLst/>
-          </a:prstGeom>
-        </p:spPr>
-        <p:txBody>
-          <a:bodyPr/>
-          <a:lstStyle/>
-          <a:p>
-            <a:pPr marL="0" indent="0" defTabSz="914400">
-              <a:lnSpc>
-                <a:spcPct val="115000"/>
-              </a:lnSpc>
-              <a:spcBef>
-                <a:spcPts val="0"/>
-              </a:spcBef>
-              <a:buClr>
-                <a:srgbClr val="434343"/>
-              </a:buClr>
-              <a:buSzTx/>
-              <a:buFont typeface="Helvetica"/>
-              <a:buNone/>
-              <a:defRPr i="0" sz="2800">
-                <a:solidFill>
-                  <a:srgbClr val="434343"/>
-                </a:solidFill>
-                <a:latin typeface="Freight Sans Bold"/>
-                <a:ea typeface="Freight Sans Bold"/>
-                <a:cs typeface="Freight Sans Bold"/>
-                <a:sym typeface="Freight Sans Bold"/>
-              </a:defRPr>
-            </a:pPr>
-            <a:r>
-              <a:t>Unicode  encodes 120k characters</a:t>
-            </a:r>
-          </a:p>
-          <a:p>
-            <a:pPr marL="0" indent="457200" defTabSz="914400">
-              <a:lnSpc>
-                <a:spcPct val="115000"/>
-              </a:lnSpc>
-              <a:spcBef>
-                <a:spcPts val="1600"/>
-              </a:spcBef>
-              <a:buClr>
-                <a:srgbClr val="434343"/>
-              </a:buClr>
-              <a:buSzTx/>
-              <a:buFont typeface="Helvetica"/>
-              <a:buNone/>
-              <a:defRPr i="0" sz="2800">
-                <a:solidFill>
-                  <a:srgbClr val="434343"/>
-                </a:solidFill>
-              </a:defRPr>
-            </a:pPr>
-            <a:r>
-              <a:t>Modern and ancient languages, math</a:t>
-            </a:r>
-          </a:p>
-          <a:p>
-            <a:pPr marL="0" indent="0" defTabSz="914400">
-              <a:lnSpc>
-                <a:spcPct val="115000"/>
-              </a:lnSpc>
-              <a:spcBef>
-                <a:spcPts val="1600"/>
-              </a:spcBef>
-              <a:buClr>
-                <a:srgbClr val="434343"/>
-              </a:buClr>
-              <a:buSzTx/>
-              <a:buFont typeface="Helvetica"/>
-              <a:buNone/>
-              <a:defRPr i="0" sz="2800">
-                <a:solidFill>
-                  <a:srgbClr val="434343"/>
-                </a:solidFill>
-                <a:latin typeface="Freight Sans Bold"/>
-                <a:ea typeface="Freight Sans Bold"/>
-                <a:cs typeface="Freight Sans Bold"/>
-                <a:sym typeface="Freight Sans Bold"/>
-              </a:defRPr>
-            </a:pPr>
-            <a:r>
-              <a:t> UTF-8 </a:t>
-            </a:r>
-          </a:p>
-          <a:p>
-            <a:pPr marL="0" indent="0" defTabSz="914400">
-              <a:lnSpc>
-                <a:spcPct val="115000"/>
-              </a:lnSpc>
-              <a:spcBef>
-                <a:spcPts val="1600"/>
-              </a:spcBef>
-              <a:buClr>
-                <a:srgbClr val="434343"/>
-              </a:buClr>
-              <a:buSzTx/>
-              <a:buFont typeface="Helvetica"/>
-              <a:buNone/>
-              <a:defRPr i="0" sz="2800">
-                <a:solidFill>
-                  <a:srgbClr val="434343"/>
-                </a:solidFill>
-              </a:defRPr>
-            </a:pPr>
-            <a:r>
-              <a:t>	Compatible with Unicode</a:t>
-            </a:r>
-          </a:p>
-          <a:p>
-            <a:pPr marL="0" indent="0" defTabSz="914400">
-              <a:lnSpc>
-                <a:spcPct val="115000"/>
-              </a:lnSpc>
-              <a:spcBef>
-                <a:spcPts val="1600"/>
-              </a:spcBef>
-              <a:buClr>
-                <a:srgbClr val="434343"/>
-              </a:buClr>
-              <a:buSzTx/>
-              <a:buFont typeface="Helvetica"/>
-              <a:buNone/>
-              <a:defRPr i="0" sz="2800">
-                <a:solidFill>
-                  <a:srgbClr val="434343"/>
-                </a:solidFill>
-              </a:defRPr>
-            </a:pPr>
-            <a:r>
-              <a:t>Python 3 has native support for unicode</a:t>
-            </a:r>
-          </a:p>
-          <a:p>
-            <a:pPr marL="0" indent="0" defTabSz="914400">
-              <a:lnSpc>
-                <a:spcPct val="115000"/>
-              </a:lnSpc>
-              <a:spcBef>
-                <a:spcPts val="1600"/>
-              </a:spcBef>
-              <a:buClr>
-                <a:srgbClr val="434343"/>
-              </a:buClr>
-              <a:buSzTx/>
-              <a:buFont typeface="Helvetica"/>
-              <a:buNone/>
-              <a:defRPr i="0" sz="2800">
-                <a:solidFill>
-                  <a:srgbClr val="434343"/>
-                </a:solidFill>
-              </a:defRPr>
-            </a:pPr>
-            <a:r>
-              <a:t>Note: Windows 10 may create files using UTF-10.  For example, if you try to create a file using the command line: </a:t>
-            </a:r>
-            <a:r>
-              <a:rPr>
-                <a:solidFill>
-                  <a:srgbClr val="9C254D"/>
-                </a:solidFill>
-              </a:rPr>
-              <a:t>echo “test” &gt;&gt; test.txt</a:t>
-            </a:r>
-            <a:r>
-              <a:t> </a:t>
-            </a:r>
-          </a:p>
-          <a:p>
-            <a:pPr marL="0" indent="0" defTabSz="914400">
-              <a:lnSpc>
-                <a:spcPct val="115000"/>
-              </a:lnSpc>
-              <a:spcBef>
-                <a:spcPts val="1600"/>
-              </a:spcBef>
-              <a:buClr>
-                <a:srgbClr val="434343"/>
-              </a:buClr>
-              <a:buSzTx/>
-              <a:buFont typeface="Helvetica"/>
-              <a:buNone/>
-              <a:defRPr i="0" sz="2800">
-                <a:solidFill>
-                  <a:srgbClr val="434343"/>
-                </a:solidFill>
-              </a:defRPr>
-            </a:pPr>
-            <a:r>
-              <a:t>If you run into encoding issues, this may be the cause.</a:t>
-            </a:r>
-          </a:p>
-          <a:p>
-            <a:pPr marL="0" indent="0" defTabSz="914400">
-              <a:lnSpc>
-                <a:spcPct val="115000"/>
-              </a:lnSpc>
-              <a:spcBef>
-                <a:spcPts val="1600"/>
-              </a:spcBef>
-              <a:buClr>
-                <a:srgbClr val="434343"/>
-              </a:buClr>
-              <a:buSzTx/>
-              <a:buFont typeface="Helvetica"/>
-              <a:buNone/>
-              <a:defRPr i="0" sz="2800">
-                <a:solidFill>
-                  <a:srgbClr val="434343"/>
-                </a:solidFill>
-              </a:defRPr>
-            </a:pPr>
-          </a:p>
-          <a:p>
-            <a:pPr marL="0" indent="0" defTabSz="914400">
-              <a:lnSpc>
-                <a:spcPct val="115000"/>
-              </a:lnSpc>
-              <a:spcBef>
-                <a:spcPts val="1600"/>
-              </a:spcBef>
-              <a:buClr>
-                <a:srgbClr val="434343"/>
-              </a:buClr>
-              <a:buSzTx/>
-              <a:buFont typeface="Helvetica"/>
-              <a:buNone/>
-              <a:defRPr i="0" sz="2800">
-                <a:solidFill>
-                  <a:srgbClr val="434343"/>
-                </a:solidFill>
-              </a:defRPr>
-            </a:pPr>
-          </a:p>
-          <a:p>
-            <a:pPr marL="0" indent="0" defTabSz="914400">
-              <a:lnSpc>
-                <a:spcPct val="115000"/>
-              </a:lnSpc>
-              <a:spcBef>
-                <a:spcPts val="1600"/>
-              </a:spcBef>
-              <a:buClr>
-                <a:srgbClr val="434343"/>
-              </a:buClr>
-              <a:buSzTx/>
-              <a:buFont typeface="Helvetica"/>
-              <a:buNone/>
-              <a:defRPr i="0" sz="2800">
-                <a:solidFill>
-                  <a:srgbClr val="434343"/>
-                </a:solidFill>
-              </a:defRPr>
-            </a:pPr>
-            <a:r>
-              <a:t> </a:t>
-            </a:r>
-          </a:p>
-        </p:txBody>
-      </p:sp>
-      <p:sp>
-        <p:nvSpPr>
-          <p:cNvPr id="198" name="Slide Number"/>
-          <p:cNvSpPr txBox="1"/>
-          <p:nvPr>
-            <p:ph type="sldNum" sz="quarter" idx="2"/>
-          </p:nvPr>
-        </p:nvSpPr>
-        <p:spPr>
-          <a:prstGeom prst="rect">
-            <a:avLst/>
-          </a:prstGeom>
-          <a:extLst>
-            <a:ext uri="{C572A759-6A51-4108-AA02-DFA0A04FC94B}">
-              <ma14:wrappingTextBoxFlag xmlns:ma14="http://schemas.microsoft.com/office/mac/drawingml/2011/main" val="1"/>
-            </a:ext>
-          </a:extLst>
-        </p:spPr>
-        <p:txBody>
-          <a:bodyPr/>
-          <a:lstStyle/>
-          <a:p>
-            <a:pPr/>
-            <a:fld id="{86CB4B4D-7CA3-9044-876B-883B54F8677D}" type="slidenum"/>
-          </a:p>
-        </p:txBody>
-      </p:sp>
-    </p:spTree>
-  </p:cSld>
-  <p:clrMapOvr>
-    <a:masterClrMapping/>
-  </p:clrMapOvr>
-  <p:transition xmlns:p14="http://schemas.microsoft.com/office/powerpoint/2010/main" spd="med" advClick="1"/>
-</p:sld>
-</file>
-
 <file path=ppt/slides/slide14.xml><?xml version="1.0" encoding="utf-8"?>
 <p:sld xmlns:a="http://schemas.openxmlformats.org/drawingml/2006/main" xmlns:r="http://schemas.openxmlformats.org/officeDocument/2006/relationships" xmlns:p="http://schemas.openxmlformats.org/presentationml/2006/main" xmlns:m="http://schemas.openxmlformats.org/officeDocument/2006/math" xmlns:a14="http://schemas.microsoft.com/office/drawing/2010/main" showMasterSp="1" showMasterPhAnim="1">
   <p:cSld>
@@ -5076,7 +5102,7 @@
       </p:grpSpPr>
       <p:sp>
         <p:nvSpPr>
-          <p:cNvPr id="200" name="Unicode, 2"/>
+          <p:cNvPr id="203" name="Unicode, 1"/>
           <p:cNvSpPr txBox="1"/>
           <p:nvPr>
             <p:ph type="title"/>
@@ -5093,20 +5119,24 @@
           <a:p>
             <a:pPr/>
             <a:r>
-              <a:t>Unicode, 2</a:t>
-            </a:r>
-          </a:p>
-        </p:txBody>
-      </p:sp>
-      <p:sp>
-        <p:nvSpPr>
-          <p:cNvPr id="201" name="Python 3 has native support for unicode - All strings are Unicode strings!…"/>
+              <a:t>Unicode, 1</a:t>
+            </a:r>
+          </a:p>
+        </p:txBody>
+      </p:sp>
+      <p:sp>
+        <p:nvSpPr>
+          <p:cNvPr id="204" name="Unicode  encodes 120k characters…"/>
           <p:cNvSpPr txBox="1"/>
           <p:nvPr>
             <p:ph type="body" idx="1"/>
           </p:nvPr>
         </p:nvSpPr>
         <p:spPr>
+          <a:xfrm>
+            <a:off x="419100" y="1524000"/>
+            <a:ext cx="12379127" cy="6705600"/>
+          </a:xfrm>
           <a:prstGeom prst="rect">
             <a:avLst/>
           </a:prstGeom>
@@ -5139,11 +5169,14 @@
               </a:defRPr>
             </a:pPr>
             <a:r>
-              <a:t>Python 3 has native support for unicode - All strings are Unicode strings! </a:t>
-            </a:r>
-          </a:p>
-          <a:p>
-            <a:pPr marL="0" indent="0" defTabSz="914400">
+              <a:t>Unicode  encodes 120k characters</a:t>
+            </a:r>
+          </a:p>
+          <a:p>
+            <a:pPr marL="0" indent="457200" defTabSz="914400">
+              <a:lnSpc>
+                <a:spcPct val="115000"/>
+              </a:lnSpc>
               <a:spcBef>
                 <a:spcPts val="1600"/>
               </a:spcBef>
@@ -5160,11 +5193,14 @@
               </a:defRPr>
             </a:pPr>
             <a:r>
-              <a:t>&gt;&gt;&gt; "\u0047\u0072\u0072\u0021" == 'Grr!'			True</a:t>
+              <a:t>Modern and ancient languages, math</a:t>
             </a:r>
           </a:p>
           <a:p>
             <a:pPr marL="0" indent="0" defTabSz="914400">
+              <a:lnSpc>
+                <a:spcPct val="115000"/>
+              </a:lnSpc>
               <a:spcBef>
                 <a:spcPts val="1600"/>
               </a:spcBef>
@@ -5178,14 +5214,21 @@
                 <a:solidFill>
                   <a:srgbClr val="434343"/>
                 </a:solidFill>
-              </a:defRPr>
-            </a:pPr>
-            <a:r>
-              <a:t>&gt;&gt;&gt; "\u0047\u0072\u0072\u0021" == 'GRR!'			False</a:t>
+                <a:latin typeface="Freight Sans Bold"/>
+                <a:ea typeface="Freight Sans Bold"/>
+                <a:cs typeface="Freight Sans Bold"/>
+                <a:sym typeface="Freight Sans Bold"/>
+              </a:defRPr>
+            </a:pPr>
+            <a:r>
+              <a:t> UTF-8 </a:t>
             </a:r>
           </a:p>
           <a:p>
             <a:pPr marL="0" indent="0" defTabSz="914400">
+              <a:lnSpc>
+                <a:spcPct val="115000"/>
+              </a:lnSpc>
               <a:spcBef>
                 <a:spcPts val="1600"/>
               </a:spcBef>
@@ -5201,9 +5244,15 @@
                 </a:solidFill>
               </a:defRPr>
             </a:pPr>
+            <a:r>
+              <a:t>	Compatible with Unicode</a:t>
+            </a:r>
           </a:p>
           <a:p>
             <a:pPr marL="0" indent="0" defTabSz="914400">
+              <a:lnSpc>
+                <a:spcPct val="115000"/>
+              </a:lnSpc>
               <a:spcBef>
                 <a:spcPts val="1600"/>
               </a:spcBef>
@@ -5219,9 +5268,15 @@
                 </a:solidFill>
               </a:defRPr>
             </a:pPr>
+            <a:r>
+              <a:t>Python 3 has native support for unicode</a:t>
+            </a:r>
           </a:p>
           <a:p>
             <a:pPr marL="0" indent="0" defTabSz="914400">
+              <a:lnSpc>
+                <a:spcPct val="115000"/>
+              </a:lnSpc>
               <a:spcBef>
                 <a:spcPts val="1600"/>
               </a:spcBef>
@@ -5238,14 +5293,115 @@
               </a:defRPr>
             </a:pPr>
             <a:r>
-              <a:t>[Optional note:  Some characters, particularly historical ones and ligatures, may be software or O/S dependent.  Accessing these characters requires knowing and being able to read the “GID”: graph identification number.]</a:t>
-            </a:r>
-          </a:p>
-        </p:txBody>
-      </p:sp>
-      <p:sp>
-        <p:nvSpPr>
-          <p:cNvPr id="202" name="Slide Number"/>
+              <a:t>Note: Windows 10 may create files using UTF-10.  For example, if you try to create a file using the command line: </a:t>
+            </a:r>
+            <a:r>
+              <a:rPr>
+                <a:solidFill>
+                  <a:srgbClr val="9C254D"/>
+                </a:solidFill>
+              </a:rPr>
+              <a:t>echo “test” &gt;&gt; test.txt</a:t>
+            </a:r>
+            <a:r>
+              <a:t> </a:t>
+            </a:r>
+          </a:p>
+          <a:p>
+            <a:pPr marL="0" indent="0" defTabSz="914400">
+              <a:lnSpc>
+                <a:spcPct val="115000"/>
+              </a:lnSpc>
+              <a:spcBef>
+                <a:spcPts val="1600"/>
+              </a:spcBef>
+              <a:buClr>
+                <a:srgbClr val="434343"/>
+              </a:buClr>
+              <a:buSzTx/>
+              <a:buFont typeface="Helvetica"/>
+              <a:buNone/>
+              <a:defRPr i="0" sz="2800">
+                <a:solidFill>
+                  <a:srgbClr val="434343"/>
+                </a:solidFill>
+              </a:defRPr>
+            </a:pPr>
+            <a:r>
+              <a:t>If you run into encoding issues, this may be the cause.</a:t>
+            </a:r>
+          </a:p>
+          <a:p>
+            <a:pPr marL="0" indent="0" defTabSz="914400">
+              <a:lnSpc>
+                <a:spcPct val="115000"/>
+              </a:lnSpc>
+              <a:spcBef>
+                <a:spcPts val="1600"/>
+              </a:spcBef>
+              <a:buClr>
+                <a:srgbClr val="434343"/>
+              </a:buClr>
+              <a:buSzTx/>
+              <a:buFont typeface="Helvetica"/>
+              <a:buNone/>
+              <a:defRPr i="0" sz="2800">
+                <a:solidFill>
+                  <a:srgbClr val="434343"/>
+                </a:solidFill>
+              </a:defRPr>
+            </a:pPr>
+          </a:p>
+          <a:p>
+            <a:pPr marL="0" indent="0" defTabSz="914400">
+              <a:lnSpc>
+                <a:spcPct val="115000"/>
+              </a:lnSpc>
+              <a:spcBef>
+                <a:spcPts val="1600"/>
+              </a:spcBef>
+              <a:buClr>
+                <a:srgbClr val="434343"/>
+              </a:buClr>
+              <a:buSzTx/>
+              <a:buFont typeface="Helvetica"/>
+              <a:buNone/>
+              <a:defRPr i="0" sz="2800">
+                <a:solidFill>
+                  <a:srgbClr val="434343"/>
+                </a:solidFill>
+              </a:defRPr>
+            </a:pPr>
+          </a:p>
+          <a:p>
+            <a:pPr marL="0" indent="0" defTabSz="914400">
+              <a:lnSpc>
+                <a:spcPct val="115000"/>
+              </a:lnSpc>
+              <a:spcBef>
+                <a:spcPts val="1600"/>
+              </a:spcBef>
+              <a:buClr>
+                <a:srgbClr val="434343"/>
+              </a:buClr>
+              <a:buSzTx/>
+              <a:buFont typeface="Helvetica"/>
+              <a:buNone/>
+              <a:defRPr i="0" sz="2800">
+                <a:solidFill>
+                  <a:srgbClr val="434343"/>
+                </a:solidFill>
+              </a:defRPr>
+            </a:pPr>
+            <a:r>
+              <a:t> </a:t>
+            </a:r>
+          </a:p>
+        </p:txBody>
+      </p:sp>
+      <p:sp>
+        <p:nvSpPr>
+          <p:cNvPr id="205" name="Slide Number"/>
           <p:cNvSpPr txBox="1"/>
           <p:nvPr>
             <p:ph type="sldNum" sz="quarter" idx="2"/>
@@ -5298,7 +5454,7 @@
       </p:grpSpPr>
       <p:sp>
         <p:nvSpPr>
-          <p:cNvPr id="204" name="Unicode, 3"/>
+          <p:cNvPr id="207" name="Unicode, 2"/>
           <p:cNvSpPr txBox="1"/>
           <p:nvPr>
             <p:ph type="title"/>
@@ -5315,14 +5471,14 @@
           <a:p>
             <a:pPr/>
             <a:r>
-              <a:t>Unicode, 3</a:t>
-            </a:r>
-          </a:p>
-        </p:txBody>
-      </p:sp>
-      <p:sp>
-        <p:nvSpPr>
-          <p:cNvPr id="205" name="Every unicode value has a standard name…"/>
+              <a:t>Unicode, 2</a:t>
+            </a:r>
+          </a:p>
+        </p:txBody>
+      </p:sp>
+      <p:sp>
+        <p:nvSpPr>
+          <p:cNvPr id="208" name="Python 3 has native support for unicode - All strings are Unicode strings!…"/>
           <p:cNvSpPr txBox="1"/>
           <p:nvPr>
             <p:ph type="body" idx="1"/>
@@ -5337,7 +5493,7 @@
           <a:bodyPr/>
           <a:lstStyle/>
           <a:p>
-            <a:pPr marL="0" indent="0" defTabSz="896111">
+            <a:pPr marL="0" indent="0" defTabSz="914400">
               <a:lnSpc>
                 <a:spcPct val="115000"/>
               </a:lnSpc>
@@ -5350,7 +5506,10 @@
               <a:buSzTx/>
               <a:buFont typeface="Helvetica"/>
               <a:buNone/>
-              <a:defRPr i="0" sz="2744">
+              <a:defRPr i="0" sz="2800">
+                <a:solidFill>
+                  <a:srgbClr val="434343"/>
+                </a:solidFill>
                 <a:latin typeface="Freight Sans Bold"/>
                 <a:ea typeface="Freight Sans Bold"/>
                 <a:cs typeface="Freight Sans Bold"/>
@@ -5358,16 +5517,13 @@
               </a:defRPr>
             </a:pPr>
             <a:r>
-              <a:t>Every unicode value has a standard name</a:t>
-            </a:r>
-          </a:p>
-          <a:p>
-            <a:pPr marL="0" indent="0" defTabSz="896111">
-              <a:lnSpc>
-                <a:spcPct val="115000"/>
-              </a:lnSpc>
-              <a:spcBef>
-                <a:spcPts val="1500"/>
+              <a:t>Python 3 has native support for unicode - All strings are Unicode strings! </a:t>
+            </a:r>
+          </a:p>
+          <a:p>
+            <a:pPr marL="0" indent="0" defTabSz="914400">
+              <a:spcBef>
+                <a:spcPts val="1600"/>
               </a:spcBef>
               <a:buClr>
                 <a:srgbClr val="434343"/>
@@ -5375,31 +5531,20 @@
               <a:buSzTx/>
               <a:buFont typeface="Helvetica"/>
               <a:buNone/>
-              <a:defRPr i="0" sz="2744"/>
-            </a:pPr>
-            <a:r>
-              <a:t>	</a:t>
-            </a:r>
-            <a:r>
-              <a:rPr>
-                <a:latin typeface="Freight Sans Bold"/>
-                <a:ea typeface="Freight Sans Bold"/>
-                <a:cs typeface="Freight Sans Bold"/>
-                <a:sym typeface="Freight Sans Bold"/>
-              </a:rPr>
-              <a:t>Unicodedata.name()</a:t>
-            </a:r>
-            <a:r>
-              <a:t> to get name from a value </a:t>
-            </a:r>
-          </a:p>
-          <a:p>
-            <a:pPr marL="0" indent="0" defTabSz="896111">
-              <a:lnSpc>
-                <a:spcPct val="115000"/>
-              </a:lnSpc>
-              <a:spcBef>
-                <a:spcPts val="1500"/>
+              <a:defRPr i="0" sz="2800">
+                <a:solidFill>
+                  <a:srgbClr val="434343"/>
+                </a:solidFill>
+              </a:defRPr>
+            </a:pPr>
+            <a:r>
+              <a:t>&gt;&gt;&gt; "\u0047\u0072\u0072\u0021" == 'Grr!'			True</a:t>
+            </a:r>
+          </a:p>
+          <a:p>
+            <a:pPr marL="0" indent="0" defTabSz="914400">
+              <a:spcBef>
+                <a:spcPts val="1600"/>
               </a:spcBef>
               <a:buClr>
                 <a:srgbClr val="434343"/>
@@ -5407,19 +5552,20 @@
               <a:buSzTx/>
               <a:buFont typeface="Helvetica"/>
               <a:buNone/>
-              <a:defRPr i="0" sz="2744"/>
-            </a:pPr>
-            <a:r>
-              <a:t>		Value can be literal “B” or unicode value “/u0042”</a:t>
-            </a:r>
-          </a:p>
-          <a:p>
-            <a:pPr marL="0" indent="0" defTabSz="896111">
-              <a:lnSpc>
-                <a:spcPct val="115000"/>
-              </a:lnSpc>
-              <a:spcBef>
-                <a:spcPts val="1500"/>
+              <a:defRPr i="0" sz="2800">
+                <a:solidFill>
+                  <a:srgbClr val="434343"/>
+                </a:solidFill>
+              </a:defRPr>
+            </a:pPr>
+            <a:r>
+              <a:t>&gt;&gt;&gt; "\u0047\u0072\u0072\u0021" == 'GRR!'			False</a:t>
+            </a:r>
+          </a:p>
+          <a:p>
+            <a:pPr marL="0" indent="0" defTabSz="914400">
+              <a:spcBef>
+                <a:spcPts val="1600"/>
               </a:spcBef>
               <a:buClr>
                 <a:srgbClr val="434343"/>
@@ -5427,19 +5573,17 @@
               <a:buSzTx/>
               <a:buFont typeface="Helvetica"/>
               <a:buNone/>
-              <a:defRPr i="0" sz="2744"/>
-            </a:pPr>
-            <a:r>
-              <a:t>		Returns “LATIN CAPITAL LETTER B”</a:t>
-            </a:r>
-          </a:p>
-          <a:p>
-            <a:pPr marL="0" indent="0" defTabSz="896111">
-              <a:lnSpc>
-                <a:spcPct val="115000"/>
-              </a:lnSpc>
-              <a:spcBef>
-                <a:spcPts val="1500"/>
+              <a:defRPr i="0" sz="2800">
+                <a:solidFill>
+                  <a:srgbClr val="434343"/>
+                </a:solidFill>
+              </a:defRPr>
+            </a:pPr>
+          </a:p>
+          <a:p>
+            <a:pPr marL="0" indent="0" defTabSz="914400">
+              <a:spcBef>
+                <a:spcPts val="1600"/>
               </a:spcBef>
               <a:buClr>
                 <a:srgbClr val="434343"/>
@@ -5447,40 +5591,17 @@
               <a:buSzTx/>
               <a:buFont typeface="Helvetica"/>
               <a:buNone/>
-              <a:defRPr i="0" sz="2744">
+              <a:defRPr i="0" sz="2800">
                 <a:solidFill>
-                  <a:srgbClr val="594A25"/>
+                  <a:srgbClr val="434343"/>
                 </a:solidFill>
               </a:defRPr>
             </a:pPr>
-            <a:r>
-              <a:t>Benefit? </a:t>
-            </a:r>
-            <a:r>
-              <a:rPr i="1" sz="2646"/>
-              <a:t>Every</a:t>
-            </a:r>
-            <a:r>
-              <a:rPr sz="2646"/>
-              <a:t> character can be identified </a:t>
-            </a:r>
-            <a:r>
-              <a:rPr i="1" sz="2646"/>
-              <a:t>uniquely!</a:t>
-            </a:r>
-            <a:r>
-              <a:rPr sz="2646"/>
-              <a:t>  </a:t>
-            </a:r>
-            <a:endParaRPr sz="2646"/>
-          </a:p>
-          <a:p>
-            <a:pPr marL="0" indent="0" defTabSz="896111">
-              <a:lnSpc>
-                <a:spcPct val="115000"/>
-              </a:lnSpc>
-              <a:spcBef>
-                <a:spcPts val="0"/>
+          </a:p>
+          <a:p>
+            <a:pPr marL="0" indent="0" defTabSz="914400">
+              <a:spcBef>
+                <a:spcPts val="1600"/>
               </a:spcBef>
               <a:buClr>
                 <a:srgbClr val="434343"/>
@@ -5488,105 +5609,21 @@
               <a:buSzTx/>
               <a:buFont typeface="Helvetica"/>
               <a:buNone/>
-              <a:defRPr i="0" sz="2744"/>
-            </a:pPr>
-            <a:r>
-              <a:t>You can often paste exotic characters</a:t>
-            </a:r>
-          </a:p>
-          <a:p>
-            <a:pPr marL="0" indent="0" defTabSz="896111">
-              <a:lnSpc>
-                <a:spcPct val="115000"/>
-              </a:lnSpc>
-              <a:spcBef>
-                <a:spcPts val="1500"/>
-              </a:spcBef>
-              <a:buClr>
-                <a:srgbClr val="434343"/>
-              </a:buClr>
-              <a:buSzTx/>
-              <a:buFont typeface="Helvetica"/>
-              <a:buNone/>
-              <a:defRPr i="0" sz="2744"/>
-            </a:pPr>
-            <a:r>
-              <a:t>We can encode a text string in unicode using encode(‘utf-8’).  Other options are available.</a:t>
-            </a:r>
-          </a:p>
-          <a:p>
-            <a:pPr marL="0" indent="0" defTabSz="896111">
-              <a:lnSpc>
-                <a:spcPct val="115000"/>
-              </a:lnSpc>
-              <a:spcBef>
-                <a:spcPts val="1500"/>
-              </a:spcBef>
-              <a:buClr>
-                <a:srgbClr val="434343"/>
-              </a:buClr>
-              <a:buSzTx/>
-              <a:buFont typeface="Helvetica"/>
-              <a:buNone/>
-              <a:defRPr i="0" sz="2744"/>
-            </a:pPr>
-            <a:r>
-              <a:t>To decode unicode, use decode(‘utf-8’)</a:t>
-            </a:r>
-          </a:p>
-          <a:p>
-            <a:pPr marL="0" indent="0" defTabSz="896111">
-              <a:lnSpc>
-                <a:spcPct val="115000"/>
-              </a:lnSpc>
-              <a:spcBef>
-                <a:spcPts val="1500"/>
-              </a:spcBef>
-              <a:buClr>
-                <a:srgbClr val="434343"/>
-              </a:buClr>
-              <a:buSzTx/>
-              <a:buFont typeface="Helvetica"/>
-              <a:buNone/>
-              <a:defRPr i="0" sz="2744">
-                <a:latin typeface="Freight Sans Bold"/>
-                <a:ea typeface="Freight Sans Bold"/>
-                <a:cs typeface="Freight Sans Bold"/>
-                <a:sym typeface="Freight Sans Bold"/>
-              </a:defRPr>
-            </a:pPr>
-            <a:br/>
-            <a:r>
-              <a:t>b</a:t>
-            </a:r>
-            <a:r>
-              <a:rPr>
-                <a:latin typeface="Freight Sans Medium"/>
-                <a:ea typeface="Freight Sans Medium"/>
-                <a:cs typeface="Freight Sans Medium"/>
-                <a:sym typeface="Freight Sans Medium"/>
-              </a:rPr>
-              <a:t> denotes </a:t>
-            </a:r>
-            <a:r>
-              <a:t>bitwise encoding</a:t>
-            </a:r>
-            <a:br/>
-            <a:r>
-              <a:rPr>
-                <a:latin typeface="Freight Sans Medium"/>
-                <a:ea typeface="Freight Sans Medium"/>
-                <a:cs typeface="Freight Sans Medium"/>
-                <a:sym typeface="Freight Sans Medium"/>
-              </a:rPr>
-              <a:t>\x means “hexadecimal”</a:t>
-            </a:r>
-          </a:p>
-        </p:txBody>
-      </p:sp>
-      <p:sp>
-        <p:nvSpPr>
-          <p:cNvPr id="206" name="Slide Number"/>
+              <a:defRPr i="0" sz="2800">
+                <a:solidFill>
+                  <a:srgbClr val="434343"/>
+                </a:solidFill>
+              </a:defRPr>
+            </a:pPr>
+            <a:r>
+              <a:t>[Optional note:  Some characters, particularly historical ones and ligatures, may be software or O/S dependent.  Accessing these characters requires knowing and being able to read the “GID”: graph identification number.]</a:t>
+            </a:r>
+          </a:p>
+        </p:txBody>
+      </p:sp>
+      <p:sp>
+        <p:nvSpPr>
+          <p:cNvPr id="209" name="Slide Number"/>
           <p:cNvSpPr txBox="1"/>
           <p:nvPr>
             <p:ph type="sldNum" sz="quarter" idx="2"/>
@@ -5611,35 +5648,6 @@
           </a:p>
         </p:txBody>
       </p:sp>
-      <p:pic>
-        <p:nvPicPr>
-          <p:cNvPr id="207" name="Google Shape;237;p35" descr="Google Shape;237;p35"/>
-          <p:cNvPicPr>
-            <a:picLocks noChangeAspect="1"/>
-          </p:cNvPicPr>
-          <p:nvPr/>
-        </p:nvPicPr>
-        <p:blipFill>
-          <a:blip r:embed="rId2">
-            <a:extLst/>
-          </a:blip>
-          <a:stretch>
-            <a:fillRect/>
-          </a:stretch>
-        </p:blipFill>
-        <p:spPr>
-          <a:xfrm>
-            <a:off x="7831116" y="7080783"/>
-            <a:ext cx="4286251" cy="1257301"/>
-          </a:xfrm>
-          <a:prstGeom prst="rect">
-            <a:avLst/>
-          </a:prstGeom>
-          <a:ln w="12700">
-            <a:miter lim="400000"/>
-          </a:ln>
-        </p:spPr>
-      </p:pic>
     </p:spTree>
   </p:cSld>
   <p:clrMapOvr>
@@ -5668,7 +5676,7 @@
       </p:grpSpPr>
       <p:sp>
         <p:nvSpPr>
-          <p:cNvPr id="209" name="Encoding &amp; Decoding: (codec)"/>
+          <p:cNvPr id="211" name="Unicode, 3"/>
           <p:cNvSpPr txBox="1"/>
           <p:nvPr>
             <p:ph type="title"/>
@@ -5685,24 +5693,20 @@
           <a:p>
             <a:pPr/>
             <a:r>
-              <a:t>Encoding &amp; Decoding: (codec)</a:t>
-            </a:r>
-          </a:p>
-        </p:txBody>
-      </p:sp>
-      <p:sp>
-        <p:nvSpPr>
-          <p:cNvPr id="210" name="Not all characters can be represented in each encoding scheme!  You can specify how to handle this…"/>
+              <a:t>Unicode, 3</a:t>
+            </a:r>
+          </a:p>
+        </p:txBody>
+      </p:sp>
+      <p:sp>
+        <p:nvSpPr>
+          <p:cNvPr id="212" name="Every unicode value has a standard name…"/>
           <p:cNvSpPr txBox="1"/>
           <p:nvPr>
             <p:ph type="body" idx="1"/>
           </p:nvPr>
         </p:nvSpPr>
         <p:spPr>
-          <a:xfrm>
-            <a:off x="600703" y="1534021"/>
-            <a:ext cx="12379127" cy="6685558"/>
-          </a:xfrm>
           <a:prstGeom prst="rect">
             <a:avLst/>
           </a:prstGeom>
@@ -5711,7 +5715,7 @@
           <a:bodyPr/>
           <a:lstStyle/>
           <a:p>
-            <a:pPr marL="0" indent="0" defTabSz="914400">
+            <a:pPr marL="0" indent="0" defTabSz="896111">
               <a:lnSpc>
                 <a:spcPct val="115000"/>
               </a:lnSpc>
@@ -5724,24 +5728,24 @@
               <a:buSzTx/>
               <a:buFont typeface="Helvetica"/>
               <a:buNone/>
-              <a:defRPr i="0" sz="2800">
-                <a:latin typeface="Roboto"/>
-                <a:ea typeface="Roboto"/>
-                <a:cs typeface="Roboto"/>
-                <a:sym typeface="Roboto"/>
-              </a:defRPr>
-            </a:pPr>
-            <a:r>
-              <a:t>Not all characters can be represented in each encoding scheme!  You can specify how to handle this</a:t>
-            </a:r>
-          </a:p>
-          <a:p>
-            <a:pPr marL="0" indent="0" defTabSz="914400">
+              <a:defRPr i="0" sz="2744">
+                <a:latin typeface="Freight Sans Bold"/>
+                <a:ea typeface="Freight Sans Bold"/>
+                <a:cs typeface="Freight Sans Bold"/>
+                <a:sym typeface="Freight Sans Bold"/>
+              </a:defRPr>
+            </a:pPr>
+            <a:r>
+              <a:t>Every unicode value has a standard name</a:t>
+            </a:r>
+          </a:p>
+          <a:p>
+            <a:pPr marL="0" indent="0" defTabSz="896111">
               <a:lnSpc>
                 <a:spcPct val="115000"/>
               </a:lnSpc>
               <a:spcBef>
-                <a:spcPts val="0"/>
+                <a:spcPts val="1500"/>
               </a:spcBef>
               <a:buClr>
                 <a:srgbClr val="434343"/>
@@ -5749,91 +5753,107 @@
               <a:buSzTx/>
               <a:buFont typeface="Helvetica"/>
               <a:buNone/>
-              <a:defRPr i="0" sz="2800">
-                <a:latin typeface="Roboto"/>
-                <a:ea typeface="Roboto"/>
-                <a:cs typeface="Roboto"/>
-                <a:sym typeface="Roboto"/>
-              </a:defRPr>
-            </a:pPr>
-          </a:p>
-          <a:p>
-            <a:pPr marL="457200" indent="-342900" defTabSz="914400">
+              <a:defRPr i="0" sz="2744"/>
+            </a:pPr>
+            <a:r>
+              <a:t>	</a:t>
+            </a:r>
+            <a:r>
+              <a:rPr>
+                <a:latin typeface="Freight Sans Bold"/>
+                <a:ea typeface="Freight Sans Bold"/>
+                <a:cs typeface="Freight Sans Bold"/>
+                <a:sym typeface="Freight Sans Bold"/>
+              </a:rPr>
+              <a:t>Unicodedata.name()</a:t>
+            </a:r>
+            <a:r>
+              <a:t> to get name from a value </a:t>
+            </a:r>
+          </a:p>
+          <a:p>
+            <a:pPr marL="0" indent="0" defTabSz="896111">
               <a:lnSpc>
                 <a:spcPct val="115000"/>
               </a:lnSpc>
               <a:spcBef>
-                <a:spcPts val="0"/>
+                <a:spcPts val="1500"/>
               </a:spcBef>
               <a:buClr>
-                <a:srgbClr val="000000"/>
+                <a:srgbClr val="434343"/>
               </a:buClr>
-              <a:buSzPts val="2800"/>
-              <a:buAutoNum type="arabicParenR" startAt="1"/>
-              <a:defRPr i="0" sz="2800">
-                <a:latin typeface="Roboto"/>
-                <a:ea typeface="Roboto"/>
-                <a:cs typeface="Roboto"/>
-                <a:sym typeface="Roboto"/>
-              </a:defRPr>
-            </a:pPr>
-            <a:r>
-              <a:t>Replace with blank (‘?’) </a:t>
-            </a:r>
-          </a:p>
-          <a:p>
-            <a:pPr marL="457200" indent="-342900" defTabSz="914400">
+              <a:buSzTx/>
+              <a:buFont typeface="Helvetica"/>
+              <a:buNone/>
+              <a:defRPr i="0" sz="2744"/>
+            </a:pPr>
+            <a:r>
+              <a:t>		Value can be literal “B” or unicode value “/u0042”</a:t>
+            </a:r>
+          </a:p>
+          <a:p>
+            <a:pPr marL="0" indent="0" defTabSz="896111">
               <a:lnSpc>
                 <a:spcPct val="115000"/>
               </a:lnSpc>
               <a:spcBef>
-                <a:spcPts val="0"/>
+                <a:spcPts val="1500"/>
               </a:spcBef>
               <a:buClr>
-                <a:srgbClr val="000000"/>
+                <a:srgbClr val="434343"/>
               </a:buClr>
-              <a:buSzPts val="2800"/>
-              <a:buAutoNum type="arabicParenR" startAt="1"/>
-              <a:defRPr i="0" sz="2800">
-                <a:latin typeface="Arial"/>
-                <a:ea typeface="Arial"/>
-                <a:cs typeface="Arial"/>
-                <a:sym typeface="Arial"/>
-              </a:defRPr>
-            </a:pPr>
-            <a:r>
-              <a:t>XML friendly</a:t>
-            </a:r>
-          </a:p>
-          <a:p>
-            <a:pPr lvl="1" marL="939800" indent="-342900" defTabSz="914400">
+              <a:buSzTx/>
+              <a:buFont typeface="Helvetica"/>
+              <a:buNone/>
+              <a:defRPr i="0" sz="2744"/>
+            </a:pPr>
+            <a:r>
+              <a:t>		Returns “LATIN CAPITAL LETTER B”</a:t>
+            </a:r>
+          </a:p>
+          <a:p>
+            <a:pPr marL="0" indent="0" defTabSz="896111">
               <a:lnSpc>
                 <a:spcPct val="115000"/>
               </a:lnSpc>
               <a:spcBef>
-                <a:spcPts val="0"/>
+                <a:spcPts val="1500"/>
               </a:spcBef>
               <a:buClr>
-                <a:srgbClr val="000000"/>
+                <a:srgbClr val="434343"/>
               </a:buClr>
-              <a:buSzPts val="2800"/>
-              <a:buAutoNum type="arabicParenR" startAt="1"/>
-              <a:defRPr i="0" sz="2800">
-                <a:latin typeface="Arial"/>
-                <a:ea typeface="Arial"/>
-                <a:cs typeface="Arial"/>
-                <a:sym typeface="Arial"/>
-              </a:defRPr>
-            </a:pPr>
-            <a:r>
-              <a:rPr u="sng">
-                <a:hlinkClick r:id="rId2" invalidUrl="" action="" tgtFrame="" tooltip="" history="1" highlightClick="0" endSnd="0"/>
-              </a:rPr>
-              <a:t>https://msdn.microsoft.com/en-us/library/aa468560.aspx</a:t>
-            </a:r>
-          </a:p>
-          <a:p>
-            <a:pPr marL="457200" indent="-342900" defTabSz="914400">
+              <a:buSzTx/>
+              <a:buFont typeface="Helvetica"/>
+              <a:buNone/>
+              <a:defRPr i="0" sz="2744">
+                <a:solidFill>
+                  <a:srgbClr val="594A25"/>
+                </a:solidFill>
+              </a:defRPr>
+            </a:pPr>
+            <a:r>
+              <a:t>Benefit? </a:t>
+            </a:r>
+            <a:r>
+              <a:rPr i="1" sz="2646"/>
+              <a:t>Every</a:t>
+            </a:r>
+            <a:r>
+              <a:rPr sz="2646"/>
+              <a:t> character can be identified </a:t>
+            </a:r>
+            <a:r>
+              <a:rPr i="1" sz="2646"/>
+              <a:t>uniquely!</a:t>
+            </a:r>
+            <a:r>
+              <a:rPr sz="2646"/>
+              <a:t>  </a:t>
+            </a:r>
+            <a:endParaRPr sz="2646"/>
+          </a:p>
+          <a:p>
+            <a:pPr marL="0" indent="0" defTabSz="896111">
               <a:lnSpc>
                 <a:spcPct val="115000"/>
               </a:lnSpc>
@@ -5841,26 +5861,110 @@
                 <a:spcPts val="0"/>
               </a:spcBef>
               <a:buClr>
-                <a:srgbClr val="000000"/>
+                <a:srgbClr val="434343"/>
               </a:buClr>
-              <a:buSzPts val="2800"/>
-              <a:buAutoNum type="arabicParenR" startAt="1"/>
-              <a:defRPr i="0" sz="2800">
-                <a:latin typeface="Arial"/>
-                <a:ea typeface="Arial"/>
-                <a:cs typeface="Arial"/>
-                <a:sym typeface="Arial"/>
-              </a:defRPr>
-            </a:pPr>
-            <a:r>
-              <a:t>Unicode Escape (backslash)</a:t>
-            </a:r>
-          </a:p>
-        </p:txBody>
-      </p:sp>
-      <p:sp>
-        <p:nvSpPr>
-          <p:cNvPr id="211" name="Slide Number"/>
+              <a:buSzTx/>
+              <a:buFont typeface="Helvetica"/>
+              <a:buNone/>
+              <a:defRPr i="0" sz="2744"/>
+            </a:pPr>
+            <a:r>
+              <a:t>You can often paste exotic characters</a:t>
+            </a:r>
+          </a:p>
+          <a:p>
+            <a:pPr marL="0" indent="0" defTabSz="896111">
+              <a:lnSpc>
+                <a:spcPct val="115000"/>
+              </a:lnSpc>
+              <a:spcBef>
+                <a:spcPts val="1500"/>
+              </a:spcBef>
+              <a:buClr>
+                <a:srgbClr val="434343"/>
+              </a:buClr>
+              <a:buSzTx/>
+              <a:buFont typeface="Helvetica"/>
+              <a:buNone/>
+              <a:defRPr i="0" sz="2744"/>
+            </a:pPr>
+            <a:r>
+              <a:t>We can encode a text string in unicode using encode(‘utf-8’).  Other options are available.</a:t>
+            </a:r>
+          </a:p>
+          <a:p>
+            <a:pPr marL="0" indent="0" defTabSz="896111">
+              <a:lnSpc>
+                <a:spcPct val="115000"/>
+              </a:lnSpc>
+              <a:spcBef>
+                <a:spcPts val="1500"/>
+              </a:spcBef>
+              <a:buClr>
+                <a:srgbClr val="434343"/>
+              </a:buClr>
+              <a:buSzTx/>
+              <a:buFont typeface="Helvetica"/>
+              <a:buNone/>
+              <a:defRPr i="0" sz="2744"/>
+            </a:pPr>
+            <a:r>
+              <a:t>To decode unicode, use decode(‘utf-8’)</a:t>
+            </a:r>
+          </a:p>
+          <a:p>
+            <a:pPr marL="0" indent="0" defTabSz="896111">
+              <a:lnSpc>
+                <a:spcPct val="115000"/>
+              </a:lnSpc>
+              <a:spcBef>
+                <a:spcPts val="1500"/>
+              </a:spcBef>
+              <a:buClr>
+                <a:srgbClr val="434343"/>
+              </a:buClr>
+              <a:buSzTx/>
+              <a:buFont typeface="Helvetica"/>
+              <a:buNone/>
+              <a:defRPr i="0" sz="2744">
+                <a:latin typeface="Freight Sans Bold"/>
+                <a:ea typeface="Freight Sans Bold"/>
+                <a:cs typeface="Freight Sans Bold"/>
+                <a:sym typeface="Freight Sans Bold"/>
+              </a:defRPr>
+            </a:pPr>
+            <a:br/>
+            <a:r>
+              <a:t>b</a:t>
+            </a:r>
+            <a:r>
+              <a:rPr>
+                <a:latin typeface="Freight Sans Medium"/>
+                <a:ea typeface="Freight Sans Medium"/>
+                <a:cs typeface="Freight Sans Medium"/>
+                <a:sym typeface="Freight Sans Medium"/>
+              </a:rPr>
+              <a:t> denotes </a:t>
+            </a:r>
+            <a:r>
+              <a:t>bitwise encoding</a:t>
+            </a:r>
+            <a:br/>
+            <a:r>
+              <a:rPr>
+                <a:latin typeface="Freight Sans Medium"/>
+                <a:ea typeface="Freight Sans Medium"/>
+                <a:cs typeface="Freight Sans Medium"/>
+                <a:sym typeface="Freight Sans Medium"/>
+              </a:rPr>
+              <a:t>\x means “hexadecimal”</a:t>
+            </a:r>
+          </a:p>
+        </p:txBody>
+      </p:sp>
+      <p:sp>
+        <p:nvSpPr>
+          <p:cNvPr id="213" name="Slide Number"/>
           <p:cNvSpPr txBox="1"/>
           <p:nvPr>
             <p:ph type="sldNum" sz="quarter" idx="2"/>
@@ -5885,6 +5989,35 @@
           </a:p>
         </p:txBody>
       </p:sp>
+      <p:pic>
+        <p:nvPicPr>
+          <p:cNvPr id="214" name="Google Shape;237;p35" descr="Google Shape;237;p35"/>
+          <p:cNvPicPr>
+            <a:picLocks noChangeAspect="1"/>
+          </p:cNvPicPr>
+          <p:nvPr/>
+        </p:nvPicPr>
+        <p:blipFill>
+          <a:blip r:embed="rId2">
+            <a:extLst/>
+          </a:blip>
+          <a:stretch>
+            <a:fillRect/>
+          </a:stretch>
+        </p:blipFill>
+        <p:spPr>
+          <a:xfrm>
+            <a:off x="7831116" y="7080783"/>
+            <a:ext cx="4286251" cy="1257301"/>
+          </a:xfrm>
+          <a:prstGeom prst="rect">
+            <a:avLst/>
+          </a:prstGeom>
+          <a:ln w="12700">
+            <a:miter lim="400000"/>
+          </a:ln>
+        </p:spPr>
+      </p:pic>
     </p:spTree>
   </p:cSld>
   <p:clrMapOvr>
@@ -5913,7 +6046,7 @@
       </p:grpSpPr>
       <p:sp>
         <p:nvSpPr>
-          <p:cNvPr id="213" name="Encoding &amp; Decoding | Methods &amp; Packages"/>
+          <p:cNvPr id="216" name="Encoding &amp; Decoding: (codec)"/>
           <p:cNvSpPr txBox="1"/>
           <p:nvPr>
             <p:ph type="title"/>
@@ -5926,28 +6059,28 @@
         </p:spPr>
         <p:txBody>
           <a:bodyPr/>
-          <a:lstStyle>
-            <a:lvl1pPr defTabSz="560831">
-              <a:defRPr sz="4992"/>
-            </a:lvl1pPr>
-          </a:lstStyle>
+          <a:lstStyle/>
           <a:p>
             <a:pPr/>
             <a:r>
-              <a:t>Encoding &amp; Decoding | Methods &amp; Packages</a:t>
-            </a:r>
-          </a:p>
-        </p:txBody>
-      </p:sp>
-      <p:sp>
-        <p:nvSpPr>
-          <p:cNvPr id="214" name="Try the following commands:…"/>
+              <a:t>Encoding &amp; Decoding: (codec)</a:t>
+            </a:r>
+          </a:p>
+        </p:txBody>
+      </p:sp>
+      <p:sp>
+        <p:nvSpPr>
+          <p:cNvPr id="217" name="Not all characters can be represented in each encoding scheme!  You can specify how to handle this…"/>
           <p:cNvSpPr txBox="1"/>
           <p:nvPr>
             <p:ph type="body" idx="1"/>
           </p:nvPr>
         </p:nvSpPr>
         <p:spPr>
+          <a:xfrm>
+            <a:off x="600703" y="1534021"/>
+            <a:ext cx="12379127" cy="6685558"/>
+          </a:xfrm>
           <a:prstGeom prst="rect">
             <a:avLst/>
           </a:prstGeom>
@@ -5969,19 +6102,38 @@
               <a:buSzTx/>
               <a:buFont typeface="Helvetica"/>
               <a:buNone/>
-              <a:defRPr i="0" sz="3000">
-                <a:solidFill>
-                  <a:srgbClr val="434343"/>
-                </a:solidFill>
-                <a:latin typeface="Freight Sans Bold"/>
-                <a:ea typeface="Freight Sans Bold"/>
-                <a:cs typeface="Freight Sans Bold"/>
-                <a:sym typeface="Freight Sans Bold"/>
-              </a:defRPr>
-            </a:pPr>
-            <a:r>
-              <a:t>Try the following commands:</a:t>
-            </a:r>
+              <a:defRPr i="0" sz="2800">
+                <a:latin typeface="Roboto"/>
+                <a:ea typeface="Roboto"/>
+                <a:cs typeface="Roboto"/>
+                <a:sym typeface="Roboto"/>
+              </a:defRPr>
+            </a:pPr>
+            <a:r>
+              <a:t>Not all characters can be represented in each encoding scheme!  You can specify how to handle this</a:t>
+            </a:r>
+          </a:p>
+          <a:p>
+            <a:pPr marL="0" indent="0" defTabSz="914400">
+              <a:lnSpc>
+                <a:spcPct val="115000"/>
+              </a:lnSpc>
+              <a:spcBef>
+                <a:spcPts val="0"/>
+              </a:spcBef>
+              <a:buClr>
+                <a:srgbClr val="434343"/>
+              </a:buClr>
+              <a:buSzTx/>
+              <a:buFont typeface="Helvetica"/>
+              <a:buNone/>
+              <a:defRPr i="0" sz="2800">
+                <a:latin typeface="Roboto"/>
+                <a:ea typeface="Roboto"/>
+                <a:cs typeface="Roboto"/>
+                <a:sym typeface="Roboto"/>
+              </a:defRPr>
+            </a:pPr>
           </a:p>
           <a:p>
             <a:pPr marL="457200" indent="-342900" defTabSz="914400">
@@ -5989,22 +6141,22 @@
                 <a:spcPct val="115000"/>
               </a:lnSpc>
               <a:spcBef>
-                <a:spcPts val="1600"/>
+                <a:spcPts val="0"/>
               </a:spcBef>
               <a:buClr>
-                <a:srgbClr val="434343"/>
+                <a:srgbClr val="000000"/>
               </a:buClr>
-              <a:buSzPts val="3000"/>
-              <a:buFont typeface="Helvetica"/>
-              <a:buChar char="●"/>
-              <a:defRPr i="0" sz="3000">
-                <a:solidFill>
-                  <a:srgbClr val="434343"/>
-                </a:solidFill>
-              </a:defRPr>
-            </a:pPr>
-            <a:r>
-              <a:t>Unicodedata package</a:t>
+              <a:buSzPts val="2800"/>
+              <a:buAutoNum type="arabicParenR" startAt="1"/>
+              <a:defRPr i="0" sz="2800">
+                <a:latin typeface="Roboto"/>
+                <a:ea typeface="Roboto"/>
+                <a:cs typeface="Roboto"/>
+                <a:sym typeface="Roboto"/>
+              </a:defRPr>
+            </a:pPr>
+            <a:r>
+              <a:t>Replace with blank (‘?’) </a:t>
             </a:r>
           </a:p>
           <a:p>
@@ -6016,23 +6168,46 @@
                 <a:spcPts val="0"/>
               </a:spcBef>
               <a:buClr>
-                <a:srgbClr val="434343"/>
+                <a:srgbClr val="000000"/>
               </a:buClr>
-              <a:buSzPts val="3000"/>
-              <a:buFont typeface="Helvetica"/>
-              <a:buChar char="●"/>
-              <a:defRPr i="0" sz="3000">
-                <a:solidFill>
-                  <a:srgbClr val="434343"/>
-                </a:solidFill>
-                <a:latin typeface="Courier"/>
-                <a:ea typeface="Courier"/>
-                <a:cs typeface="Courier"/>
-                <a:sym typeface="Courier"/>
-              </a:defRPr>
-            </a:pPr>
-            <a:r>
-              <a:t>encode (), decode()</a:t>
+              <a:buSzPts val="2800"/>
+              <a:buAutoNum type="arabicParenR" startAt="1"/>
+              <a:defRPr i="0" sz="2800">
+                <a:latin typeface="Arial"/>
+                <a:ea typeface="Arial"/>
+                <a:cs typeface="Arial"/>
+                <a:sym typeface="Arial"/>
+              </a:defRPr>
+            </a:pPr>
+            <a:r>
+              <a:t>XML friendly</a:t>
+            </a:r>
+          </a:p>
+          <a:p>
+            <a:pPr lvl="1" marL="939800" indent="-342900" defTabSz="914400">
+              <a:lnSpc>
+                <a:spcPct val="115000"/>
+              </a:lnSpc>
+              <a:spcBef>
+                <a:spcPts val="0"/>
+              </a:spcBef>
+              <a:buClr>
+                <a:srgbClr val="000000"/>
+              </a:buClr>
+              <a:buSzPts val="2800"/>
+              <a:buAutoNum type="arabicParenR" startAt="1"/>
+              <a:defRPr i="0" sz="2800">
+                <a:latin typeface="Arial"/>
+                <a:ea typeface="Arial"/>
+                <a:cs typeface="Arial"/>
+                <a:sym typeface="Arial"/>
+              </a:defRPr>
+            </a:pPr>
+            <a:r>
+              <a:rPr u="sng">
+                <a:hlinkClick r:id="rId2" invalidUrl="" action="" tgtFrame="" tooltip="" history="1" highlightClick="0" endSnd="0"/>
+              </a:rPr>
+              <a:t>https://msdn.microsoft.com/en-us/library/aa468560.aspx</a:t>
             </a:r>
           </a:p>
           <a:p>
@@ -6044,30 +6219,26 @@
                 <a:spcPts val="0"/>
               </a:spcBef>
               <a:buClr>
-                <a:srgbClr val="434343"/>
+                <a:srgbClr val="000000"/>
               </a:buClr>
-              <a:buSzPts val="3000"/>
-              <a:buFont typeface="Helvetica"/>
-              <a:buChar char="●"/>
-              <a:defRPr i="0" sz="3000">
-                <a:solidFill>
-                  <a:srgbClr val="434343"/>
-                </a:solidFill>
-                <a:latin typeface="Courier"/>
-                <a:ea typeface="Courier"/>
-                <a:cs typeface="Courier"/>
-                <a:sym typeface="Courier"/>
-              </a:defRPr>
-            </a:pPr>
-            <a:r>
-              <a:t>type (), len()</a:t>
-            </a:r>
-          </a:p>
-        </p:txBody>
-      </p:sp>
-      <p:sp>
-        <p:nvSpPr>
-          <p:cNvPr id="215" name="Slide Number"/>
+              <a:buSzPts val="2800"/>
+              <a:buAutoNum type="arabicParenR" startAt="1"/>
+              <a:defRPr i="0" sz="2800">
+                <a:latin typeface="Arial"/>
+                <a:ea typeface="Arial"/>
+                <a:cs typeface="Arial"/>
+                <a:sym typeface="Arial"/>
+              </a:defRPr>
+            </a:pPr>
+            <a:r>
+              <a:t>Unicode Escape (backslash)</a:t>
+            </a:r>
+          </a:p>
+        </p:txBody>
+      </p:sp>
+      <p:sp>
+        <p:nvSpPr>
+          <p:cNvPr id="218" name="Slide Number"/>
           <p:cNvSpPr txBox="1"/>
           <p:nvPr>
             <p:ph type="sldNum" sz="quarter" idx="2"/>
@@ -6120,35 +6291,35 @@
       </p:grpSpPr>
       <p:sp>
         <p:nvSpPr>
-          <p:cNvPr id="217" name="Regular Expressions (RegEx) | Finding Patterns"/>
+          <p:cNvPr id="220" name="Encoding &amp; Decoding | Methods &amp; Packages"/>
           <p:cNvSpPr txBox="1"/>
           <p:nvPr>
             <p:ph type="title"/>
           </p:nvPr>
         </p:nvSpPr>
         <p:spPr>
-          <a:xfrm>
-            <a:off x="419100" y="254037"/>
-            <a:ext cx="12379127" cy="995364"/>
-          </a:xfrm>
           <a:prstGeom prst="rect">
             <a:avLst/>
           </a:prstGeom>
         </p:spPr>
         <p:txBody>
           <a:bodyPr/>
-          <a:lstStyle/>
+          <a:lstStyle>
+            <a:lvl1pPr defTabSz="560831">
+              <a:defRPr sz="4992"/>
+            </a:lvl1pPr>
+          </a:lstStyle>
           <a:p>
             <a:pPr/>
             <a:r>
-              <a:t>Regular Expressions (RegEx) | Finding Patterns</a:t>
-            </a:r>
-          </a:p>
-        </p:txBody>
-      </p:sp>
-      <p:sp>
-        <p:nvSpPr>
-          <p:cNvPr id="218" name="re.compile()  # compile a search string…"/>
+              <a:t>Encoding &amp; Decoding | Methods &amp; Packages</a:t>
+            </a:r>
+          </a:p>
+        </p:txBody>
+      </p:sp>
+      <p:sp>
+        <p:nvSpPr>
+          <p:cNvPr id="221" name="Try the following commands:…"/>
           <p:cNvSpPr txBox="1"/>
           <p:nvPr>
             <p:ph type="body" idx="1"/>
@@ -6163,7 +6334,7 @@
           <a:bodyPr/>
           <a:lstStyle/>
           <a:p>
-            <a:pPr marL="457200" indent="-381000" defTabSz="914400">
+            <a:pPr marL="0" indent="0" defTabSz="914400">
               <a:lnSpc>
                 <a:spcPct val="115000"/>
               </a:lnSpc>
@@ -6171,45 +6342,51 @@
                 <a:spcPts val="0"/>
               </a:spcBef>
               <a:buClr>
-                <a:srgbClr val="000000"/>
+                <a:srgbClr val="434343"/>
               </a:buClr>
-              <a:buSzPts val="3100"/>
-              <a:buAutoNum type="arabicPeriod" startAt="1"/>
-              <a:defRPr i="0" sz="3100">
+              <a:buSzTx/>
+              <a:buFont typeface="Helvetica"/>
+              <a:buNone/>
+              <a:defRPr i="0" sz="3000">
                 <a:solidFill>
-                  <a:srgbClr val="000000"/>
+                  <a:srgbClr val="434343"/>
                 </a:solidFill>
-              </a:defRPr>
-            </a:pPr>
-            <a:r>
-              <a:t>re.compile() 	# compile a search string</a:t>
-            </a:r>
-          </a:p>
-          <a:p>
-            <a:pPr marL="457200" indent="-381000" defTabSz="914400">
+                <a:latin typeface="Freight Sans Bold"/>
+                <a:ea typeface="Freight Sans Bold"/>
+                <a:cs typeface="Freight Sans Bold"/>
+                <a:sym typeface="Freight Sans Bold"/>
+              </a:defRPr>
+            </a:pPr>
+            <a:r>
+              <a:t>Try the following commands:</a:t>
+            </a:r>
+          </a:p>
+          <a:p>
+            <a:pPr marL="457200" indent="-342900" defTabSz="914400">
               <a:lnSpc>
                 <a:spcPct val="115000"/>
               </a:lnSpc>
               <a:spcBef>
-                <a:spcPts val="0"/>
+                <a:spcPts val="1600"/>
               </a:spcBef>
               <a:buClr>
-                <a:srgbClr val="000000"/>
+                <a:srgbClr val="434343"/>
               </a:buClr>
-              <a:buSzPts val="3100"/>
-              <a:buAutoNum type="arabicPeriod" startAt="1"/>
-              <a:defRPr i="0" sz="3100">
+              <a:buSzPts val="3000"/>
+              <a:buFont typeface="Helvetica"/>
+              <a:buChar char="●"/>
+              <a:defRPr i="0" sz="3000">
                 <a:solidFill>
-                  <a:srgbClr val="000000"/>
+                  <a:srgbClr val="434343"/>
                 </a:solidFill>
               </a:defRPr>
             </a:pPr>
             <a:r>
-              <a:t>re.search()       # gets the first match</a:t>
-            </a:r>
-          </a:p>
-          <a:p>
-            <a:pPr marL="457200" indent="-381000" defTabSz="914400">
+              <a:t>Unicodedata package</a:t>
+            </a:r>
+          </a:p>
+          <a:p>
+            <a:pPr marL="457200" indent="-342900" defTabSz="914400">
               <a:lnSpc>
                 <a:spcPct val="115000"/>
               </a:lnSpc>
@@ -6217,22 +6394,27 @@
                 <a:spcPts val="0"/>
               </a:spcBef>
               <a:buClr>
-                <a:srgbClr val="000000"/>
+                <a:srgbClr val="434343"/>
               </a:buClr>
-              <a:buSzPts val="3100"/>
-              <a:buAutoNum type="arabicPeriod" startAt="1"/>
-              <a:defRPr i="0" sz="3100">
+              <a:buSzPts val="3000"/>
+              <a:buFont typeface="Helvetica"/>
+              <a:buChar char="●"/>
+              <a:defRPr i="0" sz="3000">
                 <a:solidFill>
-                  <a:srgbClr val="000000"/>
+                  <a:srgbClr val="434343"/>
                 </a:solidFill>
-              </a:defRPr>
-            </a:pPr>
-            <a:r>
-              <a:t>re.match()        # extract match - if at beginning</a:t>
-            </a:r>
-          </a:p>
-          <a:p>
-            <a:pPr marL="457200" indent="-381000" defTabSz="914400">
+                <a:latin typeface="Courier"/>
+                <a:ea typeface="Courier"/>
+                <a:cs typeface="Courier"/>
+                <a:sym typeface="Courier"/>
+              </a:defRPr>
+            </a:pPr>
+            <a:r>
+              <a:t>encode (), decode()</a:t>
+            </a:r>
+          </a:p>
+          <a:p>
+            <a:pPr marL="457200" indent="-342900" defTabSz="914400">
               <a:lnSpc>
                 <a:spcPct val="115000"/>
               </a:lnSpc>
@@ -6240,99 +6422,30 @@
                 <a:spcPts val="0"/>
               </a:spcBef>
               <a:buClr>
-                <a:srgbClr val="000000"/>
+                <a:srgbClr val="434343"/>
               </a:buClr>
-              <a:buSzPts val="3100"/>
-              <a:buAutoNum type="arabicPeriod" startAt="1"/>
-              <a:defRPr i="0" sz="3100">
+              <a:buSzPts val="3000"/>
+              <a:buFont typeface="Helvetica"/>
+              <a:buChar char="●"/>
+              <a:defRPr i="0" sz="3000">
                 <a:solidFill>
-                  <a:srgbClr val="000000"/>
+                  <a:srgbClr val="434343"/>
                 </a:solidFill>
-              </a:defRPr>
-            </a:pPr>
-            <a:r>
-              <a:t>re.split()            # split on matches</a:t>
-            </a:r>
-          </a:p>
-          <a:p>
-            <a:pPr marL="457200" indent="-381000" defTabSz="914400">
-              <a:lnSpc>
-                <a:spcPct val="115000"/>
-              </a:lnSpc>
-              <a:spcBef>
-                <a:spcPts val="0"/>
-              </a:spcBef>
-              <a:buClr>
-                <a:srgbClr val="000000"/>
-              </a:buClr>
-              <a:buSzPts val="3100"/>
-              <a:buAutoNum type="arabicPeriod" startAt="1"/>
-              <a:defRPr i="0" sz="3100">
-                <a:solidFill>
-                  <a:srgbClr val="000000"/>
-                </a:solidFill>
-              </a:defRPr>
-            </a:pPr>
-            <a:r>
-              <a:t>re.sub()            # substitute on matches</a:t>
-            </a:r>
-          </a:p>
-          <a:p>
-            <a:pPr marL="457200" indent="-381000" defTabSz="914400">
-              <a:lnSpc>
-                <a:spcPct val="115000"/>
-              </a:lnSpc>
-              <a:spcBef>
-                <a:spcPts val="0"/>
-              </a:spcBef>
-              <a:buClr>
-                <a:srgbClr val="000000"/>
-              </a:buClr>
-              <a:buSzPts val="3100"/>
-              <a:buAutoNum type="arabicPeriod" startAt="1"/>
-              <a:defRPr i="0" sz="3100">
-                <a:solidFill>
-                  <a:srgbClr val="000000"/>
-                </a:solidFill>
-                <a:latin typeface="Roboto"/>
-                <a:ea typeface="Roboto"/>
-                <a:cs typeface="Roboto"/>
-                <a:sym typeface="Roboto"/>
-              </a:defRPr>
-            </a:pPr>
-            <a:r>
-              <a:t>re.findall()         # get all matches as list</a:t>
-            </a:r>
-            <a:endParaRPr b="1"/>
-          </a:p>
-          <a:p>
-            <a:pPr marL="457200" indent="-381000" defTabSz="914400">
-              <a:lnSpc>
-                <a:spcPct val="115000"/>
-              </a:lnSpc>
-              <a:spcBef>
-                <a:spcPts val="0"/>
-              </a:spcBef>
-              <a:buClr>
-                <a:srgbClr val="000000"/>
-              </a:buClr>
-              <a:buSzPts val="3100"/>
-              <a:buAutoNum type="arabicPeriod" startAt="1"/>
-              <a:defRPr i="0" sz="3100">
-                <a:solidFill>
-                  <a:srgbClr val="000000"/>
-                </a:solidFill>
-              </a:defRPr>
-            </a:pPr>
-            <a:r>
-              <a:t>.group()         # used after matching to pull out groups</a:t>
-            </a:r>
-          </a:p>
-        </p:txBody>
-      </p:sp>
-      <p:sp>
-        <p:nvSpPr>
-          <p:cNvPr id="219" name="Slide Number"/>
+                <a:latin typeface="Courier"/>
+                <a:ea typeface="Courier"/>
+                <a:cs typeface="Courier"/>
+                <a:sym typeface="Courier"/>
+              </a:defRPr>
+            </a:pPr>
+            <a:r>
+              <a:t>type (), len()</a:t>
+            </a:r>
+          </a:p>
+        </p:txBody>
+      </p:sp>
+      <p:sp>
+        <p:nvSpPr>
+          <p:cNvPr id="222" name="Slide Number"/>
           <p:cNvSpPr txBox="1"/>
           <p:nvPr>
             <p:ph type="sldNum" sz="quarter" idx="2"/>
@@ -6385,13 +6498,17 @@
       </p:grpSpPr>
       <p:sp>
         <p:nvSpPr>
-          <p:cNvPr id="221" name="RegEx | Special characters &amp; specifiers"/>
+          <p:cNvPr id="224" name="Regular Expressions (RegEx) | Finding Patterns"/>
           <p:cNvSpPr txBox="1"/>
           <p:nvPr>
             <p:ph type="title"/>
           </p:nvPr>
         </p:nvSpPr>
         <p:spPr>
+          <a:xfrm>
+            <a:off x="419100" y="254037"/>
+            <a:ext cx="12379127" cy="995364"/>
+          </a:xfrm>
           <a:prstGeom prst="rect">
             <a:avLst/>
           </a:prstGeom>
@@ -6402,24 +6519,20 @@
           <a:p>
             <a:pPr/>
             <a:r>
-              <a:t>RegEx | Special characters &amp; specifiers</a:t>
-            </a:r>
-          </a:p>
-        </p:txBody>
-      </p:sp>
-      <p:sp>
-        <p:nvSpPr>
-          <p:cNvPr id="222" name=".     # any character 1 place…"/>
+              <a:t>Regular Expressions (RegEx) | Finding Patterns</a:t>
+            </a:r>
+          </a:p>
+        </p:txBody>
+      </p:sp>
+      <p:sp>
+        <p:nvSpPr>
+          <p:cNvPr id="225" name="re.compile()  # compile a search string…"/>
           <p:cNvSpPr txBox="1"/>
           <p:nvPr>
             <p:ph type="body" idx="1"/>
           </p:nvPr>
         </p:nvSpPr>
         <p:spPr>
-          <a:xfrm>
-            <a:off x="452966" y="1236133"/>
-            <a:ext cx="12379128" cy="6685559"/>
-          </a:xfrm>
           <a:prstGeom prst="rect">
             <a:avLst/>
           </a:prstGeom>
@@ -6438,16 +6551,16 @@
               <a:buClr>
                 <a:srgbClr val="000000"/>
               </a:buClr>
-              <a:buSzPts val="3900"/>
+              <a:buSzPts val="3100"/>
               <a:buAutoNum type="arabicPeriod" startAt="1"/>
-              <a:defRPr i="0" sz="3900">
+              <a:defRPr i="0" sz="3100">
                 <a:solidFill>
                   <a:srgbClr val="000000"/>
                 </a:solidFill>
               </a:defRPr>
             </a:pPr>
             <a:r>
-              <a:t>. 				# any character 1 place</a:t>
+              <a:t>re.compile() 	# compile a search string</a:t>
             </a:r>
           </a:p>
           <a:p>
@@ -6461,16 +6574,16 @@
               <a:buClr>
                 <a:srgbClr val="000000"/>
               </a:buClr>
-              <a:buSzPts val="3900"/>
+              <a:buSzPts val="3100"/>
               <a:buAutoNum type="arabicPeriod" startAt="1"/>
-              <a:defRPr i="0" sz="3900">
+              <a:defRPr i="0" sz="3100">
                 <a:solidFill>
                   <a:srgbClr val="000000"/>
                 </a:solidFill>
               </a:defRPr>
             </a:pPr>
             <a:r>
-              <a:t>*				# any number of char</a:t>
+              <a:t>re.search()       # gets the first match</a:t>
             </a:r>
           </a:p>
           <a:p>
@@ -6484,16 +6597,16 @@
               <a:buClr>
                 <a:srgbClr val="000000"/>
               </a:buClr>
-              <a:buSzPts val="3900"/>
+              <a:buSzPts val="3100"/>
               <a:buAutoNum type="arabicPeriod" startAt="1"/>
-              <a:defRPr i="0" sz="3900">
+              <a:defRPr i="0" sz="3100">
                 <a:solidFill>
                   <a:srgbClr val="000000"/>
                 </a:solidFill>
               </a:defRPr>
             </a:pPr>
             <a:r>
-              <a:t>?  				# any character optional</a:t>
+              <a:t>re.match()        # extract match - if at beginning</a:t>
             </a:r>
           </a:p>
           <a:p>
@@ -6507,9 +6620,55 @@
               <a:buClr>
                 <a:srgbClr val="000000"/>
               </a:buClr>
-              <a:buSzPts val="3900"/>
+              <a:buSzPts val="3100"/>
               <a:buAutoNum type="arabicPeriod" startAt="1"/>
-              <a:defRPr i="0" sz="3900">
+              <a:defRPr i="0" sz="3100">
+                <a:solidFill>
+                  <a:srgbClr val="000000"/>
+                </a:solidFill>
+              </a:defRPr>
+            </a:pPr>
+            <a:r>
+              <a:t>re.split()            # split on matches</a:t>
+            </a:r>
+          </a:p>
+          <a:p>
+            <a:pPr marL="457200" indent="-381000" defTabSz="914400">
+              <a:lnSpc>
+                <a:spcPct val="115000"/>
+              </a:lnSpc>
+              <a:spcBef>
+                <a:spcPts val="0"/>
+              </a:spcBef>
+              <a:buClr>
+                <a:srgbClr val="000000"/>
+              </a:buClr>
+              <a:buSzPts val="3100"/>
+              <a:buAutoNum type="arabicPeriod" startAt="1"/>
+              <a:defRPr i="0" sz="3100">
+                <a:solidFill>
+                  <a:srgbClr val="000000"/>
+                </a:solidFill>
+              </a:defRPr>
+            </a:pPr>
+            <a:r>
+              <a:t>re.sub()            # substitute on matches</a:t>
+            </a:r>
+          </a:p>
+          <a:p>
+            <a:pPr marL="457200" indent="-381000" defTabSz="914400">
+              <a:lnSpc>
+                <a:spcPct val="115000"/>
+              </a:lnSpc>
+              <a:spcBef>
+                <a:spcPts val="0"/>
+              </a:spcBef>
+              <a:buClr>
+                <a:srgbClr val="000000"/>
+              </a:buClr>
+              <a:buSzPts val="3100"/>
+              <a:buAutoNum type="arabicPeriod" startAt="1"/>
+              <a:defRPr i="0" sz="3100">
                 <a:solidFill>
                   <a:srgbClr val="000000"/>
                 </a:solidFill>
@@ -6520,17 +6679,9 @@
               </a:defRPr>
             </a:pPr>
             <a:r>
-              <a:t>[0-9]   ,   /d      </a:t>
-            </a:r>
-            <a:r>
-              <a:rPr>
-                <a:latin typeface="Freight Sans Medium"/>
-                <a:ea typeface="Freight Sans Medium"/>
-                <a:cs typeface="Freight Sans Medium"/>
-                <a:sym typeface="Freight Sans Medium"/>
-              </a:rPr>
-              <a:t># any digit</a:t>
-            </a:r>
+              <a:t>re.findall()         # get all matches as list</a:t>
+            </a:r>
+            <a:endParaRPr b="1"/>
           </a:p>
           <a:p>
             <a:pPr marL="457200" indent="-381000" defTabSz="914400">
@@ -6543,81 +6694,23 @@
               <a:buClr>
                 <a:srgbClr val="000000"/>
               </a:buClr>
-              <a:buSzPts val="3900"/>
+              <a:buSzPts val="3100"/>
               <a:buAutoNum type="arabicPeriod" startAt="1"/>
-              <a:defRPr i="0" sz="3900">
+              <a:defRPr i="0" sz="3100">
                 <a:solidFill>
                   <a:srgbClr val="000000"/>
                 </a:solidFill>
-                <a:latin typeface="Roboto"/>
-                <a:ea typeface="Roboto"/>
-                <a:cs typeface="Roboto"/>
-                <a:sym typeface="Roboto"/>
-              </a:defRPr>
-            </a:pPr>
-            <a:r>
-              <a:t>[a-z]			# any letter lowercase letter </a:t>
-            </a:r>
-          </a:p>
-          <a:p>
-            <a:pPr marL="457200" indent="-381000" defTabSz="914400">
-              <a:lnSpc>
-                <a:spcPct val="115000"/>
-              </a:lnSpc>
-              <a:spcBef>
-                <a:spcPts val="0"/>
-              </a:spcBef>
-              <a:buClr>
-                <a:srgbClr val="000000"/>
-              </a:buClr>
-              <a:buSzPts val="3900"/>
-              <a:buAutoNum type="arabicPeriod" startAt="1"/>
-              <a:defRPr i="0" sz="3900">
-                <a:solidFill>
-                  <a:srgbClr val="000000"/>
-                </a:solidFill>
-                <a:latin typeface="Roboto"/>
-                <a:ea typeface="Roboto"/>
-                <a:cs typeface="Roboto"/>
-                <a:sym typeface="Roboto"/>
-              </a:defRPr>
-            </a:pPr>
-            <a:r>
-              <a:t>/w 	  			# any alpha-numeric char</a:t>
-            </a:r>
-          </a:p>
-          <a:p>
-            <a:pPr marL="457200" indent="-381000" defTabSz="914400">
-              <a:lnSpc>
-                <a:spcPct val="115000"/>
-              </a:lnSpc>
-              <a:spcBef>
-                <a:spcPts val="0"/>
-              </a:spcBef>
-              <a:buClr>
-                <a:srgbClr val="000000"/>
-              </a:buClr>
-              <a:buSzPts val="3900"/>
-              <a:buAutoNum type="arabicPeriod" startAt="1"/>
-              <a:defRPr i="0" sz="3900">
-                <a:solidFill>
-                  <a:srgbClr val="000000"/>
-                </a:solidFill>
-                <a:latin typeface="Roboto"/>
-                <a:ea typeface="Roboto"/>
-                <a:cs typeface="Roboto"/>
-                <a:sym typeface="Roboto"/>
-              </a:defRPr>
-            </a:pPr>
-            <a:r>
-              <a:t> r’ ’			     # the raw string literal</a:t>
-            </a:r>
-          </a:p>
-        </p:txBody>
-      </p:sp>
-      <p:sp>
-        <p:nvSpPr>
-          <p:cNvPr id="223" name="Slide Number"/>
+              </a:defRPr>
+            </a:pPr>
+            <a:r>
+              <a:t>.group()         # used after matching to pull out groups</a:t>
+            </a:r>
+          </a:p>
+        </p:txBody>
+      </p:sp>
+      <p:sp>
+        <p:nvSpPr>
+          <p:cNvPr id="226" name="Slide Number"/>
           <p:cNvSpPr txBox="1"/>
           <p:nvPr>
             <p:ph type="sldNum" sz="quarter" idx="2"/>
@@ -6642,35 +6735,6 @@
           </a:p>
         </p:txBody>
       </p:sp>
-      <p:pic>
-        <p:nvPicPr>
-          <p:cNvPr id="224" name="Google Shape;274;p41" descr="Google Shape;274;p41"/>
-          <p:cNvPicPr>
-            <a:picLocks noChangeAspect="1"/>
-          </p:cNvPicPr>
-          <p:nvPr/>
-        </p:nvPicPr>
-        <p:blipFill>
-          <a:blip r:embed="rId2">
-            <a:extLst/>
-          </a:blip>
-          <a:stretch>
-            <a:fillRect/>
-          </a:stretch>
-        </p:blipFill>
-        <p:spPr>
-          <a:xfrm>
-            <a:off x="2549038" y="5538775"/>
-            <a:ext cx="6839924" cy="4168078"/>
-          </a:xfrm>
-          <a:prstGeom prst="rect">
-            <a:avLst/>
-          </a:prstGeom>
-          <a:ln w="12700">
-            <a:miter lim="400000"/>
-          </a:ln>
-        </p:spPr>
-      </p:pic>
     </p:spTree>
   </p:cSld>
   <p:clrMapOvr>
@@ -7066,17 +7130,13 @@
       </p:grpSpPr>
       <p:sp>
         <p:nvSpPr>
-          <p:cNvPr id="226" name="RegEx | Specifiers"/>
+          <p:cNvPr id="228" name="RegEx | Special characters &amp; specifiers"/>
           <p:cNvSpPr txBox="1"/>
           <p:nvPr>
             <p:ph type="title"/>
           </p:nvPr>
         </p:nvSpPr>
         <p:spPr>
-          <a:xfrm>
-            <a:off x="554566" y="203237"/>
-            <a:ext cx="11099801" cy="995364"/>
-          </a:xfrm>
           <a:prstGeom prst="rect">
             <a:avLst/>
           </a:prstGeom>
@@ -7087,14 +7147,222 @@
           <a:p>
             <a:pPr/>
             <a:r>
-              <a:t>RegEx | Specifiers</a:t>
-            </a:r>
-          </a:p>
-        </p:txBody>
-      </p:sp>
-      <p:sp>
-        <p:nvSpPr>
-          <p:cNvPr id="227" name="Slide Number"/>
+              <a:t>RegEx | Special characters &amp; specifiers</a:t>
+            </a:r>
+          </a:p>
+        </p:txBody>
+      </p:sp>
+      <p:sp>
+        <p:nvSpPr>
+          <p:cNvPr id="229" name=".     # any character 1 place…"/>
+          <p:cNvSpPr txBox="1"/>
+          <p:nvPr>
+            <p:ph type="body" idx="1"/>
+          </p:nvPr>
+        </p:nvSpPr>
+        <p:spPr>
+          <a:xfrm>
+            <a:off x="452966" y="1236133"/>
+            <a:ext cx="12379128" cy="6685559"/>
+          </a:xfrm>
+          <a:prstGeom prst="rect">
+            <a:avLst/>
+          </a:prstGeom>
+        </p:spPr>
+        <p:txBody>
+          <a:bodyPr/>
+          <a:lstStyle/>
+          <a:p>
+            <a:pPr marL="457200" indent="-381000" defTabSz="914400">
+              <a:lnSpc>
+                <a:spcPct val="115000"/>
+              </a:lnSpc>
+              <a:spcBef>
+                <a:spcPts val="0"/>
+              </a:spcBef>
+              <a:buClr>
+                <a:srgbClr val="000000"/>
+              </a:buClr>
+              <a:buSzPts val="3900"/>
+              <a:buAutoNum type="arabicPeriod" startAt="1"/>
+              <a:defRPr i="0" sz="3900">
+                <a:solidFill>
+                  <a:srgbClr val="000000"/>
+                </a:solidFill>
+              </a:defRPr>
+            </a:pPr>
+            <a:r>
+              <a:t>. 				# any character 1 place</a:t>
+            </a:r>
+          </a:p>
+          <a:p>
+            <a:pPr marL="457200" indent="-381000" defTabSz="914400">
+              <a:lnSpc>
+                <a:spcPct val="115000"/>
+              </a:lnSpc>
+              <a:spcBef>
+                <a:spcPts val="0"/>
+              </a:spcBef>
+              <a:buClr>
+                <a:srgbClr val="000000"/>
+              </a:buClr>
+              <a:buSzPts val="3900"/>
+              <a:buAutoNum type="arabicPeriod" startAt="1"/>
+              <a:defRPr i="0" sz="3900">
+                <a:solidFill>
+                  <a:srgbClr val="000000"/>
+                </a:solidFill>
+              </a:defRPr>
+            </a:pPr>
+            <a:r>
+              <a:t>*				# any number of char</a:t>
+            </a:r>
+          </a:p>
+          <a:p>
+            <a:pPr marL="457200" indent="-381000" defTabSz="914400">
+              <a:lnSpc>
+                <a:spcPct val="115000"/>
+              </a:lnSpc>
+              <a:spcBef>
+                <a:spcPts val="0"/>
+              </a:spcBef>
+              <a:buClr>
+                <a:srgbClr val="000000"/>
+              </a:buClr>
+              <a:buSzPts val="3900"/>
+              <a:buAutoNum type="arabicPeriod" startAt="1"/>
+              <a:defRPr i="0" sz="3900">
+                <a:solidFill>
+                  <a:srgbClr val="000000"/>
+                </a:solidFill>
+              </a:defRPr>
+            </a:pPr>
+            <a:r>
+              <a:t>?  				# any character optional</a:t>
+            </a:r>
+          </a:p>
+          <a:p>
+            <a:pPr marL="457200" indent="-381000" defTabSz="914400">
+              <a:lnSpc>
+                <a:spcPct val="115000"/>
+              </a:lnSpc>
+              <a:spcBef>
+                <a:spcPts val="0"/>
+              </a:spcBef>
+              <a:buClr>
+                <a:srgbClr val="000000"/>
+              </a:buClr>
+              <a:buSzPts val="3900"/>
+              <a:buAutoNum type="arabicPeriod" startAt="1"/>
+              <a:defRPr i="0" sz="3900">
+                <a:solidFill>
+                  <a:srgbClr val="000000"/>
+                </a:solidFill>
+                <a:latin typeface="Roboto"/>
+                <a:ea typeface="Roboto"/>
+                <a:cs typeface="Roboto"/>
+                <a:sym typeface="Roboto"/>
+              </a:defRPr>
+            </a:pPr>
+            <a:r>
+              <a:t>[0-9]   ,   /d      </a:t>
+            </a:r>
+            <a:r>
+              <a:rPr>
+                <a:latin typeface="Freight Sans Medium"/>
+                <a:ea typeface="Freight Sans Medium"/>
+                <a:cs typeface="Freight Sans Medium"/>
+                <a:sym typeface="Freight Sans Medium"/>
+              </a:rPr>
+              <a:t># any digit</a:t>
+            </a:r>
+          </a:p>
+          <a:p>
+            <a:pPr marL="457200" indent="-381000" defTabSz="914400">
+              <a:lnSpc>
+                <a:spcPct val="115000"/>
+              </a:lnSpc>
+              <a:spcBef>
+                <a:spcPts val="0"/>
+              </a:spcBef>
+              <a:buClr>
+                <a:srgbClr val="000000"/>
+              </a:buClr>
+              <a:buSzPts val="3900"/>
+              <a:buAutoNum type="arabicPeriod" startAt="1"/>
+              <a:defRPr i="0" sz="3900">
+                <a:solidFill>
+                  <a:srgbClr val="000000"/>
+                </a:solidFill>
+                <a:latin typeface="Roboto"/>
+                <a:ea typeface="Roboto"/>
+                <a:cs typeface="Roboto"/>
+                <a:sym typeface="Roboto"/>
+              </a:defRPr>
+            </a:pPr>
+            <a:r>
+              <a:t>[a-z]			# any letter lowercase letter </a:t>
+            </a:r>
+          </a:p>
+          <a:p>
+            <a:pPr marL="457200" indent="-381000" defTabSz="914400">
+              <a:lnSpc>
+                <a:spcPct val="115000"/>
+              </a:lnSpc>
+              <a:spcBef>
+                <a:spcPts val="0"/>
+              </a:spcBef>
+              <a:buClr>
+                <a:srgbClr val="000000"/>
+              </a:buClr>
+              <a:buSzPts val="3900"/>
+              <a:buAutoNum type="arabicPeriod" startAt="1"/>
+              <a:defRPr i="0" sz="3900">
+                <a:solidFill>
+                  <a:srgbClr val="000000"/>
+                </a:solidFill>
+                <a:latin typeface="Roboto"/>
+                <a:ea typeface="Roboto"/>
+                <a:cs typeface="Roboto"/>
+                <a:sym typeface="Roboto"/>
+              </a:defRPr>
+            </a:pPr>
+            <a:r>
+              <a:t>/w 	  			# any alpha-numeric char</a:t>
+            </a:r>
+          </a:p>
+          <a:p>
+            <a:pPr marL="457200" indent="-381000" defTabSz="914400">
+              <a:lnSpc>
+                <a:spcPct val="115000"/>
+              </a:lnSpc>
+              <a:spcBef>
+                <a:spcPts val="0"/>
+              </a:spcBef>
+              <a:buClr>
+                <a:srgbClr val="000000"/>
+              </a:buClr>
+              <a:buSzPts val="3900"/>
+              <a:buAutoNum type="arabicPeriod" startAt="1"/>
+              <a:defRPr i="0" sz="3900">
+                <a:solidFill>
+                  <a:srgbClr val="000000"/>
+                </a:solidFill>
+                <a:latin typeface="Roboto"/>
+                <a:ea typeface="Roboto"/>
+                <a:cs typeface="Roboto"/>
+                <a:sym typeface="Roboto"/>
+              </a:defRPr>
+            </a:pPr>
+            <a:r>
+              <a:t> r’ ’			     # the raw string literal</a:t>
+            </a:r>
+          </a:p>
+        </p:txBody>
+      </p:sp>
+      <p:sp>
+        <p:nvSpPr>
+          <p:cNvPr id="230" name="Slide Number"/>
           <p:cNvSpPr txBox="1"/>
           <p:nvPr>
             <p:ph type="sldNum" sz="quarter" idx="2"/>
@@ -7119,23 +7387,133 @@
           </a:p>
         </p:txBody>
       </p:sp>
+      <p:pic>
+        <p:nvPicPr>
+          <p:cNvPr id="231" name="Google Shape;274;p41" descr="Google Shape;274;p41"/>
+          <p:cNvPicPr>
+            <a:picLocks noChangeAspect="1"/>
+          </p:cNvPicPr>
+          <p:nvPr/>
+        </p:nvPicPr>
+        <p:blipFill>
+          <a:blip r:embed="rId2">
+            <a:extLst/>
+          </a:blip>
+          <a:stretch>
+            <a:fillRect/>
+          </a:stretch>
+        </p:blipFill>
+        <p:spPr>
+          <a:xfrm>
+            <a:off x="2549038" y="5538775"/>
+            <a:ext cx="6839924" cy="4168078"/>
+          </a:xfrm>
+          <a:prstGeom prst="rect">
+            <a:avLst/>
+          </a:prstGeom>
+          <a:ln w="12700">
+            <a:miter lim="400000"/>
+          </a:ln>
+        </p:spPr>
+      </p:pic>
+    </p:spTree>
+  </p:cSld>
+  <p:clrMapOvr>
+    <a:masterClrMapping/>
+  </p:clrMapOvr>
+  <p:transition xmlns:p14="http://schemas.microsoft.com/office/powerpoint/2010/main" spd="med" advClick="1"/>
+</p:sld>
+</file>
+
+<file path=ppt/slides/slide21.xml><?xml version="1.0" encoding="utf-8"?>
+<p:sld xmlns:a="http://schemas.openxmlformats.org/drawingml/2006/main" xmlns:r="http://schemas.openxmlformats.org/officeDocument/2006/relationships" xmlns:p="http://schemas.openxmlformats.org/presentationml/2006/main" xmlns:m="http://schemas.openxmlformats.org/officeDocument/2006/math" xmlns:a14="http://schemas.microsoft.com/office/drawing/2010/main" showMasterSp="1" showMasterPhAnim="1">
+  <p:cSld>
+    <p:spTree>
+      <p:nvGrpSpPr>
+        <p:cNvPr id="1" name=""/>
+        <p:cNvGrpSpPr/>
+        <p:nvPr/>
+      </p:nvGrpSpPr>
+      <p:grpSpPr>
+        <a:xfrm>
+          <a:off x="0" y="0"/>
+          <a:ext cx="0" cy="0"/>
+          <a:chOff x="0" y="0"/>
+          <a:chExt cx="0" cy="0"/>
+        </a:xfrm>
+      </p:grpSpPr>
+      <p:sp>
+        <p:nvSpPr>
+          <p:cNvPr id="233" name="RegEx | Specifiers"/>
+          <p:cNvSpPr txBox="1"/>
+          <p:nvPr>
+            <p:ph type="title"/>
+          </p:nvPr>
+        </p:nvSpPr>
+        <p:spPr>
+          <a:xfrm>
+            <a:off x="554566" y="203237"/>
+            <a:ext cx="11099801" cy="995364"/>
+          </a:xfrm>
+          <a:prstGeom prst="rect">
+            <a:avLst/>
+          </a:prstGeom>
+        </p:spPr>
+        <p:txBody>
+          <a:bodyPr/>
+          <a:lstStyle/>
+          <a:p>
+            <a:pPr/>
+            <a:r>
+              <a:t>RegEx | Specifiers</a:t>
+            </a:r>
+          </a:p>
+        </p:txBody>
+      </p:sp>
+      <p:sp>
+        <p:nvSpPr>
+          <p:cNvPr id="234" name="Slide Number"/>
+          <p:cNvSpPr txBox="1"/>
+          <p:nvPr>
+            <p:ph type="sldNum" sz="quarter" idx="2"/>
+          </p:nvPr>
+        </p:nvSpPr>
+        <p:spPr>
+          <a:prstGeom prst="rect">
+            <a:avLst/>
+          </a:prstGeom>
+          <a:extLst>
+            <a:ext uri="{C572A759-6A51-4108-AA02-DFA0A04FC94B}">
+              <ma14:wrappingTextBoxFlag xmlns:ma14="http://schemas.microsoft.com/office/mac/drawingml/2011/main" val="1"/>
+            </a:ext>
+          </a:extLst>
+        </p:spPr>
+        <p:txBody>
+          <a:bodyPr/>
+          <a:lstStyle/>
+          <a:p>
+            <a:pPr/>
+            <a:fld id="{86CB4B4D-7CA3-9044-876B-883B54F8677D}" type="slidenum"/>
+          </a:p>
+        </p:txBody>
+      </p:sp>
       <p:grpSp>
         <p:nvGrpSpPr>
-          <p:cNvPr id="230" name="Google Shape;280;p42"/>
+          <p:cNvPr id="237" name="Google Shape;280;p42"/>
           <p:cNvGrpSpPr/>
           <p:nvPr/>
         </p:nvGrpSpPr>
         <p:grpSpPr>
           <a:xfrm>
-            <a:off x="3423183" y="993130"/>
-            <a:ext cx="5362568" cy="7919740"/>
+            <a:off x="730782" y="993130"/>
+            <a:ext cx="5362569" cy="7919740"/>
             <a:chOff x="0" y="0"/>
             <a:chExt cx="5362567" cy="7919738"/>
           </a:xfrm>
         </p:grpSpPr>
         <p:pic>
           <p:nvPicPr>
-            <p:cNvPr id="229" name="Google Shape;280;p42" descr="Google Shape;280;p42"/>
+            <p:cNvPr id="236" name="Google Shape;280;p42" descr="Google Shape;280;p42"/>
             <p:cNvPicPr>
               <a:picLocks noChangeAspect="1"/>
             </p:cNvPicPr>
@@ -7165,7 +7543,7 @@
         </p:pic>
         <p:pic>
           <p:nvPicPr>
-            <p:cNvPr id="228" name="Google Shape;280;p42" descr="Google Shape;280;p42"/>
+            <p:cNvPr id="235" name="Google Shape;280;p42" descr="Google Shape;280;p42"/>
             <p:cNvPicPr>
               <a:picLocks noChangeAspect="0"/>
             </p:cNvPicPr>
@@ -7191,6 +7569,160 @@
           </p:spPr>
         </p:pic>
       </p:grpSp>
+      <p:sp>
+        <p:nvSpPr>
+          <p:cNvPr id="238" name="https://regexone.com/references/python"/>
+          <p:cNvSpPr txBox="1"/>
+          <p:nvPr/>
+        </p:nvSpPr>
+        <p:spPr>
+          <a:xfrm>
+            <a:off x="6421966" y="8134537"/>
+            <a:ext cx="6019801" cy="461060"/>
+          </a:xfrm>
+          <a:prstGeom prst="rect">
+            <a:avLst/>
+          </a:prstGeom>
+          <a:ln w="12700">
+            <a:miter lim="400000"/>
+          </a:ln>
+          <a:extLst>
+            <a:ext uri="{C572A759-6A51-4108-AA02-DFA0A04FC94B}">
+              <ma14:wrappingTextBoxFlag xmlns:ma14="http://schemas.microsoft.com/office/mac/drawingml/2011/main" val="1"/>
+            </a:ext>
+          </a:extLst>
+        </p:spPr>
+        <p:txBody>
+          <a:bodyPr wrap="none" lIns="50800" tIns="50800" rIns="50800" bIns="50800" anchor="ctr">
+            <a:spAutoFit/>
+          </a:bodyPr>
+          <a:lstStyle/>
+          <a:p>
+            <a:pPr/>
+            <a:r>
+              <a:t>https://regexone.com/references/python</a:t>
+            </a:r>
+          </a:p>
+        </p:txBody>
+      </p:sp>
+      <p:sp>
+        <p:nvSpPr>
+          <p:cNvPr id="239" name="matchObject = re.search(pattern, input_str, flags=0)"/>
+          <p:cNvSpPr txBox="1"/>
+          <p:nvPr/>
+        </p:nvSpPr>
+        <p:spPr>
+          <a:xfrm>
+            <a:off x="6347998" y="1162049"/>
+            <a:ext cx="6523337" cy="342901"/>
+          </a:xfrm>
+          <a:prstGeom prst="rect">
+            <a:avLst/>
+          </a:prstGeom>
+          <a:ln w="12700">
+            <a:miter lim="400000"/>
+          </a:ln>
+          <a:extLst>
+            <a:ext uri="{C572A759-6A51-4108-AA02-DFA0A04FC94B}">
+              <ma14:wrappingTextBoxFlag xmlns:ma14="http://schemas.microsoft.com/office/mac/drawingml/2011/main" val="1"/>
+            </a:ext>
+          </a:extLst>
+        </p:spPr>
+        <p:txBody>
+          <a:bodyPr wrap="none" lIns="50800" tIns="50800" rIns="50800" bIns="50800" anchor="ctr">
+            <a:spAutoFit/>
+          </a:bodyPr>
+          <a:lstStyle/>
+          <a:p>
+            <a:pPr algn="l" defTabSz="457200">
+              <a:defRPr b="0" sz="1617">
+                <a:solidFill>
+                  <a:srgbClr val="4380D9"/>
+                </a:solidFill>
+                <a:latin typeface="Courier"/>
+                <a:ea typeface="Courier"/>
+                <a:cs typeface="Courier"/>
+                <a:sym typeface="Courier"/>
+              </a:defRPr>
+            </a:pPr>
+            <a:r>
+              <a:t>matchObject</a:t>
+            </a:r>
+            <a:r>
+              <a:rPr>
+                <a:solidFill>
+                  <a:srgbClr val="333333"/>
+                </a:solidFill>
+              </a:rPr>
+              <a:t> = </a:t>
+            </a:r>
+            <a:r>
+              <a:rPr>
+                <a:solidFill>
+                  <a:srgbClr val="4B668D"/>
+                </a:solidFill>
+              </a:rPr>
+              <a:t>re.search</a:t>
+            </a:r>
+            <a:r>
+              <a:rPr>
+                <a:solidFill>
+                  <a:srgbClr val="333333"/>
+                </a:solidFill>
+              </a:rPr>
+              <a:t>(</a:t>
+            </a:r>
+            <a:r>
+              <a:rPr i="1">
+                <a:solidFill>
+                  <a:srgbClr val="CB6969"/>
+                </a:solidFill>
+              </a:rPr>
+              <a:t>pattern</a:t>
+            </a:r>
+            <a:r>
+              <a:rPr>
+                <a:solidFill>
+                  <a:srgbClr val="333333"/>
+                </a:solidFill>
+              </a:rPr>
+              <a:t>, </a:t>
+            </a:r>
+            <a:r>
+              <a:rPr i="1">
+                <a:solidFill>
+                  <a:srgbClr val="CB6969"/>
+                </a:solidFill>
+              </a:rPr>
+              <a:t>input_str</a:t>
+            </a:r>
+            <a:r>
+              <a:rPr>
+                <a:solidFill>
+                  <a:srgbClr val="333333"/>
+                </a:solidFill>
+              </a:rPr>
+              <a:t>, </a:t>
+            </a:r>
+            <a:r>
+              <a:rPr i="1">
+                <a:solidFill>
+                  <a:srgbClr val="CB6969"/>
+                </a:solidFill>
+              </a:rPr>
+              <a:t>flags</a:t>
+            </a:r>
+            <a:r>
+              <a:rPr>
+                <a:solidFill>
+                  <a:srgbClr val="333333"/>
+                </a:solidFill>
+              </a:rPr>
+              <a:t>=0)</a:t>
+            </a:r>
+          </a:p>
+        </p:txBody>
+      </p:sp>
     </p:spTree>
   </p:cSld>
   <p:clrMapOvr>
@@ -7200,7 +7732,7 @@
 </p:sld>
 </file>
 
-<file path=ppt/slides/slide21.xml><?xml version="1.0" encoding="utf-8"?>
+<file path=ppt/slides/slide22.xml><?xml version="1.0" encoding="utf-8"?>
 <p:sld xmlns:a="http://schemas.openxmlformats.org/drawingml/2006/main" xmlns:r="http://schemas.openxmlformats.org/officeDocument/2006/relationships" xmlns:p="http://schemas.openxmlformats.org/presentationml/2006/main" xmlns:m="http://schemas.openxmlformats.org/officeDocument/2006/math" xmlns:a14="http://schemas.microsoft.com/office/drawing/2010/main" showMasterSp="1" showMasterPhAnim="1">
   <p:cSld>
     <p:spTree>
@@ -7219,31 +7751,7 @@
       </p:grpSpPr>
       <p:sp>
         <p:nvSpPr>
-          <p:cNvPr id="232" name="RegEx | Basic Examples"/>
-          <p:cNvSpPr txBox="1"/>
-          <p:nvPr>
-            <p:ph type="title"/>
-          </p:nvPr>
-        </p:nvSpPr>
-        <p:spPr>
-          <a:prstGeom prst="rect">
-            <a:avLst/>
-          </a:prstGeom>
-        </p:spPr>
-        <p:txBody>
-          <a:bodyPr/>
-          <a:lstStyle/>
-          <a:p>
-            <a:pPr/>
-            <a:r>
-              <a:t>RegEx | Basic Examples</a:t>
-            </a:r>
-          </a:p>
-        </p:txBody>
-      </p:sp>
-      <p:sp>
-        <p:nvSpPr>
-          <p:cNvPr id="233" name="Slide Number"/>
+          <p:cNvPr id="241" name="Slide Number"/>
           <p:cNvSpPr txBox="1"/>
           <p:nvPr>
             <p:ph type="sldNum" sz="quarter" idx="2"/>
@@ -7268,9 +7776,252 @@
           </a:p>
         </p:txBody>
       </p:sp>
+      <p:sp>
+        <p:nvSpPr>
+          <p:cNvPr id="242" name="https://regexone.com/references/python"/>
+          <p:cNvSpPr txBox="1"/>
+          <p:nvPr/>
+        </p:nvSpPr>
+        <p:spPr>
+          <a:xfrm>
+            <a:off x="6929966" y="8540937"/>
+            <a:ext cx="6019801" cy="461060"/>
+          </a:xfrm>
+          <a:prstGeom prst="rect">
+            <a:avLst/>
+          </a:prstGeom>
+          <a:ln w="12700">
+            <a:miter lim="400000"/>
+          </a:ln>
+          <a:extLst>
+            <a:ext uri="{C572A759-6A51-4108-AA02-DFA0A04FC94B}">
+              <ma14:wrappingTextBoxFlag xmlns:ma14="http://schemas.microsoft.com/office/mac/drawingml/2011/main" val="1"/>
+            </a:ext>
+          </a:extLst>
+        </p:spPr>
+        <p:txBody>
+          <a:bodyPr wrap="none" lIns="50800" tIns="50800" rIns="50800" bIns="50800" anchor="ctr">
+            <a:spAutoFit/>
+          </a:bodyPr>
+          <a:lstStyle>
+            <a:lvl1pPr>
+              <a:defRPr u="sng">
+                <a:hlinkClick r:id="rId2" invalidUrl="" action="" tgtFrame="" tooltip="" history="1" highlightClick="0" endSnd="0"/>
+              </a:defRPr>
+            </a:lvl1pPr>
+          </a:lstStyle>
+          <a:p>
+            <a:pPr>
+              <a:defRPr u="none"/>
+            </a:pPr>
+            <a:r>
+              <a:rPr u="sng">
+                <a:hlinkClick r:id="rId2" invalidUrl="" action="" tgtFrame="" tooltip="" history="1" highlightClick="0" endSnd="0"/>
+              </a:rPr>
+              <a:t>https://regexone.com/references/python</a:t>
+            </a:r>
+          </a:p>
+        </p:txBody>
+      </p:sp>
       <p:grpSp>
         <p:nvGrpSpPr>
-          <p:cNvPr id="236" name="Google Shape;286;p43"/>
+          <p:cNvPr id="245" name="Screen Shot 2018-10-31 at 6.18.11 PM.png"/>
+          <p:cNvGrpSpPr/>
+          <p:nvPr/>
+        </p:nvGrpSpPr>
+        <p:grpSpPr>
+          <a:xfrm>
+            <a:off x="2749550" y="400050"/>
+            <a:ext cx="7505701" cy="6565900"/>
+            <a:chOff x="0" y="0"/>
+            <a:chExt cx="7505700" cy="6565900"/>
+          </a:xfrm>
+        </p:grpSpPr>
+        <p:pic>
+          <p:nvPicPr>
+            <p:cNvPr id="244" name="Screen Shot 2018-10-31 at 6.18.11 PM.png" descr="Screen Shot 2018-10-31 at 6.18.11 PM.png"/>
+            <p:cNvPicPr>
+              <a:picLocks noChangeAspect="1"/>
+            </p:cNvPicPr>
+            <p:nvPr/>
+          </p:nvPicPr>
+          <p:blipFill>
+            <a:blip r:embed="rId3">
+              <a:extLst/>
+            </a:blip>
+            <a:stretch>
+              <a:fillRect/>
+            </a:stretch>
+          </p:blipFill>
+          <p:spPr>
+            <a:xfrm>
+              <a:off x="127000" y="88900"/>
+              <a:ext cx="7251700" cy="6235700"/>
+            </a:xfrm>
+            <a:prstGeom prst="rect">
+              <a:avLst/>
+            </a:prstGeom>
+            <a:ln>
+              <a:noFill/>
+            </a:ln>
+            <a:effectLst/>
+          </p:spPr>
+        </p:pic>
+        <p:pic>
+          <p:nvPicPr>
+            <p:cNvPr id="243" name="Screen Shot 2018-10-31 at 6.18.11 PM.png" descr="Screen Shot 2018-10-31 at 6.18.11 PM.png"/>
+            <p:cNvPicPr>
+              <a:picLocks noChangeAspect="0"/>
+            </p:cNvPicPr>
+            <p:nvPr/>
+          </p:nvPicPr>
+          <p:blipFill>
+            <a:blip r:embed="rId4">
+              <a:extLst/>
+            </a:blip>
+            <a:stretch>
+              <a:fillRect/>
+            </a:stretch>
+          </p:blipFill>
+          <p:spPr>
+            <a:xfrm>
+              <a:off x="0" y="0"/>
+              <a:ext cx="7505700" cy="6565900"/>
+            </a:xfrm>
+            <a:prstGeom prst="rect">
+              <a:avLst/>
+            </a:prstGeom>
+            <a:effectLst/>
+          </p:spPr>
+        </p:pic>
+      </p:grpSp>
+      <p:sp>
+        <p:nvSpPr>
+          <p:cNvPr id="246" name="https://www.machinelearningplus.com/python/python-regex-tutorial-examples/"/>
+          <p:cNvSpPr txBox="1"/>
+          <p:nvPr/>
+        </p:nvSpPr>
+        <p:spPr>
+          <a:xfrm>
+            <a:off x="1202774" y="8026774"/>
+            <a:ext cx="11682985" cy="461060"/>
+          </a:xfrm>
+          <a:prstGeom prst="rect">
+            <a:avLst/>
+          </a:prstGeom>
+          <a:ln w="12700">
+            <a:miter lim="400000"/>
+          </a:ln>
+          <a:extLst>
+            <a:ext uri="{C572A759-6A51-4108-AA02-DFA0A04FC94B}">
+              <ma14:wrappingTextBoxFlag xmlns:ma14="http://schemas.microsoft.com/office/mac/drawingml/2011/main" val="1"/>
+            </a:ext>
+          </a:extLst>
+        </p:spPr>
+        <p:txBody>
+          <a:bodyPr wrap="none" lIns="50800" tIns="50800" rIns="50800" bIns="50800" anchor="ctr">
+            <a:spAutoFit/>
+          </a:bodyPr>
+          <a:lstStyle>
+            <a:lvl1pPr>
+              <a:defRPr u="sng">
+                <a:hlinkClick r:id="rId5" invalidUrl="" action="" tgtFrame="" tooltip="" history="1" highlightClick="0" endSnd="0"/>
+              </a:defRPr>
+            </a:lvl1pPr>
+          </a:lstStyle>
+          <a:p>
+            <a:pPr>
+              <a:defRPr u="none"/>
+            </a:pPr>
+            <a:r>
+              <a:rPr u="sng">
+                <a:hlinkClick r:id="rId5" invalidUrl="" action="" tgtFrame="" tooltip="" history="1" highlightClick="0" endSnd="0"/>
+              </a:rPr>
+              <a:t>https://www.machinelearningplus.com/python/python-regex-tutorial-examples/</a:t>
+            </a:r>
+          </a:p>
+        </p:txBody>
+      </p:sp>
+    </p:spTree>
+  </p:cSld>
+  <p:clrMapOvr>
+    <a:masterClrMapping/>
+  </p:clrMapOvr>
+  <p:transition xmlns:p14="http://schemas.microsoft.com/office/powerpoint/2010/main" spd="med" advClick="1"/>
+</p:sld>
+</file>
+
+<file path=ppt/slides/slide23.xml><?xml version="1.0" encoding="utf-8"?>
+<p:sld xmlns:a="http://schemas.openxmlformats.org/drawingml/2006/main" xmlns:r="http://schemas.openxmlformats.org/officeDocument/2006/relationships" xmlns:p="http://schemas.openxmlformats.org/presentationml/2006/main" xmlns:m="http://schemas.openxmlformats.org/officeDocument/2006/math" xmlns:a14="http://schemas.microsoft.com/office/drawing/2010/main" showMasterSp="1" showMasterPhAnim="1">
+  <p:cSld>
+    <p:spTree>
+      <p:nvGrpSpPr>
+        <p:cNvPr id="1" name=""/>
+        <p:cNvGrpSpPr/>
+        <p:nvPr/>
+      </p:nvGrpSpPr>
+      <p:grpSpPr>
+        <a:xfrm>
+          <a:off x="0" y="0"/>
+          <a:ext cx="0" cy="0"/>
+          <a:chOff x="0" y="0"/>
+          <a:chExt cx="0" cy="0"/>
+        </a:xfrm>
+      </p:grpSpPr>
+      <p:sp>
+        <p:nvSpPr>
+          <p:cNvPr id="248" name="RegEx | Basic Examples"/>
+          <p:cNvSpPr txBox="1"/>
+          <p:nvPr>
+            <p:ph type="title"/>
+          </p:nvPr>
+        </p:nvSpPr>
+        <p:spPr>
+          <a:prstGeom prst="rect">
+            <a:avLst/>
+          </a:prstGeom>
+        </p:spPr>
+        <p:txBody>
+          <a:bodyPr/>
+          <a:lstStyle/>
+          <a:p>
+            <a:pPr/>
+            <a:r>
+              <a:t>RegEx | Basic Examples</a:t>
+            </a:r>
+          </a:p>
+        </p:txBody>
+      </p:sp>
+      <p:sp>
+        <p:nvSpPr>
+          <p:cNvPr id="249" name="Slide Number"/>
+          <p:cNvSpPr txBox="1"/>
+          <p:nvPr>
+            <p:ph type="sldNum" sz="quarter" idx="2"/>
+          </p:nvPr>
+        </p:nvSpPr>
+        <p:spPr>
+          <a:prstGeom prst="rect">
+            <a:avLst/>
+          </a:prstGeom>
+          <a:extLst>
+            <a:ext uri="{C572A759-6A51-4108-AA02-DFA0A04FC94B}">
+              <ma14:wrappingTextBoxFlag xmlns:ma14="http://schemas.microsoft.com/office/mac/drawingml/2011/main" val="1"/>
+            </a:ext>
+          </a:extLst>
+        </p:spPr>
+        <p:txBody>
+          <a:bodyPr/>
+          <a:lstStyle/>
+          <a:p>
+            <a:pPr/>
+            <a:fld id="{86CB4B4D-7CA3-9044-876B-883B54F8677D}" type="slidenum"/>
+          </a:p>
+        </p:txBody>
+      </p:sp>
+      <p:grpSp>
+        <p:nvGrpSpPr>
+          <p:cNvPr id="252" name="Google Shape;286;p43"/>
           <p:cNvGrpSpPr/>
           <p:nvPr/>
         </p:nvGrpSpPr>
@@ -7284,7 +8035,7 @@
         </p:grpSpPr>
         <p:pic>
           <p:nvPicPr>
-            <p:cNvPr id="235" name="Google Shape;286;p43" descr="Google Shape;286;p43"/>
+            <p:cNvPr id="251" name="Google Shape;286;p43" descr="Google Shape;286;p43"/>
             <p:cNvPicPr>
               <a:picLocks noChangeAspect="1"/>
             </p:cNvPicPr>
@@ -7314,7 +8065,7 @@
         </p:pic>
         <p:pic>
           <p:nvPicPr>
-            <p:cNvPr id="234" name="Google Shape;286;p43" descr="Google Shape;286;p43"/>
+            <p:cNvPr id="250" name="Google Shape;286;p43" descr="Google Shape;286;p43"/>
             <p:cNvPicPr>
               <a:picLocks noChangeAspect="0"/>
             </p:cNvPicPr>
@@ -7342,7 +8093,7 @@
       </p:grpSp>
       <p:grpSp>
         <p:nvGrpSpPr>
-          <p:cNvPr id="239" name="Google Shape;287;p43"/>
+          <p:cNvPr id="255" name="Google Shape;287;p43"/>
           <p:cNvGrpSpPr/>
           <p:nvPr/>
         </p:nvGrpSpPr>
@@ -7356,7 +8107,7 @@
         </p:grpSpPr>
         <p:pic>
           <p:nvPicPr>
-            <p:cNvPr id="238" name="Google Shape;287;p43" descr="Google Shape;287;p43"/>
+            <p:cNvPr id="254" name="Google Shape;287;p43" descr="Google Shape;287;p43"/>
             <p:cNvPicPr>
               <a:picLocks noChangeAspect="1"/>
             </p:cNvPicPr>
@@ -7386,7 +8137,7 @@
         </p:pic>
         <p:pic>
           <p:nvPicPr>
-            <p:cNvPr id="237" name="Google Shape;287;p43" descr="Google Shape;287;p43"/>
+            <p:cNvPr id="253" name="Google Shape;287;p43" descr="Google Shape;287;p43"/>
             <p:cNvPicPr>
               <a:picLocks noChangeAspect="0"/>
             </p:cNvPicPr>
@@ -7421,7 +8172,7 @@
 </p:sld>
 </file>
 
-<file path=ppt/slides/slide22.xml><?xml version="1.0" encoding="utf-8"?>
+<file path=ppt/slides/slide24.xml><?xml version="1.0" encoding="utf-8"?>
 <p:sld xmlns:a="http://schemas.openxmlformats.org/drawingml/2006/main" xmlns:r="http://schemas.openxmlformats.org/officeDocument/2006/relationships" xmlns:p="http://schemas.openxmlformats.org/presentationml/2006/main" xmlns:m="http://schemas.openxmlformats.org/officeDocument/2006/math" xmlns:a14="http://schemas.microsoft.com/office/drawing/2010/main" showMasterSp="1" showMasterPhAnim="1">
   <p:cSld>
     <p:spTree>
@@ -7440,7 +8191,7 @@
       </p:grpSpPr>
       <p:sp>
         <p:nvSpPr>
-          <p:cNvPr id="241" name="RegEx | Phone Number Example"/>
+          <p:cNvPr id="257" name="RegEx | Phone Number Example"/>
           <p:cNvSpPr txBox="1"/>
           <p:nvPr>
             <p:ph type="title"/>
@@ -7468,7 +8219,7 @@
       </p:sp>
       <p:sp>
         <p:nvSpPr>
-          <p:cNvPr id="242" name="Slide Number"/>
+          <p:cNvPr id="258" name="Slide Number"/>
           <p:cNvSpPr txBox="1"/>
           <p:nvPr>
             <p:ph type="sldNum" sz="quarter" idx="2"/>
@@ -7495,7 +8246,7 @@
       </p:sp>
       <p:sp>
         <p:nvSpPr>
-          <p:cNvPr id="243" name="Compact version"/>
+          <p:cNvPr id="259" name="Compact version"/>
           <p:cNvSpPr txBox="1"/>
           <p:nvPr>
             <p:ph type="body" idx="1"/>
@@ -7613,7 +8364,7 @@
       </p:sp>
       <p:pic>
         <p:nvPicPr>
-          <p:cNvPr id="244" name="Google Shape;294;p44" descr="Google Shape;294;p44"/>
+          <p:cNvPr id="260" name="Google Shape;294;p44" descr="Google Shape;294;p44"/>
           <p:cNvPicPr>
             <a:picLocks noChangeAspect="1"/>
           </p:cNvPicPr>
@@ -7642,7 +8393,7 @@
       </p:pic>
       <p:pic>
         <p:nvPicPr>
-          <p:cNvPr id="245" name="Google Shape;295;p44" descr="Google Shape;295;p44"/>
+          <p:cNvPr id="261" name="Google Shape;295;p44" descr="Google Shape;295;p44"/>
           <p:cNvPicPr>
             <a:picLocks noChangeAspect="1"/>
           </p:cNvPicPr>
@@ -7671,7 +8422,7 @@
       </p:pic>
       <p:sp>
         <p:nvSpPr>
-          <p:cNvPr id="246" name="expanded version"/>
+          <p:cNvPr id="262" name="expanded version"/>
           <p:cNvSpPr txBox="1"/>
           <p:nvPr/>
         </p:nvSpPr>
@@ -7730,7 +8481,7 @@
 </p:sld>
 </file>
 
-<file path=ppt/slides/slide23.xml><?xml version="1.0" encoding="utf-8"?>
+<file path=ppt/slides/slide25.xml><?xml version="1.0" encoding="utf-8"?>
 <p:sld xmlns:a="http://schemas.openxmlformats.org/drawingml/2006/main" xmlns:r="http://schemas.openxmlformats.org/officeDocument/2006/relationships" xmlns:p="http://schemas.openxmlformats.org/presentationml/2006/main" xmlns:m="http://schemas.openxmlformats.org/officeDocument/2006/math" xmlns:a14="http://schemas.microsoft.com/office/drawing/2010/main" showMasterSp="1" showMasterPhAnim="1">
   <p:cSld>
     <p:spTree>
@@ -7749,7 +8500,7 @@
       </p:grpSpPr>
       <p:sp>
         <p:nvSpPr>
-          <p:cNvPr id="248" name="RegEx | Matching Groups"/>
+          <p:cNvPr id="264" name="RegEx | Matching Groups"/>
           <p:cNvSpPr txBox="1"/>
           <p:nvPr>
             <p:ph type="title"/>
@@ -7773,7 +8524,7 @@
       </p:sp>
       <p:sp>
         <p:nvSpPr>
-          <p:cNvPr id="249" name="Slide Number"/>
+          <p:cNvPr id="265" name="Slide Number"/>
           <p:cNvSpPr txBox="1"/>
           <p:nvPr>
             <p:ph type="sldNum" sz="quarter" idx="2"/>
@@ -7800,7 +8551,7 @@
       </p:sp>
       <p:grpSp>
         <p:nvGrpSpPr>
-          <p:cNvPr id="252" name="Google Shape;301;p45"/>
+          <p:cNvPr id="268" name="Google Shape;301;p45"/>
           <p:cNvGrpSpPr/>
           <p:nvPr/>
         </p:nvGrpSpPr>
@@ -7814,7 +8565,7 @@
         </p:grpSpPr>
         <p:pic>
           <p:nvPicPr>
-            <p:cNvPr id="251" name="Google Shape;301;p45" descr="Google Shape;301;p45"/>
+            <p:cNvPr id="267" name="Google Shape;301;p45" descr="Google Shape;301;p45"/>
             <p:cNvPicPr>
               <a:picLocks noChangeAspect="1"/>
             </p:cNvPicPr>
@@ -7844,7 +8595,7 @@
         </p:pic>
         <p:pic>
           <p:nvPicPr>
-            <p:cNvPr id="250" name="Google Shape;301;p45" descr="Google Shape;301;p45"/>
+            <p:cNvPr id="266" name="Google Shape;301;p45" descr="Google Shape;301;p45"/>
             <p:cNvPicPr>
               <a:picLocks noChangeAspect="0"/>
             </p:cNvPicPr>
@@ -7872,7 +8623,7 @@
       </p:grpSp>
       <p:grpSp>
         <p:nvGrpSpPr>
-          <p:cNvPr id="255" name="Google Shape;302;p45"/>
+          <p:cNvPr id="271" name="Google Shape;302;p45"/>
           <p:cNvGrpSpPr/>
           <p:nvPr/>
         </p:nvGrpSpPr>
@@ -7886,7 +8637,7 @@
         </p:grpSpPr>
         <p:pic>
           <p:nvPicPr>
-            <p:cNvPr id="254" name="Google Shape;302;p45" descr="Google Shape;302;p45"/>
+            <p:cNvPr id="270" name="Google Shape;302;p45" descr="Google Shape;302;p45"/>
             <p:cNvPicPr>
               <a:picLocks noChangeAspect="1"/>
             </p:cNvPicPr>
@@ -7916,7 +8667,7 @@
         </p:pic>
         <p:pic>
           <p:nvPicPr>
-            <p:cNvPr id="253" name="Google Shape;302;p45" descr="Google Shape;302;p45"/>
+            <p:cNvPr id="269" name="Google Shape;302;p45" descr="Google Shape;302;p45"/>
             <p:cNvPicPr>
               <a:picLocks noChangeAspect="0"/>
             </p:cNvPicPr>
@@ -7951,7 +8702,7 @@
 </p:sld>
 </file>
 
-<file path=ppt/slides/slide24.xml><?xml version="1.0" encoding="utf-8"?>
+<file path=ppt/slides/slide26.xml><?xml version="1.0" encoding="utf-8"?>
 <p:sld xmlns:a="http://schemas.openxmlformats.org/drawingml/2006/main" xmlns:r="http://schemas.openxmlformats.org/officeDocument/2006/relationships" xmlns:p="http://schemas.openxmlformats.org/presentationml/2006/main" xmlns:m="http://schemas.openxmlformats.org/officeDocument/2006/math" xmlns:a14="http://schemas.microsoft.com/office/drawing/2010/main" showMasterSp="1" showMasterPhAnim="1">
   <p:cSld>
     <p:spTree>
@@ -7970,7 +8721,7 @@
       </p:grpSpPr>
       <p:sp>
         <p:nvSpPr>
-          <p:cNvPr id="257" name="Text Output | Basics"/>
+          <p:cNvPr id="273" name="Text Output | Basics"/>
           <p:cNvSpPr txBox="1"/>
           <p:nvPr>
             <p:ph type="title"/>
@@ -7998,7 +8749,7 @@
       </p:sp>
       <p:sp>
         <p:nvSpPr>
-          <p:cNvPr id="258" name="Consider:…"/>
+          <p:cNvPr id="274" name="Consider:…"/>
           <p:cNvSpPr txBox="1"/>
           <p:nvPr>
             <p:ph type="body" idx="1"/>
@@ -8146,7 +8897,7 @@
       </p:sp>
       <p:sp>
         <p:nvSpPr>
-          <p:cNvPr id="259" name="Slide Number"/>
+          <p:cNvPr id="275" name="Slide Number"/>
           <p:cNvSpPr txBox="1"/>
           <p:nvPr>
             <p:ph type="sldNum" sz="quarter" idx="2"/>
@@ -8173,7 +8924,7 @@
       </p:sp>
       <p:grpSp>
         <p:nvGrpSpPr>
-          <p:cNvPr id="262" name="Google Shape;321;p48"/>
+          <p:cNvPr id="278" name="Google Shape;321;p48"/>
           <p:cNvGrpSpPr/>
           <p:nvPr/>
         </p:nvGrpSpPr>
@@ -8187,7 +8938,7 @@
         </p:grpSpPr>
         <p:pic>
           <p:nvPicPr>
-            <p:cNvPr id="261" name="Google Shape;321;p48" descr="Google Shape;321;p48"/>
+            <p:cNvPr id="277" name="Google Shape;321;p48" descr="Google Shape;321;p48"/>
             <p:cNvPicPr>
               <a:picLocks noChangeAspect="1"/>
             </p:cNvPicPr>
@@ -8217,7 +8968,7 @@
         </p:pic>
         <p:pic>
           <p:nvPicPr>
-            <p:cNvPr id="260" name="Google Shape;321;p48" descr="Google Shape;321;p48"/>
+            <p:cNvPr id="276" name="Google Shape;321;p48" descr="Google Shape;321;p48"/>
             <p:cNvPicPr>
               <a:picLocks noChangeAspect="0"/>
             </p:cNvPicPr>
@@ -8252,7 +9003,7 @@
 </p:sld>
 </file>
 
-<file path=ppt/slides/slide25.xml><?xml version="1.0" encoding="utf-8"?>
+<file path=ppt/slides/slide27.xml><?xml version="1.0" encoding="utf-8"?>
 <p:sld xmlns:a="http://schemas.openxmlformats.org/drawingml/2006/main" xmlns:r="http://schemas.openxmlformats.org/officeDocument/2006/relationships" xmlns:p="http://schemas.openxmlformats.org/presentationml/2006/main" xmlns:m="http://schemas.openxmlformats.org/officeDocument/2006/math" xmlns:a14="http://schemas.microsoft.com/office/drawing/2010/main" showMasterSp="1" showMasterPhAnim="1">
   <p:cSld>
     <p:spTree>
@@ -8271,7 +9022,7 @@
       </p:grpSpPr>
       <p:sp>
         <p:nvSpPr>
-          <p:cNvPr id="264" name="Text Output | The Basics | Oldstyle"/>
+          <p:cNvPr id="280" name="Text Output | The Basics | Oldstyle"/>
           <p:cNvSpPr txBox="1"/>
           <p:nvPr>
             <p:ph type="title"/>
@@ -8295,7 +9046,7 @@
       </p:sp>
       <p:sp>
         <p:nvSpPr>
-          <p:cNvPr id="265" name="The old s(%) style…"/>
+          <p:cNvPr id="281" name="The old s(%) style…"/>
           <p:cNvSpPr txBox="1"/>
           <p:nvPr>
             <p:ph type="body" idx="1"/>
@@ -8388,7 +9139,7 @@
       </p:sp>
       <p:sp>
         <p:nvSpPr>
-          <p:cNvPr id="266" name="Slide Number"/>
+          <p:cNvPr id="282" name="Slide Number"/>
           <p:cNvSpPr txBox="1"/>
           <p:nvPr>
             <p:ph type="sldNum" sz="quarter" idx="2"/>
@@ -8415,7 +9166,7 @@
       </p:sp>
       <p:grpSp>
         <p:nvGrpSpPr>
-          <p:cNvPr id="269" name="Google Shape;328;p49"/>
+          <p:cNvPr id="285" name="Google Shape;328;p49"/>
           <p:cNvGrpSpPr/>
           <p:nvPr/>
         </p:nvGrpSpPr>
@@ -8429,7 +9180,7 @@
         </p:grpSpPr>
         <p:pic>
           <p:nvPicPr>
-            <p:cNvPr id="268" name="Google Shape;328;p49" descr="Google Shape;328;p49"/>
+            <p:cNvPr id="284" name="Google Shape;328;p49" descr="Google Shape;328;p49"/>
             <p:cNvPicPr>
               <a:picLocks noChangeAspect="1"/>
             </p:cNvPicPr>
@@ -8446,8 +9197,8 @@
           </p:blipFill>
           <p:spPr>
             <a:xfrm>
-              <a:off x="127000" y="88899"/>
-              <a:ext cx="10221987" cy="2119191"/>
+              <a:off x="127000" y="88900"/>
+              <a:ext cx="10221987" cy="2119190"/>
             </a:xfrm>
             <a:prstGeom prst="rect">
               <a:avLst/>
@@ -8460,7 +9211,7 @@
         </p:pic>
         <p:pic>
           <p:nvPicPr>
-            <p:cNvPr id="267" name="Google Shape;328;p49" descr="Google Shape;328;p49"/>
+            <p:cNvPr id="283" name="Google Shape;328;p49" descr="Google Shape;328;p49"/>
             <p:cNvPicPr>
               <a:picLocks noChangeAspect="0"/>
             </p:cNvPicPr>
@@ -8495,7 +9246,7 @@
 </p:sld>
 </file>
 
-<file path=ppt/slides/slide26.xml><?xml version="1.0" encoding="utf-8"?>
+<file path=ppt/slides/slide28.xml><?xml version="1.0" encoding="utf-8"?>
 <p:sld xmlns:a="http://schemas.openxmlformats.org/drawingml/2006/main" xmlns:r="http://schemas.openxmlformats.org/officeDocument/2006/relationships" xmlns:p="http://schemas.openxmlformats.org/presentationml/2006/main" xmlns:m="http://schemas.openxmlformats.org/officeDocument/2006/math" xmlns:a14="http://schemas.microsoft.com/office/drawing/2010/main" showMasterSp="1" showMasterPhAnim="1">
   <p:cSld>
     <p:spTree>
@@ -8514,7 +9265,7 @@
       </p:grpSpPr>
       <p:sp>
         <p:nvSpPr>
-          <p:cNvPr id="271" name="Text Output | The Basics | New Style"/>
+          <p:cNvPr id="287" name="Text Output | The Basics | New Style"/>
           <p:cNvSpPr txBox="1"/>
           <p:nvPr>
             <p:ph type="title"/>
@@ -8547,7 +9298,7 @@
       </p:sp>
       <p:sp>
         <p:nvSpPr>
-          <p:cNvPr id="272" name="Slide Number"/>
+          <p:cNvPr id="288" name="Slide Number"/>
           <p:cNvSpPr txBox="1"/>
           <p:nvPr>
             <p:ph type="sldNum" sz="quarter" idx="2"/>
@@ -8574,7 +9325,7 @@
       </p:sp>
       <p:sp>
         <p:nvSpPr>
-          <p:cNvPr id="273" name="The new {} style…"/>
+          <p:cNvPr id="289" name="The new {} style…"/>
           <p:cNvSpPr txBox="1"/>
           <p:nvPr>
             <p:ph type="body" sz="half" idx="1"/>
@@ -8708,21 +9459,21 @@
       </p:sp>
       <p:grpSp>
         <p:nvGrpSpPr>
-          <p:cNvPr id="276" name="Google Shape;335;p50"/>
+          <p:cNvPr id="292" name="Google Shape;335;p50"/>
           <p:cNvGrpSpPr/>
           <p:nvPr/>
         </p:nvGrpSpPr>
         <p:grpSpPr>
           <a:xfrm>
             <a:off x="1971166" y="4996314"/>
-            <a:ext cx="8774601" cy="1488172"/>
+            <a:ext cx="8774601" cy="1488171"/>
             <a:chOff x="0" y="0"/>
             <a:chExt cx="8774600" cy="1488170"/>
           </a:xfrm>
         </p:grpSpPr>
         <p:pic>
           <p:nvPicPr>
-            <p:cNvPr id="275" name="Google Shape;335;p50" descr="Google Shape;335;p50"/>
+            <p:cNvPr id="291" name="Google Shape;335;p50" descr="Google Shape;335;p50"/>
             <p:cNvPicPr>
               <a:picLocks noChangeAspect="1"/>
             </p:cNvPicPr>
@@ -8752,7 +9503,7 @@
         </p:pic>
         <p:pic>
           <p:nvPicPr>
-            <p:cNvPr id="274" name="Google Shape;335;p50" descr="Google Shape;335;p50"/>
+            <p:cNvPr id="290" name="Google Shape;335;p50" descr="Google Shape;335;p50"/>
             <p:cNvPicPr>
               <a:picLocks noChangeAspect="0"/>
             </p:cNvPicPr>
@@ -8787,7 +9538,7 @@
 </p:sld>
 </file>
 
-<file path=ppt/slides/slide27.xml><?xml version="1.0" encoding="utf-8"?>
+<file path=ppt/slides/slide29.xml><?xml version="1.0" encoding="utf-8"?>
 <p:sld xmlns:a="http://schemas.openxmlformats.org/drawingml/2006/main" xmlns:r="http://schemas.openxmlformats.org/officeDocument/2006/relationships" xmlns:p="http://schemas.openxmlformats.org/presentationml/2006/main" xmlns:m="http://schemas.openxmlformats.org/officeDocument/2006/math" xmlns:a14="http://schemas.microsoft.com/office/drawing/2010/main" showMasterSp="1" showMasterPhAnim="1">
   <p:cSld>
     <p:spTree>
@@ -8806,7 +9557,7 @@
       </p:grpSpPr>
       <p:sp>
         <p:nvSpPr>
-          <p:cNvPr id="278" name="Basic Patterns | Python Functions"/>
+          <p:cNvPr id="294" name="Basic Patterns | Python Functions"/>
           <p:cNvSpPr txBox="1"/>
           <p:nvPr>
             <p:ph type="title"/>
@@ -8839,7 +9590,7 @@
       </p:sp>
       <p:sp>
         <p:nvSpPr>
-          <p:cNvPr id="279" name=".open(file, mode),…"/>
+          <p:cNvPr id="295" name=".open(file, mode),…"/>
           <p:cNvSpPr txBox="1"/>
           <p:nvPr>
             <p:ph type="body" idx="1"/>
@@ -9001,7 +9752,7 @@
       </p:sp>
       <p:sp>
         <p:nvSpPr>
-          <p:cNvPr id="280" name="Slide Number"/>
+          <p:cNvPr id="296" name="Slide Number"/>
           <p:cNvSpPr txBox="1"/>
           <p:nvPr>
             <p:ph type="sldNum" sz="quarter" idx="2"/>
@@ -9035,7 +9786,7 @@
 </p:sld>
 </file>
 
-<file path=ppt/slides/slide28.xml><?xml version="1.0" encoding="utf-8"?>
+<file path=ppt/slides/slide3.xml><?xml version="1.0" encoding="utf-8"?>
 <p:sld xmlns:a="http://schemas.openxmlformats.org/drawingml/2006/main" xmlns:r="http://schemas.openxmlformats.org/officeDocument/2006/relationships" xmlns:p="http://schemas.openxmlformats.org/presentationml/2006/main" xmlns:m="http://schemas.openxmlformats.org/officeDocument/2006/math" xmlns:a14="http://schemas.microsoft.com/office/drawing/2010/main" showMasterSp="1" showMasterPhAnim="1">
   <p:cSld>
     <p:spTree>
@@ -9054,7 +9805,470 @@
       </p:grpSpPr>
       <p:sp>
         <p:nvSpPr>
-          <p:cNvPr id="282" name="Loading Files | Python Functions"/>
+          <p:cNvPr id="138" name="Schedule …"/>
+          <p:cNvSpPr txBox="1"/>
+          <p:nvPr>
+            <p:ph type="title"/>
+          </p:nvPr>
+        </p:nvSpPr>
+        <p:spPr>
+          <a:prstGeom prst="rect">
+            <a:avLst/>
+          </a:prstGeom>
+        </p:spPr>
+        <p:txBody>
+          <a:bodyPr/>
+          <a:lstStyle/>
+          <a:p>
+            <a:pPr/>
+            <a:r>
+              <a:t>Schedule … </a:t>
+            </a:r>
+          </a:p>
+        </p:txBody>
+      </p:sp>
+      <p:sp>
+        <p:nvSpPr>
+          <p:cNvPr id="139" name="Class 9 - Working with text and binary…"/>
+          <p:cNvSpPr txBox="1"/>
+          <p:nvPr>
+            <p:ph type="body" idx="1"/>
+          </p:nvPr>
+        </p:nvSpPr>
+        <p:spPr>
+          <a:prstGeom prst="rect">
+            <a:avLst/>
+          </a:prstGeom>
+        </p:spPr>
+        <p:txBody>
+          <a:bodyPr/>
+          <a:lstStyle/>
+          <a:p>
+            <a:pPr marL="0" indent="0" defTabSz="914400">
+              <a:lnSpc>
+                <a:spcPct val="115000"/>
+              </a:lnSpc>
+              <a:spcBef>
+                <a:spcPts val="0"/>
+              </a:spcBef>
+              <a:buClr>
+                <a:srgbClr val="434343"/>
+              </a:buClr>
+              <a:buSzTx/>
+              <a:buFont typeface="Helvetica"/>
+              <a:buNone/>
+              <a:defRPr i="0" sz="2400">
+                <a:solidFill>
+                  <a:srgbClr val="980000"/>
+                </a:solidFill>
+                <a:latin typeface="Roboto"/>
+                <a:ea typeface="Roboto"/>
+                <a:cs typeface="Roboto"/>
+                <a:sym typeface="Roboto"/>
+              </a:defRPr>
+            </a:pPr>
+            <a:r>
+              <a:t>Class 9 - Working with text and binary</a:t>
+            </a:r>
+          </a:p>
+          <a:p>
+            <a:pPr lvl="1" marL="0" indent="1141185" defTabSz="914400">
+              <a:lnSpc>
+                <a:spcPct val="115000"/>
+              </a:lnSpc>
+              <a:spcBef>
+                <a:spcPts val="0"/>
+              </a:spcBef>
+              <a:buClr>
+                <a:srgbClr val="434343"/>
+              </a:buClr>
+              <a:buSzTx/>
+              <a:buFont typeface="Helvetica"/>
+              <a:buNone/>
+              <a:defRPr i="0" sz="2400">
+                <a:solidFill>
+                  <a:srgbClr val="980000"/>
+                </a:solidFill>
+                <a:latin typeface="Roboto"/>
+                <a:ea typeface="Roboto"/>
+                <a:cs typeface="Roboto"/>
+                <a:sym typeface="Roboto"/>
+              </a:defRPr>
+            </a:pPr>
+            <a:r>
+              <a:t>Encoding</a:t>
+            </a:r>
+          </a:p>
+          <a:p>
+            <a:pPr lvl="1" marL="0" indent="1141185" defTabSz="914400">
+              <a:lnSpc>
+                <a:spcPct val="115000"/>
+              </a:lnSpc>
+              <a:spcBef>
+                <a:spcPts val="0"/>
+              </a:spcBef>
+              <a:buClr>
+                <a:srgbClr val="434343"/>
+              </a:buClr>
+              <a:buSzTx/>
+              <a:buFont typeface="Helvetica"/>
+              <a:buNone/>
+              <a:defRPr i="0" sz="2400">
+                <a:solidFill>
+                  <a:srgbClr val="980000"/>
+                </a:solidFill>
+                <a:latin typeface="Roboto"/>
+                <a:ea typeface="Roboto"/>
+                <a:cs typeface="Roboto"/>
+                <a:sym typeface="Roboto"/>
+              </a:defRPr>
+            </a:pPr>
+            <a:r>
+              <a:t>Unicode Strings</a:t>
+            </a:r>
+          </a:p>
+          <a:p>
+            <a:pPr lvl="1" marL="0" indent="1141185" defTabSz="914400">
+              <a:lnSpc>
+                <a:spcPct val="115000"/>
+              </a:lnSpc>
+              <a:spcBef>
+                <a:spcPts val="0"/>
+              </a:spcBef>
+              <a:buClr>
+                <a:srgbClr val="434343"/>
+              </a:buClr>
+              <a:buSzTx/>
+              <a:buFont typeface="Helvetica"/>
+              <a:buNone/>
+              <a:defRPr i="0" sz="2400">
+                <a:solidFill>
+                  <a:srgbClr val="980000"/>
+                </a:solidFill>
+                <a:latin typeface="Roboto"/>
+                <a:ea typeface="Roboto"/>
+                <a:cs typeface="Roboto"/>
+                <a:sym typeface="Roboto"/>
+              </a:defRPr>
+            </a:pPr>
+            <a:r>
+              <a:t>Formatting</a:t>
+            </a:r>
+          </a:p>
+          <a:p>
+            <a:pPr lvl="1" marL="0" indent="1141185" defTabSz="914400">
+              <a:lnSpc>
+                <a:spcPct val="115000"/>
+              </a:lnSpc>
+              <a:spcBef>
+                <a:spcPts val="0"/>
+              </a:spcBef>
+              <a:buClr>
+                <a:srgbClr val="434343"/>
+              </a:buClr>
+              <a:buSzTx/>
+              <a:buFont typeface="Helvetica"/>
+              <a:buNone/>
+              <a:defRPr i="0" sz="2400">
+                <a:solidFill>
+                  <a:srgbClr val="980000"/>
+                </a:solidFill>
+                <a:latin typeface="Roboto"/>
+                <a:ea typeface="Roboto"/>
+                <a:cs typeface="Roboto"/>
+                <a:sym typeface="Roboto"/>
+              </a:defRPr>
+            </a:pPr>
+            <a:r>
+              <a:t>RegEx</a:t>
+            </a:r>
+          </a:p>
+          <a:p>
+            <a:pPr lvl="1" marL="0" indent="1141185" defTabSz="914400">
+              <a:lnSpc>
+                <a:spcPct val="115000"/>
+              </a:lnSpc>
+              <a:spcBef>
+                <a:spcPts val="0"/>
+              </a:spcBef>
+              <a:buClr>
+                <a:srgbClr val="434343"/>
+              </a:buClr>
+              <a:buSzTx/>
+              <a:buFont typeface="Helvetica"/>
+              <a:buNone/>
+              <a:defRPr i="0" sz="2400">
+                <a:solidFill>
+                  <a:srgbClr val="980000"/>
+                </a:solidFill>
+                <a:latin typeface="Roboto"/>
+                <a:ea typeface="Roboto"/>
+                <a:cs typeface="Roboto"/>
+                <a:sym typeface="Roboto"/>
+              </a:defRPr>
+            </a:pPr>
+            <a:r>
+              <a:t>Binary</a:t>
+            </a:r>
+          </a:p>
+          <a:p>
+            <a:pPr lvl="1" marL="0" indent="1141185" defTabSz="914400">
+              <a:lnSpc>
+                <a:spcPct val="115000"/>
+              </a:lnSpc>
+              <a:spcBef>
+                <a:spcPts val="0"/>
+              </a:spcBef>
+              <a:buClr>
+                <a:srgbClr val="434343"/>
+              </a:buClr>
+              <a:buSzTx/>
+              <a:buFont typeface="Helvetica"/>
+              <a:buNone/>
+              <a:defRPr i="0" sz="2400">
+                <a:solidFill>
+                  <a:srgbClr val="980000"/>
+                </a:solidFill>
+                <a:latin typeface="Roboto"/>
+                <a:ea typeface="Roboto"/>
+                <a:cs typeface="Roboto"/>
+                <a:sym typeface="Roboto"/>
+              </a:defRPr>
+            </a:pPr>
+            <a:r>
+              <a:t>File I/O</a:t>
+            </a:r>
+          </a:p>
+          <a:p>
+            <a:pPr lvl="1" marL="0" indent="1141185" defTabSz="914400">
+              <a:lnSpc>
+                <a:spcPct val="115000"/>
+              </a:lnSpc>
+              <a:spcBef>
+                <a:spcPts val="0"/>
+              </a:spcBef>
+              <a:buClr>
+                <a:srgbClr val="434343"/>
+              </a:buClr>
+              <a:buSzTx/>
+              <a:buFont typeface="Helvetica"/>
+              <a:buNone/>
+              <a:defRPr i="0" sz="2400">
+                <a:solidFill>
+                  <a:srgbClr val="980000"/>
+                </a:solidFill>
+                <a:latin typeface="Roboto"/>
+                <a:ea typeface="Roboto"/>
+                <a:cs typeface="Roboto"/>
+                <a:sym typeface="Roboto"/>
+              </a:defRPr>
+            </a:pPr>
+            <a:r>
+              <a:t>Structured Files</a:t>
+            </a:r>
+          </a:p>
+          <a:p>
+            <a:pPr marL="0" indent="0" defTabSz="914400">
+              <a:lnSpc>
+                <a:spcPct val="115000"/>
+              </a:lnSpc>
+              <a:spcBef>
+                <a:spcPts val="0"/>
+              </a:spcBef>
+              <a:buClr>
+                <a:srgbClr val="434343"/>
+              </a:buClr>
+              <a:buSzTx/>
+              <a:buFont typeface="Helvetica"/>
+              <a:buNone/>
+              <a:defRPr i="0" sz="2400">
+                <a:solidFill>
+                  <a:srgbClr val="980000"/>
+                </a:solidFill>
+                <a:latin typeface="Roboto"/>
+                <a:ea typeface="Roboto"/>
+                <a:cs typeface="Roboto"/>
+                <a:sym typeface="Roboto"/>
+              </a:defRPr>
+            </a:pPr>
+            <a:r>
+              <a:t>10: NumPy</a:t>
+            </a:r>
+          </a:p>
+          <a:p>
+            <a:pPr marL="0" indent="0" defTabSz="914400">
+              <a:lnSpc>
+                <a:spcPct val="115000"/>
+              </a:lnSpc>
+              <a:spcBef>
+                <a:spcPts val="0"/>
+              </a:spcBef>
+              <a:buClr>
+                <a:srgbClr val="434343"/>
+              </a:buClr>
+              <a:buSzTx/>
+              <a:buFont typeface="Helvetica"/>
+              <a:buNone/>
+              <a:defRPr i="0" sz="2400">
+                <a:solidFill>
+                  <a:srgbClr val="980000"/>
+                </a:solidFill>
+                <a:latin typeface="Roboto"/>
+                <a:ea typeface="Roboto"/>
+                <a:cs typeface="Roboto"/>
+                <a:sym typeface="Roboto"/>
+              </a:defRPr>
+            </a:pPr>
+            <a:r>
+              <a:t>11: Data Analysis with Pandas</a:t>
+            </a:r>
+          </a:p>
+          <a:p>
+            <a:pPr marL="0" indent="0" defTabSz="914400">
+              <a:lnSpc>
+                <a:spcPct val="115000"/>
+              </a:lnSpc>
+              <a:spcBef>
+                <a:spcPts val="0"/>
+              </a:spcBef>
+              <a:buClr>
+                <a:srgbClr val="434343"/>
+              </a:buClr>
+              <a:buSzTx/>
+              <a:buFont typeface="Helvetica"/>
+              <a:buNone/>
+              <a:defRPr i="0" sz="2400">
+                <a:solidFill>
+                  <a:srgbClr val="980000"/>
+                </a:solidFill>
+                <a:latin typeface="Roboto"/>
+                <a:ea typeface="Roboto"/>
+                <a:cs typeface="Roboto"/>
+                <a:sym typeface="Roboto"/>
+              </a:defRPr>
+            </a:pPr>
+            <a:r>
+              <a:t>12:  Plotting &amp; Visualization</a:t>
+            </a:r>
+          </a:p>
+          <a:p>
+            <a:pPr marL="0" indent="0" defTabSz="914400">
+              <a:lnSpc>
+                <a:spcPct val="115000"/>
+              </a:lnSpc>
+              <a:spcBef>
+                <a:spcPts val="0"/>
+              </a:spcBef>
+              <a:buClr>
+                <a:srgbClr val="434343"/>
+              </a:buClr>
+              <a:buSzTx/>
+              <a:buFont typeface="Helvetica"/>
+              <a:buNone/>
+              <a:defRPr i="0" sz="2400">
+                <a:solidFill>
+                  <a:srgbClr val="980000"/>
+                </a:solidFill>
+                <a:latin typeface="Roboto"/>
+                <a:ea typeface="Roboto"/>
+                <a:cs typeface="Roboto"/>
+                <a:sym typeface="Roboto"/>
+              </a:defRPr>
+            </a:pPr>
+            <a:r>
+              <a:t>13:  Pandas aggregation &amp; group operations</a:t>
+            </a:r>
+          </a:p>
+          <a:p>
+            <a:pPr marL="0" indent="0" defTabSz="914400">
+              <a:lnSpc>
+                <a:spcPct val="115000"/>
+              </a:lnSpc>
+              <a:spcBef>
+                <a:spcPts val="0"/>
+              </a:spcBef>
+              <a:buClr>
+                <a:srgbClr val="434343"/>
+              </a:buClr>
+              <a:buSzTx/>
+              <a:buFont typeface="Helvetica"/>
+              <a:buNone/>
+              <a:defRPr i="0" sz="2400">
+                <a:solidFill>
+                  <a:srgbClr val="980000"/>
+                </a:solidFill>
+                <a:latin typeface="Roboto"/>
+                <a:ea typeface="Roboto"/>
+                <a:cs typeface="Roboto"/>
+                <a:sym typeface="Roboto"/>
+              </a:defRPr>
+            </a:pPr>
+            <a:r>
+              <a:t>14:  Testing &amp; Wrapup.</a:t>
+            </a:r>
+          </a:p>
+        </p:txBody>
+      </p:sp>
+      <p:sp>
+        <p:nvSpPr>
+          <p:cNvPr id="140" name="Slide Number"/>
+          <p:cNvSpPr txBox="1"/>
+          <p:nvPr>
+            <p:ph type="sldNum" sz="quarter" idx="2"/>
+          </p:nvPr>
+        </p:nvSpPr>
+        <p:spPr>
+          <a:xfrm>
+            <a:off x="6385373" y="9296400"/>
+            <a:ext cx="227280" cy="324306"/>
+          </a:xfrm>
+          <a:prstGeom prst="rect">
+            <a:avLst/>
+          </a:prstGeom>
+          <a:extLst>
+            <a:ext uri="{C572A759-6A51-4108-AA02-DFA0A04FC94B}">
+              <ma14:wrappingTextBoxFlag xmlns:ma14="http://schemas.microsoft.com/office/mac/drawingml/2011/main" val="1"/>
+            </a:ext>
+          </a:extLst>
+        </p:spPr>
+        <p:txBody>
+          <a:bodyPr/>
+          <a:lstStyle/>
+          <a:p>
+            <a:pPr/>
+            <a:fld id="{86CB4B4D-7CA3-9044-876B-883B54F8677D}" type="slidenum"/>
+          </a:p>
+        </p:txBody>
+      </p:sp>
+    </p:spTree>
+  </p:cSld>
+  <p:clrMapOvr>
+    <a:masterClrMapping/>
+  </p:clrMapOvr>
+  <p:transition xmlns:p14="http://schemas.microsoft.com/office/powerpoint/2010/main" spd="med" advClick="1"/>
+</p:sld>
+</file>
+
+<file path=ppt/slides/slide30.xml><?xml version="1.0" encoding="utf-8"?>
+<p:sld xmlns:a="http://schemas.openxmlformats.org/drawingml/2006/main" xmlns:r="http://schemas.openxmlformats.org/officeDocument/2006/relationships" xmlns:p="http://schemas.openxmlformats.org/presentationml/2006/main" xmlns:m="http://schemas.openxmlformats.org/officeDocument/2006/math" xmlns:a14="http://schemas.microsoft.com/office/drawing/2010/main" showMasterSp="1" showMasterPhAnim="1">
+  <p:cSld>
+    <p:spTree>
+      <p:nvGrpSpPr>
+        <p:cNvPr id="1" name=""/>
+        <p:cNvGrpSpPr/>
+        <p:nvPr/>
+      </p:nvGrpSpPr>
+      <p:grpSpPr>
+        <a:xfrm>
+          <a:off x="0" y="0"/>
+          <a:ext cx="0" cy="0"/>
+          <a:chOff x="0" y="0"/>
+          <a:chExt cx="0" cy="0"/>
+        </a:xfrm>
+      </p:grpSpPr>
+      <p:sp>
+        <p:nvSpPr>
+          <p:cNvPr id="298" name="Loading Files | Python Functions"/>
           <p:cNvSpPr txBox="1"/>
           <p:nvPr>
             <p:ph type="title"/>
@@ -9090,7 +10304,7 @@
       </p:sp>
       <p:sp>
         <p:nvSpPr>
-          <p:cNvPr id="283" name=".open(file, mode), .close()…"/>
+          <p:cNvPr id="299" name=".open(file, mode), .close()…"/>
           <p:cNvSpPr txBox="1"/>
           <p:nvPr>
             <p:ph type="body" idx="1"/>
@@ -9246,7 +10460,7 @@
       </p:sp>
       <p:sp>
         <p:nvSpPr>
-          <p:cNvPr id="284" name="Slide Number"/>
+          <p:cNvPr id="300" name="Slide Number"/>
           <p:cNvSpPr txBox="1"/>
           <p:nvPr>
             <p:ph type="sldNum" sz="quarter" idx="2"/>
@@ -9280,7 +10494,7 @@
 </p:sld>
 </file>
 
-<file path=ppt/slides/slide29.xml><?xml version="1.0" encoding="utf-8"?>
+<file path=ppt/slides/slide31.xml><?xml version="1.0" encoding="utf-8"?>
 <p:sld xmlns:a="http://schemas.openxmlformats.org/drawingml/2006/main" xmlns:r="http://schemas.openxmlformats.org/officeDocument/2006/relationships" xmlns:p="http://schemas.openxmlformats.org/presentationml/2006/main" xmlns:m="http://schemas.openxmlformats.org/officeDocument/2006/math" xmlns:a14="http://schemas.microsoft.com/office/drawing/2010/main" showMasterSp="1" showMasterPhAnim="1">
   <p:cSld>
     <p:bg>
@@ -9306,7 +10520,7 @@
       </p:grpSpPr>
       <p:sp>
         <p:nvSpPr>
-          <p:cNvPr id="286" name="Slide Number"/>
+          <p:cNvPr id="302" name="Slide Number"/>
           <p:cNvSpPr txBox="1"/>
           <p:nvPr>
             <p:ph type="sldNum" sz="quarter" idx="2"/>
@@ -9333,21 +10547,21 @@
       </p:sp>
       <p:grpSp>
         <p:nvGrpSpPr>
-          <p:cNvPr id="289" name="Image"/>
+          <p:cNvPr id="305" name="Image"/>
           <p:cNvGrpSpPr/>
           <p:nvPr/>
         </p:nvGrpSpPr>
         <p:grpSpPr>
           <a:xfrm>
-            <a:off x="5232399" y="3012016"/>
-            <a:ext cx="2540001" cy="1104901"/>
+            <a:off x="5232400" y="3012016"/>
+            <a:ext cx="2540000" cy="1104901"/>
             <a:chOff x="0" y="0"/>
             <a:chExt cx="2540000" cy="1104900"/>
           </a:xfrm>
         </p:grpSpPr>
         <p:pic>
           <p:nvPicPr>
-            <p:cNvPr id="288" name="Image" descr="Image"/>
+            <p:cNvPr id="304" name="Image" descr="Image"/>
             <p:cNvPicPr>
               <a:picLocks noChangeAspect="1"/>
             </p:cNvPicPr>
@@ -9377,7 +10591,7 @@
         </p:pic>
         <p:pic>
           <p:nvPicPr>
-            <p:cNvPr id="287" name="Image" descr="Image"/>
+            <p:cNvPr id="303" name="Image" descr="Image"/>
             <p:cNvPicPr>
               <a:picLocks noChangeAspect="0"/>
             </p:cNvPicPr>
@@ -9405,7 +10619,7 @@
       </p:grpSp>
       <p:sp>
         <p:nvSpPr>
-          <p:cNvPr id="290" name="NumPy"/>
+          <p:cNvPr id="306" name="NumPy"/>
           <p:cNvSpPr txBox="1"/>
           <p:nvPr>
             <p:ph type="title" idx="4294967295"/>
@@ -9413,8 +10627,8 @@
         </p:nvSpPr>
         <p:spPr>
           <a:xfrm>
-            <a:off x="952499" y="152399"/>
-            <a:ext cx="11099801" cy="2159001"/>
+            <a:off x="952500" y="152400"/>
+            <a:ext cx="11099800" cy="2159000"/>
           </a:xfrm>
           <a:prstGeom prst="rect">
             <a:avLst/>
@@ -9443,6 +10657,77 @@
           </a:p>
         </p:txBody>
       </p:sp>
+      <p:sp>
+        <p:nvSpPr>
+          <p:cNvPr id="307" name="Check out this quickstart tutorial on NumPy…"/>
+          <p:cNvSpPr txBox="1"/>
+          <p:nvPr/>
+        </p:nvSpPr>
+        <p:spPr>
+          <a:xfrm>
+            <a:off x="2295474" y="5857134"/>
+            <a:ext cx="8413852" cy="1155066"/>
+          </a:xfrm>
+          <a:prstGeom prst="rect">
+            <a:avLst/>
+          </a:prstGeom>
+          <a:ln w="12700">
+            <a:miter lim="400000"/>
+          </a:ln>
+          <a:extLst>
+            <a:ext uri="{C572A759-6A51-4108-AA02-DFA0A04FC94B}">
+              <ma14:wrappingTextBoxFlag xmlns:ma14="http://schemas.microsoft.com/office/mac/drawingml/2011/main" val="1"/>
+            </a:ext>
+          </a:extLst>
+        </p:spPr>
+        <p:txBody>
+          <a:bodyPr wrap="none" lIns="50800" tIns="50800" rIns="50800" bIns="50800" anchor="ctr">
+            <a:spAutoFit/>
+          </a:bodyPr>
+          <a:lstStyle/>
+          <a:p>
+            <a:pPr>
+              <a:lnSpc>
+                <a:spcPct val="200000"/>
+              </a:lnSpc>
+              <a:defRPr b="0" sz="2700">
+                <a:solidFill>
+                  <a:schemeClr val="accent4"/>
+                </a:solidFill>
+                <a:latin typeface="Freight Sans Bold"/>
+                <a:ea typeface="Freight Sans Bold"/>
+                <a:cs typeface="Freight Sans Bold"/>
+                <a:sym typeface="Freight Sans Bold"/>
+              </a:defRPr>
+            </a:pPr>
+            <a:r>
+              <a:t>Check out this quickstart tutorial on NumPy</a:t>
+            </a:r>
+          </a:p>
+          <a:p>
+            <a:pPr>
+              <a:lnSpc>
+                <a:spcPct val="200000"/>
+              </a:lnSpc>
+              <a:defRPr b="0" sz="2700">
+                <a:solidFill>
+                  <a:schemeClr val="accent4"/>
+                </a:solidFill>
+                <a:latin typeface="Freight Sans Bold"/>
+                <a:ea typeface="Freight Sans Bold"/>
+                <a:cs typeface="Freight Sans Bold"/>
+                <a:sym typeface="Freight Sans Bold"/>
+              </a:defRPr>
+            </a:pPr>
+            <a:r>
+              <a:rPr u="sng">
+                <a:hlinkClick r:id="rId4" invalidUrl="" action="" tgtFrame="" tooltip="" history="1" highlightClick="0" endSnd="0"/>
+              </a:rPr>
+              <a:t>https://docs.scipy.org/doc/numpy/user/quickstart.html</a:t>
+            </a:r>
+          </a:p>
+        </p:txBody>
+      </p:sp>
     </p:spTree>
   </p:cSld>
   <p:clrMapOvr>
@@ -9452,7 +10737,7 @@
 </p:sld>
 </file>
 
-<file path=ppt/slides/slide3.xml><?xml version="1.0" encoding="utf-8"?>
+<file path=ppt/slides/slide32.xml><?xml version="1.0" encoding="utf-8"?>
 <p:sld xmlns:a="http://schemas.openxmlformats.org/drawingml/2006/main" xmlns:r="http://schemas.openxmlformats.org/officeDocument/2006/relationships" xmlns:p="http://schemas.openxmlformats.org/presentationml/2006/main" xmlns:m="http://schemas.openxmlformats.org/officeDocument/2006/math" xmlns:a14="http://schemas.microsoft.com/office/drawing/2010/main" showMasterSp="1" showMasterPhAnim="1">
   <p:cSld>
     <p:spTree>
@@ -9471,7 +10756,7 @@
       </p:grpSpPr>
       <p:sp>
         <p:nvSpPr>
-          <p:cNvPr id="138" name="Schedule …"/>
+          <p:cNvPr id="309" name="Quick NumPy"/>
           <p:cNvSpPr txBox="1"/>
           <p:nvPr>
             <p:ph type="title"/>
@@ -9488,14 +10773,23 @@
           <a:p>
             <a:pPr/>
             <a:r>
-              <a:t>Schedule … </a:t>
-            </a:r>
-          </a:p>
-        </p:txBody>
-      </p:sp>
-      <p:sp>
-        <p:nvSpPr>
-          <p:cNvPr id="139" name="Class 9 - Working with text and binary…"/>
+              <a:t>Quick </a:t>
+            </a:r>
+            <a:r>
+              <a:rPr>
+                <a:latin typeface="Freight Sans Bold"/>
+                <a:ea typeface="Freight Sans Bold"/>
+                <a:cs typeface="Freight Sans Bold"/>
+                <a:sym typeface="Freight Sans Bold"/>
+              </a:rPr>
+              <a:t>NumPy</a:t>
+            </a:r>
+          </a:p>
+        </p:txBody>
+      </p:sp>
+      <p:sp>
+        <p:nvSpPr>
+          <p:cNvPr id="310" name="NumPy gives you the ability to work with n-dimensional arrays of numeric data of many types.…"/>
           <p:cNvSpPr txBox="1"/>
           <p:nvPr>
             <p:ph type="body" idx="1"/>
@@ -9510,7 +10804,7 @@
           <a:bodyPr/>
           <a:lstStyle/>
           <a:p>
-            <a:pPr marL="0" indent="0" defTabSz="914400">
+            <a:pPr marL="0" indent="0" defTabSz="768095">
               <a:lnSpc>
                 <a:spcPct val="115000"/>
               </a:lnSpc>
@@ -9523,9 +10817,9 @@
               <a:buSzTx/>
               <a:buFont typeface="Helvetica"/>
               <a:buNone/>
-              <a:defRPr i="0" sz="2400">
+              <a:defRPr i="0" sz="2940">
                 <a:solidFill>
-                  <a:srgbClr val="980000"/>
+                  <a:srgbClr val="000000"/>
                 </a:solidFill>
                 <a:latin typeface="Roboto"/>
                 <a:ea typeface="Roboto"/>
@@ -9534,16 +10828,23 @@
               </a:defRPr>
             </a:pPr>
             <a:r>
-              <a:t>Class 9 - Working with text and binary</a:t>
-            </a:r>
-          </a:p>
-          <a:p>
-            <a:pPr lvl="1" marL="0" indent="1141185" defTabSz="914400">
+              <a:t>NumPy gives you the ability to work with </a:t>
+            </a:r>
+            <a:r>
+              <a:rPr b="1" u="sng"/>
+              <a:t>n-dimensional</a:t>
+            </a:r>
+            <a:r>
+              <a:t> arrays of numeric data of many types.</a:t>
+            </a:r>
+          </a:p>
+          <a:p>
+            <a:pPr marL="0" indent="0" defTabSz="768095">
               <a:lnSpc>
                 <a:spcPct val="115000"/>
               </a:lnSpc>
               <a:spcBef>
-                <a:spcPts val="0"/>
+                <a:spcPts val="1300"/>
               </a:spcBef>
               <a:buClr>
                 <a:srgbClr val="434343"/>
@@ -9551,9 +10852,9 @@
               <a:buSzTx/>
               <a:buFont typeface="Helvetica"/>
               <a:buNone/>
-              <a:defRPr i="0" sz="2400">
+              <a:defRPr i="0" sz="2940">
                 <a:solidFill>
-                  <a:srgbClr val="980000"/>
+                  <a:srgbClr val="000000"/>
                 </a:solidFill>
                 <a:latin typeface="Roboto"/>
                 <a:ea typeface="Roboto"/>
@@ -9562,16 +10863,16 @@
               </a:defRPr>
             </a:pPr>
             <a:r>
-              <a:t>Encoding</a:t>
-            </a:r>
-          </a:p>
-          <a:p>
-            <a:pPr lvl="1" marL="0" indent="1141185" defTabSz="914400">
+              <a:t>Pandas is built on top of NumPy and provides a more user friendly experience. There, we work with a “dataset” and include non-numeric variables.</a:t>
+            </a:r>
+          </a:p>
+          <a:p>
+            <a:pPr marL="0" indent="0" defTabSz="768095">
               <a:lnSpc>
                 <a:spcPct val="115000"/>
               </a:lnSpc>
               <a:spcBef>
-                <a:spcPts val="0"/>
+                <a:spcPts val="1300"/>
               </a:spcBef>
               <a:buClr>
                 <a:srgbClr val="434343"/>
@@ -9579,9 +10880,9 @@
               <a:buSzTx/>
               <a:buFont typeface="Helvetica"/>
               <a:buNone/>
-              <a:defRPr i="0" sz="2400">
+              <a:defRPr i="0" sz="2940">
                 <a:solidFill>
-                  <a:srgbClr val="980000"/>
+                  <a:srgbClr val="000000"/>
                 </a:solidFill>
                 <a:latin typeface="Roboto"/>
                 <a:ea typeface="Roboto"/>
@@ -9590,16 +10891,16 @@
               </a:defRPr>
             </a:pPr>
             <a:r>
-              <a:t>Unicode Strings</a:t>
-            </a:r>
-          </a:p>
-          <a:p>
-            <a:pPr lvl="1" marL="0" indent="1141185" defTabSz="914400">
+              <a:t>Understanding NumPy is critical to understanding more advanced packages.</a:t>
+            </a:r>
+          </a:p>
+          <a:p>
+            <a:pPr marL="0" indent="0" defTabSz="768095">
               <a:lnSpc>
                 <a:spcPct val="115000"/>
               </a:lnSpc>
               <a:spcBef>
-                <a:spcPts val="0"/>
+                <a:spcPts val="1300"/>
               </a:spcBef>
               <a:buClr>
                 <a:srgbClr val="434343"/>
@@ -9607,9 +10908,9 @@
               <a:buSzTx/>
               <a:buFont typeface="Helvetica"/>
               <a:buNone/>
-              <a:defRPr i="0" sz="2400">
+              <a:defRPr i="0" sz="2940">
                 <a:solidFill>
-                  <a:srgbClr val="980000"/>
+                  <a:srgbClr val="000000"/>
                 </a:solidFill>
                 <a:latin typeface="Roboto"/>
                 <a:ea typeface="Roboto"/>
@@ -9618,16 +10919,16 @@
               </a:defRPr>
             </a:pPr>
             <a:r>
-              <a:t>Formatting</a:t>
-            </a:r>
-          </a:p>
-          <a:p>
-            <a:pPr lvl="1" marL="0" indent="1141185" defTabSz="914400">
+              <a:t>A basic understanding of NumPy will deepen your understanding of Pandas.</a:t>
+            </a:r>
+          </a:p>
+          <a:p>
+            <a:pPr marL="0" indent="0" defTabSz="768095">
               <a:lnSpc>
                 <a:spcPct val="115000"/>
               </a:lnSpc>
               <a:spcBef>
-                <a:spcPts val="0"/>
+                <a:spcPts val="1300"/>
               </a:spcBef>
               <a:buClr>
                 <a:srgbClr val="434343"/>
@@ -9635,9 +10936,9 @@
               <a:buSzTx/>
               <a:buFont typeface="Helvetica"/>
               <a:buNone/>
-              <a:defRPr i="0" sz="2400">
+              <a:defRPr i="0" sz="2940">
                 <a:solidFill>
-                  <a:srgbClr val="980000"/>
+                  <a:srgbClr val="000000"/>
                 </a:solidFill>
                 <a:latin typeface="Roboto"/>
                 <a:ea typeface="Roboto"/>
@@ -9646,16 +10947,16 @@
               </a:defRPr>
             </a:pPr>
             <a:r>
-              <a:t>RegEx</a:t>
-            </a:r>
-          </a:p>
-          <a:p>
-            <a:pPr lvl="1" marL="0" indent="1141185" defTabSz="914400">
+              <a:t>NumPy offers vectorized operations </a:t>
+            </a:r>
+          </a:p>
+          <a:p>
+            <a:pPr marL="0" indent="0" defTabSz="768095">
               <a:lnSpc>
                 <a:spcPct val="115000"/>
               </a:lnSpc>
               <a:spcBef>
-                <a:spcPts val="0"/>
+                <a:spcPts val="1300"/>
               </a:spcBef>
               <a:buClr>
                 <a:srgbClr val="434343"/>
@@ -9663,9 +10964,9 @@
               <a:buSzTx/>
               <a:buFont typeface="Helvetica"/>
               <a:buNone/>
-              <a:defRPr i="0" sz="2400">
+              <a:defRPr i="0" sz="2940">
                 <a:solidFill>
-                  <a:srgbClr val="980000"/>
+                  <a:srgbClr val="000000"/>
                 </a:solidFill>
                 <a:latin typeface="Roboto"/>
                 <a:ea typeface="Roboto"/>
@@ -9674,220 +10975,34 @@
               </a:defRPr>
             </a:pPr>
             <a:r>
-              <a:t>Binary</a:t>
-            </a:r>
-          </a:p>
-          <a:p>
-            <a:pPr lvl="1" marL="0" indent="1141185" defTabSz="914400">
-              <a:lnSpc>
-                <a:spcPct val="115000"/>
-              </a:lnSpc>
-              <a:spcBef>
-                <a:spcPts val="0"/>
-              </a:spcBef>
-              <a:buClr>
-                <a:srgbClr val="434343"/>
-              </a:buClr>
-              <a:buSzTx/>
-              <a:buFont typeface="Helvetica"/>
-              <a:buNone/>
-              <a:defRPr i="0" sz="2400">
+              <a:t>** But see this: </a:t>
+            </a:r>
+            <a:r>
+              <a:rPr u="sng">
                 <a:solidFill>
-                  <a:srgbClr val="980000"/>
+                  <a:srgbClr val="F06292"/>
                 </a:solidFill>
-                <a:latin typeface="Roboto"/>
-                <a:ea typeface="Roboto"/>
-                <a:cs typeface="Roboto"/>
-                <a:sym typeface="Roboto"/>
-              </a:defRPr>
-            </a:pPr>
-            <a:r>
-              <a:t>File I/O</a:t>
-            </a:r>
-          </a:p>
-          <a:p>
-            <a:pPr lvl="1" marL="0" indent="1141185" defTabSz="914400">
-              <a:lnSpc>
-                <a:spcPct val="115000"/>
-              </a:lnSpc>
-              <a:spcBef>
-                <a:spcPts val="0"/>
-              </a:spcBef>
-              <a:buClr>
-                <a:srgbClr val="434343"/>
-              </a:buClr>
-              <a:buSzTx/>
-              <a:buFont typeface="Helvetica"/>
-              <a:buNone/>
-              <a:defRPr i="0" sz="2400">
-                <a:solidFill>
-                  <a:srgbClr val="980000"/>
-                </a:solidFill>
-                <a:latin typeface="Roboto"/>
-                <a:ea typeface="Roboto"/>
-                <a:cs typeface="Roboto"/>
-                <a:sym typeface="Roboto"/>
-              </a:defRPr>
-            </a:pPr>
-            <a:r>
-              <a:t>Structured Files</a:t>
-            </a:r>
-          </a:p>
-          <a:p>
-            <a:pPr marL="0" indent="0" defTabSz="914400">
-              <a:lnSpc>
-                <a:spcPct val="115000"/>
-              </a:lnSpc>
-              <a:spcBef>
-                <a:spcPts val="0"/>
-              </a:spcBef>
-              <a:buClr>
-                <a:srgbClr val="434343"/>
-              </a:buClr>
-              <a:buSzTx/>
-              <a:buFont typeface="Helvetica"/>
-              <a:buNone/>
-              <a:defRPr i="0" sz="2400">
-                <a:solidFill>
-                  <a:srgbClr val="980000"/>
-                </a:solidFill>
-                <a:latin typeface="Roboto"/>
-                <a:ea typeface="Roboto"/>
-                <a:cs typeface="Roboto"/>
-                <a:sym typeface="Roboto"/>
-              </a:defRPr>
-            </a:pPr>
-            <a:r>
-              <a:t>10: NumPy</a:t>
-            </a:r>
-          </a:p>
-          <a:p>
-            <a:pPr marL="0" indent="0" defTabSz="914400">
-              <a:lnSpc>
-                <a:spcPct val="115000"/>
-              </a:lnSpc>
-              <a:spcBef>
-                <a:spcPts val="0"/>
-              </a:spcBef>
-              <a:buClr>
-                <a:srgbClr val="434343"/>
-              </a:buClr>
-              <a:buSzTx/>
-              <a:buFont typeface="Helvetica"/>
-              <a:buNone/>
-              <a:defRPr i="0" sz="2400">
-                <a:solidFill>
-                  <a:srgbClr val="980000"/>
-                </a:solidFill>
-                <a:latin typeface="Roboto"/>
-                <a:ea typeface="Roboto"/>
-                <a:cs typeface="Roboto"/>
-                <a:sym typeface="Roboto"/>
-              </a:defRPr>
-            </a:pPr>
-            <a:r>
-              <a:t>11: Data Analysis with Pandas</a:t>
-            </a:r>
-          </a:p>
-          <a:p>
-            <a:pPr marL="0" indent="0" defTabSz="914400">
-              <a:lnSpc>
-                <a:spcPct val="115000"/>
-              </a:lnSpc>
-              <a:spcBef>
-                <a:spcPts val="0"/>
-              </a:spcBef>
-              <a:buClr>
-                <a:srgbClr val="434343"/>
-              </a:buClr>
-              <a:buSzTx/>
-              <a:buFont typeface="Helvetica"/>
-              <a:buNone/>
-              <a:defRPr i="0" sz="2400">
-                <a:solidFill>
-                  <a:srgbClr val="980000"/>
-                </a:solidFill>
-                <a:latin typeface="Roboto"/>
-                <a:ea typeface="Roboto"/>
-                <a:cs typeface="Roboto"/>
-                <a:sym typeface="Roboto"/>
-              </a:defRPr>
-            </a:pPr>
-            <a:r>
-              <a:t>12:  Plotting &amp; Visualization</a:t>
-            </a:r>
-          </a:p>
-          <a:p>
-            <a:pPr marL="0" indent="0" defTabSz="914400">
-              <a:lnSpc>
-                <a:spcPct val="115000"/>
-              </a:lnSpc>
-              <a:spcBef>
-                <a:spcPts val="0"/>
-              </a:spcBef>
-              <a:buClr>
-                <a:srgbClr val="434343"/>
-              </a:buClr>
-              <a:buSzTx/>
-              <a:buFont typeface="Helvetica"/>
-              <a:buNone/>
-              <a:defRPr i="0" sz="2400">
-                <a:solidFill>
-                  <a:srgbClr val="980000"/>
-                </a:solidFill>
-                <a:latin typeface="Roboto"/>
-                <a:ea typeface="Roboto"/>
-                <a:cs typeface="Roboto"/>
-                <a:sym typeface="Roboto"/>
-              </a:defRPr>
-            </a:pPr>
-            <a:r>
-              <a:t>13:  Pandas aggregation &amp; group operations</a:t>
-            </a:r>
-          </a:p>
-          <a:p>
-            <a:pPr marL="0" indent="0" defTabSz="914400">
-              <a:lnSpc>
-                <a:spcPct val="115000"/>
-              </a:lnSpc>
-              <a:spcBef>
-                <a:spcPts val="0"/>
-              </a:spcBef>
-              <a:buClr>
-                <a:srgbClr val="434343"/>
-              </a:buClr>
-              <a:buSzTx/>
-              <a:buFont typeface="Helvetica"/>
-              <a:buNone/>
-              <a:defRPr i="0" sz="2400">
-                <a:solidFill>
-                  <a:srgbClr val="980000"/>
-                </a:solidFill>
-                <a:latin typeface="Roboto"/>
-                <a:ea typeface="Roboto"/>
-                <a:cs typeface="Roboto"/>
-                <a:sym typeface="Roboto"/>
-              </a:defRPr>
-            </a:pPr>
-            <a:r>
-              <a:t>14:  Testing &amp; Wrapup.</a:t>
-            </a:r>
-          </a:p>
-        </p:txBody>
-      </p:sp>
-      <p:sp>
-        <p:nvSpPr>
-          <p:cNvPr id="140" name="Slide Number"/>
+                <a:uFill>
+                  <a:solidFill>
+                    <a:srgbClr val="F06292"/>
+                  </a:solidFill>
+                </a:uFill>
+                <a:hlinkClick r:id="rId2" invalidUrl="" action="" tgtFrame="" tooltip="" history="1" highlightClick="0" endSnd="0"/>
+              </a:rPr>
+              <a:t>https://timothyhelton.github.io/pandas_best_practices.html</a:t>
+            </a:r>
+          </a:p>
+        </p:txBody>
+      </p:sp>
+      <p:sp>
+        <p:nvSpPr>
+          <p:cNvPr id="311" name="Slide Number"/>
           <p:cNvSpPr txBox="1"/>
           <p:nvPr>
             <p:ph type="sldNum" sz="quarter" idx="2"/>
           </p:nvPr>
         </p:nvSpPr>
         <p:spPr>
-          <a:xfrm>
-            <a:off x="6385373" y="9296400"/>
-            <a:ext cx="227280" cy="324306"/>
-          </a:xfrm>
           <a:prstGeom prst="rect">
             <a:avLst/>
           </a:prstGeom>
@@ -9903,6 +11018,42 @@
           <a:p>
             <a:pPr/>
             <a:fld id="{86CB4B4D-7CA3-9044-876B-883B54F8677D}" type="slidenum"/>
+          </a:p>
+        </p:txBody>
+      </p:sp>
+      <p:sp>
+        <p:nvSpPr>
+          <p:cNvPr id="312" name="http://www.numpy.org"/>
+          <p:cNvSpPr txBox="1"/>
+          <p:nvPr/>
+        </p:nvSpPr>
+        <p:spPr>
+          <a:xfrm>
+            <a:off x="8317772" y="521189"/>
+            <a:ext cx="3345790" cy="461060"/>
+          </a:xfrm>
+          <a:prstGeom prst="rect">
+            <a:avLst/>
+          </a:prstGeom>
+          <a:ln w="12700">
+            <a:miter lim="400000"/>
+          </a:ln>
+          <a:extLst>
+            <a:ext uri="{C572A759-6A51-4108-AA02-DFA0A04FC94B}">
+              <ma14:wrappingTextBoxFlag xmlns:ma14="http://schemas.microsoft.com/office/mac/drawingml/2011/main" val="1"/>
+            </a:ext>
+          </a:extLst>
+        </p:spPr>
+        <p:txBody>
+          <a:bodyPr wrap="none" lIns="50800" tIns="50800" rIns="50800" bIns="50800" anchor="ctr">
+            <a:spAutoFit/>
+          </a:bodyPr>
+          <a:lstStyle/>
+          <a:p>
+            <a:pPr/>
+            <a:r>
+              <a:t>http://www.numpy.org</a:t>
+            </a:r>
           </a:p>
         </p:txBody>
       </p:sp>
@@ -9915,7 +11066,7 @@
 </p:sld>
 </file>
 
-<file path=ppt/slides/slide30.xml><?xml version="1.0" encoding="utf-8"?>
+<file path=ppt/slides/slide33.xml><?xml version="1.0" encoding="utf-8"?>
 <p:sld xmlns:a="http://schemas.openxmlformats.org/drawingml/2006/main" xmlns:r="http://schemas.openxmlformats.org/officeDocument/2006/relationships" xmlns:p="http://schemas.openxmlformats.org/presentationml/2006/main" xmlns:m="http://schemas.openxmlformats.org/officeDocument/2006/math" xmlns:a14="http://schemas.microsoft.com/office/drawing/2010/main" showMasterSp="1" showMasterPhAnim="1">
   <p:cSld>
     <p:spTree>
@@ -9934,7 +11085,7 @@
       </p:grpSpPr>
       <p:sp>
         <p:nvSpPr>
-          <p:cNvPr id="292" name="Quick NumPy"/>
+          <p:cNvPr id="314" name="NumPy | Python Functions"/>
           <p:cNvSpPr txBox="1"/>
           <p:nvPr>
             <p:ph type="title"/>
@@ -9950,9 +11101,6 @@
           <a:lstStyle/>
           <a:p>
             <a:pPr/>
-            <a:r>
-              <a:t>Quick </a:t>
-            </a:r>
             <a:r>
               <a:rPr>
                 <a:latin typeface="Freight Sans Bold"/>
@@ -9962,332 +11110,6 @@
               </a:rPr>
               <a:t>NumPy</a:t>
             </a:r>
-          </a:p>
-        </p:txBody>
-      </p:sp>
-      <p:sp>
-        <p:nvSpPr>
-          <p:cNvPr id="293" name="NumPy gives you the ability to work with n-dimensional arrays of numeric data of many types.…"/>
-          <p:cNvSpPr txBox="1"/>
-          <p:nvPr>
-            <p:ph type="body" idx="1"/>
-          </p:nvPr>
-        </p:nvSpPr>
-        <p:spPr>
-          <a:prstGeom prst="rect">
-            <a:avLst/>
-          </a:prstGeom>
-        </p:spPr>
-        <p:txBody>
-          <a:bodyPr/>
-          <a:lstStyle/>
-          <a:p>
-            <a:pPr marL="0" indent="0" defTabSz="768095">
-              <a:lnSpc>
-                <a:spcPct val="115000"/>
-              </a:lnSpc>
-              <a:spcBef>
-                <a:spcPts val="0"/>
-              </a:spcBef>
-              <a:buClr>
-                <a:srgbClr val="434343"/>
-              </a:buClr>
-              <a:buSzTx/>
-              <a:buFont typeface="Helvetica"/>
-              <a:buNone/>
-              <a:defRPr i="0" sz="2940">
-                <a:solidFill>
-                  <a:srgbClr val="000000"/>
-                </a:solidFill>
-                <a:latin typeface="Roboto"/>
-                <a:ea typeface="Roboto"/>
-                <a:cs typeface="Roboto"/>
-                <a:sym typeface="Roboto"/>
-              </a:defRPr>
-            </a:pPr>
-            <a:r>
-              <a:t>NumPy gives you the ability to work with </a:t>
-            </a:r>
-            <a:r>
-              <a:rPr b="1" u="sng"/>
-              <a:t>n-dimensional</a:t>
-            </a:r>
-            <a:r>
-              <a:t> arrays of numeric data of many types.</a:t>
-            </a:r>
-          </a:p>
-          <a:p>
-            <a:pPr marL="0" indent="0" defTabSz="768095">
-              <a:lnSpc>
-                <a:spcPct val="115000"/>
-              </a:lnSpc>
-              <a:spcBef>
-                <a:spcPts val="1300"/>
-              </a:spcBef>
-              <a:buClr>
-                <a:srgbClr val="434343"/>
-              </a:buClr>
-              <a:buSzTx/>
-              <a:buFont typeface="Helvetica"/>
-              <a:buNone/>
-              <a:defRPr i="0" sz="2940">
-                <a:solidFill>
-                  <a:srgbClr val="000000"/>
-                </a:solidFill>
-                <a:latin typeface="Roboto"/>
-                <a:ea typeface="Roboto"/>
-                <a:cs typeface="Roboto"/>
-                <a:sym typeface="Roboto"/>
-              </a:defRPr>
-            </a:pPr>
-            <a:r>
-              <a:t>Pandas is built on top of NumPy and provides a more user friendly experience. There, we work with a “dataset” and include non-numeric variables.</a:t>
-            </a:r>
-          </a:p>
-          <a:p>
-            <a:pPr marL="0" indent="0" defTabSz="768095">
-              <a:lnSpc>
-                <a:spcPct val="115000"/>
-              </a:lnSpc>
-              <a:spcBef>
-                <a:spcPts val="1300"/>
-              </a:spcBef>
-              <a:buClr>
-                <a:srgbClr val="434343"/>
-              </a:buClr>
-              <a:buSzTx/>
-              <a:buFont typeface="Helvetica"/>
-              <a:buNone/>
-              <a:defRPr i="0" sz="2940">
-                <a:solidFill>
-                  <a:srgbClr val="000000"/>
-                </a:solidFill>
-                <a:latin typeface="Roboto"/>
-                <a:ea typeface="Roboto"/>
-                <a:cs typeface="Roboto"/>
-                <a:sym typeface="Roboto"/>
-              </a:defRPr>
-            </a:pPr>
-            <a:r>
-              <a:t>Understanding NumPy is critical to understanding more advanced packages.</a:t>
-            </a:r>
-          </a:p>
-          <a:p>
-            <a:pPr marL="0" indent="0" defTabSz="768095">
-              <a:lnSpc>
-                <a:spcPct val="115000"/>
-              </a:lnSpc>
-              <a:spcBef>
-                <a:spcPts val="1300"/>
-              </a:spcBef>
-              <a:buClr>
-                <a:srgbClr val="434343"/>
-              </a:buClr>
-              <a:buSzTx/>
-              <a:buFont typeface="Helvetica"/>
-              <a:buNone/>
-              <a:defRPr i="0" sz="2940">
-                <a:solidFill>
-                  <a:srgbClr val="000000"/>
-                </a:solidFill>
-                <a:latin typeface="Roboto"/>
-                <a:ea typeface="Roboto"/>
-                <a:cs typeface="Roboto"/>
-                <a:sym typeface="Roboto"/>
-              </a:defRPr>
-            </a:pPr>
-            <a:r>
-              <a:t>A basic understanding of NumPy will deepen your understanding of Pandas.</a:t>
-            </a:r>
-          </a:p>
-          <a:p>
-            <a:pPr marL="0" indent="0" defTabSz="768095">
-              <a:lnSpc>
-                <a:spcPct val="115000"/>
-              </a:lnSpc>
-              <a:spcBef>
-                <a:spcPts val="1300"/>
-              </a:spcBef>
-              <a:buClr>
-                <a:srgbClr val="434343"/>
-              </a:buClr>
-              <a:buSzTx/>
-              <a:buFont typeface="Helvetica"/>
-              <a:buNone/>
-              <a:defRPr i="0" sz="2940">
-                <a:solidFill>
-                  <a:srgbClr val="000000"/>
-                </a:solidFill>
-                <a:latin typeface="Roboto"/>
-                <a:ea typeface="Roboto"/>
-                <a:cs typeface="Roboto"/>
-                <a:sym typeface="Roboto"/>
-              </a:defRPr>
-            </a:pPr>
-            <a:r>
-              <a:t>NumPy offers vectorized operations </a:t>
-            </a:r>
-          </a:p>
-          <a:p>
-            <a:pPr marL="0" indent="0" defTabSz="768095">
-              <a:lnSpc>
-                <a:spcPct val="115000"/>
-              </a:lnSpc>
-              <a:spcBef>
-                <a:spcPts val="1300"/>
-              </a:spcBef>
-              <a:buClr>
-                <a:srgbClr val="434343"/>
-              </a:buClr>
-              <a:buSzTx/>
-              <a:buFont typeface="Helvetica"/>
-              <a:buNone/>
-              <a:defRPr i="0" sz="2940">
-                <a:solidFill>
-                  <a:srgbClr val="000000"/>
-                </a:solidFill>
-                <a:latin typeface="Roboto"/>
-                <a:ea typeface="Roboto"/>
-                <a:cs typeface="Roboto"/>
-                <a:sym typeface="Roboto"/>
-              </a:defRPr>
-            </a:pPr>
-            <a:r>
-              <a:t>** But see this: </a:t>
-            </a:r>
-            <a:r>
-              <a:rPr u="sng">
-                <a:solidFill>
-                  <a:srgbClr val="F06292"/>
-                </a:solidFill>
-                <a:uFill>
-                  <a:solidFill>
-                    <a:srgbClr val="F06292"/>
-                  </a:solidFill>
-                </a:uFill>
-                <a:hlinkClick r:id="rId2" invalidUrl="" action="" tgtFrame="" tooltip="" history="1" highlightClick="0" endSnd="0"/>
-              </a:rPr>
-              <a:t>https://timothyhelton.github.io/pandas_best_practices.html</a:t>
-            </a:r>
-          </a:p>
-        </p:txBody>
-      </p:sp>
-      <p:sp>
-        <p:nvSpPr>
-          <p:cNvPr id="294" name="Slide Number"/>
-          <p:cNvSpPr txBox="1"/>
-          <p:nvPr>
-            <p:ph type="sldNum" sz="quarter" idx="2"/>
-          </p:nvPr>
-        </p:nvSpPr>
-        <p:spPr>
-          <a:prstGeom prst="rect">
-            <a:avLst/>
-          </a:prstGeom>
-          <a:extLst>
-            <a:ext uri="{C572A759-6A51-4108-AA02-DFA0A04FC94B}">
-              <ma14:wrappingTextBoxFlag xmlns:ma14="http://schemas.microsoft.com/office/mac/drawingml/2011/main" val="1"/>
-            </a:ext>
-          </a:extLst>
-        </p:spPr>
-        <p:txBody>
-          <a:bodyPr/>
-          <a:lstStyle/>
-          <a:p>
-            <a:pPr/>
-            <a:fld id="{86CB4B4D-7CA3-9044-876B-883B54F8677D}" type="slidenum"/>
-          </a:p>
-        </p:txBody>
-      </p:sp>
-      <p:sp>
-        <p:nvSpPr>
-          <p:cNvPr id="295" name="http://www.numpy.org"/>
-          <p:cNvSpPr txBox="1"/>
-          <p:nvPr/>
-        </p:nvSpPr>
-        <p:spPr>
-          <a:xfrm>
-            <a:off x="8317771" y="521189"/>
-            <a:ext cx="3345791" cy="461060"/>
-          </a:xfrm>
-          <a:prstGeom prst="rect">
-            <a:avLst/>
-          </a:prstGeom>
-          <a:ln w="12700">
-            <a:miter lim="400000"/>
-          </a:ln>
-          <a:extLst>
-            <a:ext uri="{C572A759-6A51-4108-AA02-DFA0A04FC94B}">
-              <ma14:wrappingTextBoxFlag xmlns:ma14="http://schemas.microsoft.com/office/mac/drawingml/2011/main" val="1"/>
-            </a:ext>
-          </a:extLst>
-        </p:spPr>
-        <p:txBody>
-          <a:bodyPr wrap="none" lIns="50800" tIns="50800" rIns="50800" bIns="50800" anchor="ctr">
-            <a:spAutoFit/>
-          </a:bodyPr>
-          <a:lstStyle/>
-          <a:p>
-            <a:pPr/>
-            <a:r>
-              <a:t>http://www.numpy.org</a:t>
-            </a:r>
-          </a:p>
-        </p:txBody>
-      </p:sp>
-    </p:spTree>
-  </p:cSld>
-  <p:clrMapOvr>
-    <a:masterClrMapping/>
-  </p:clrMapOvr>
-  <p:transition xmlns:p14="http://schemas.microsoft.com/office/powerpoint/2010/main" spd="med" advClick="1"/>
-</p:sld>
-</file>
-
-<file path=ppt/slides/slide31.xml><?xml version="1.0" encoding="utf-8"?>
-<p:sld xmlns:a="http://schemas.openxmlformats.org/drawingml/2006/main" xmlns:r="http://schemas.openxmlformats.org/officeDocument/2006/relationships" xmlns:p="http://schemas.openxmlformats.org/presentationml/2006/main" xmlns:m="http://schemas.openxmlformats.org/officeDocument/2006/math" xmlns:a14="http://schemas.microsoft.com/office/drawing/2010/main" showMasterSp="1" showMasterPhAnim="1">
-  <p:cSld>
-    <p:spTree>
-      <p:nvGrpSpPr>
-        <p:cNvPr id="1" name=""/>
-        <p:cNvGrpSpPr/>
-        <p:nvPr/>
-      </p:nvGrpSpPr>
-      <p:grpSpPr>
-        <a:xfrm>
-          <a:off x="0" y="0"/>
-          <a:ext cx="0" cy="0"/>
-          <a:chOff x="0" y="0"/>
-          <a:chExt cx="0" cy="0"/>
-        </a:xfrm>
-      </p:grpSpPr>
-      <p:sp>
-        <p:nvSpPr>
-          <p:cNvPr id="297" name="NumPy | Python Functions"/>
-          <p:cNvSpPr txBox="1"/>
-          <p:nvPr>
-            <p:ph type="title"/>
-          </p:nvPr>
-        </p:nvSpPr>
-        <p:spPr>
-          <a:prstGeom prst="rect">
-            <a:avLst/>
-          </a:prstGeom>
-        </p:spPr>
-        <p:txBody>
-          <a:bodyPr/>
-          <a:lstStyle/>
-          <a:p>
-            <a:pPr/>
-            <a:r>
-              <a:rPr>
-                <a:latin typeface="Freight Sans Bold"/>
-                <a:ea typeface="Freight Sans Bold"/>
-                <a:cs typeface="Freight Sans Bold"/>
-                <a:sym typeface="Freight Sans Bold"/>
-              </a:rPr>
-              <a:t>NumPy</a:t>
-            </a:r>
             <a:r>
               <a:t> | Python Functions</a:t>
             </a:r>
@@ -10296,7 +11118,7 @@
       </p:sp>
       <p:sp>
         <p:nvSpPr>
-          <p:cNvPr id="298" name="np.array()…"/>
+          <p:cNvPr id="315" name="np.array()…"/>
           <p:cNvSpPr txBox="1"/>
           <p:nvPr>
             <p:ph type="body" idx="1"/>
@@ -10557,7 +11379,7 @@
       </p:sp>
       <p:sp>
         <p:nvSpPr>
-          <p:cNvPr id="299" name="Slide Number"/>
+          <p:cNvPr id="316" name="Slide Number"/>
           <p:cNvSpPr txBox="1"/>
           <p:nvPr>
             <p:ph type="sldNum" sz="quarter" idx="2"/>
@@ -10584,14 +11406,14 @@
       </p:sp>
       <p:sp>
         <p:nvSpPr>
-          <p:cNvPr id="300" name="http://www.numpy.org"/>
+          <p:cNvPr id="317" name="http://www.numpy.org"/>
           <p:cNvSpPr txBox="1"/>
           <p:nvPr/>
         </p:nvSpPr>
         <p:spPr>
           <a:xfrm>
             <a:off x="8347835" y="521189"/>
-            <a:ext cx="3345790" cy="461060"/>
+            <a:ext cx="3345791" cy="461060"/>
           </a:xfrm>
           <a:prstGeom prst="rect">
             <a:avLst/>
@@ -10646,115 +11468,7 @@
       </p:grpSpPr>
       <p:sp>
         <p:nvSpPr>
-          <p:cNvPr id="142" name="Any questions about the showcase?"/>
-          <p:cNvSpPr txBox="1"/>
-          <p:nvPr>
-            <p:ph type="title"/>
-          </p:nvPr>
-        </p:nvSpPr>
-        <p:spPr>
-          <a:prstGeom prst="rect">
-            <a:avLst/>
-          </a:prstGeom>
-        </p:spPr>
-        <p:txBody>
-          <a:bodyPr/>
-          <a:lstStyle/>
-          <a:p>
-            <a:pPr/>
-            <a:r>
-              <a:t>Any questions about the showcase?</a:t>
-            </a:r>
-          </a:p>
-        </p:txBody>
-      </p:sp>
-      <p:sp>
-        <p:nvSpPr>
-          <p:cNvPr id="143" name="Some questions that you may address ……"/>
-          <p:cNvSpPr txBox="1"/>
-          <p:nvPr>
-            <p:ph type="body" idx="1"/>
-          </p:nvPr>
-        </p:nvSpPr>
-        <p:spPr>
-          <a:prstGeom prst="rect">
-            <a:avLst/>
-          </a:prstGeom>
-        </p:spPr>
-        <p:txBody>
-          <a:bodyPr/>
-          <a:lstStyle/>
-          <a:p>
-            <a:pPr/>
-            <a:r>
-              <a:t>Some questions that you may address …</a:t>
-            </a:r>
-          </a:p>
-          <a:p>
-            <a:pPr lvl="1">
-              <a:defRPr i="0"/>
-            </a:pPr>
-            <a:r>
-              <a:t>Explain your project at a high level</a:t>
-            </a:r>
-          </a:p>
-          <a:p>
-            <a:pPr lvl="1">
-              <a:defRPr i="0"/>
-            </a:pPr>
-            <a:r>
-              <a:t>Share your screen, run your code, a couple of slides if you want, … show off what you’ve done!</a:t>
-            </a:r>
-          </a:p>
-          <a:p>
-            <a:pPr lvl="1">
-              <a:defRPr i="0"/>
-            </a:pPr>
-            <a:r>
-              <a:t>Open the code and share to discuss …</a:t>
-            </a:r>
-          </a:p>
-          <a:p>
-            <a:pPr lvl="2">
-              <a:defRPr i="0"/>
-            </a:pPr>
-            <a:r>
-              <a:t>what classes did you use to solve your problem?</a:t>
-            </a:r>
-          </a:p>
-          <a:p>
-            <a:pPr lvl="2">
-              <a:defRPr i="0"/>
-            </a:pPr>
-            <a:r>
-              <a:t>what were the major challenges of your implementation?</a:t>
-            </a:r>
-          </a:p>
-          <a:p>
-            <a:pPr lvl="1"/>
-            <a:r>
-              <a:t>Please </a:t>
-            </a:r>
-            <a:r>
-              <a:rPr i="0"/>
-              <a:t>practice</a:t>
-            </a:r>
-            <a:r>
-              <a:t> a brief (about 5 min, tops) presentation that </a:t>
-            </a:r>
-            <a:r>
-              <a:rPr i="0"/>
-              <a:t>communicates</a:t>
-            </a:r>
-            <a:r>
-              <a:t> your project to others.  Very important skill.</a:t>
-            </a:r>
-          </a:p>
-        </p:txBody>
-      </p:sp>
-      <p:sp>
-        <p:nvSpPr>
-          <p:cNvPr id="144" name="Slide Number"/>
+          <p:cNvPr id="142" name="Slide Number"/>
           <p:cNvSpPr txBox="1"/>
           <p:nvPr>
             <p:ph type="sldNum" sz="quarter" idx="2"/>
@@ -10780,6 +11494,165 @@
           <a:p>
             <a:pPr/>
             <a:fld id="{86CB4B4D-7CA3-9044-876B-883B54F8677D}" type="slidenum"/>
+          </a:p>
+        </p:txBody>
+      </p:sp>
+      <p:sp>
+        <p:nvSpPr>
+          <p:cNvPr id="143" name="https://docs.google.com/spreadsheets/d/1sVV7-4OHZ-EDNqkMJ55OPUfz_QLJ4LZNuZl-cRaxgV0/edit#gid=0"/>
+          <p:cNvSpPr txBox="1"/>
+          <p:nvPr/>
+        </p:nvSpPr>
+        <p:spPr>
+          <a:xfrm>
+            <a:off x="310438" y="7091094"/>
+            <a:ext cx="12481000" cy="278766"/>
+          </a:xfrm>
+          <a:prstGeom prst="rect">
+            <a:avLst/>
+          </a:prstGeom>
+          <a:ln w="12700">
+            <a:miter lim="400000"/>
+          </a:ln>
+          <a:extLst>
+            <a:ext uri="{C572A759-6A51-4108-AA02-DFA0A04FC94B}">
+              <ma14:wrappingTextBoxFlag xmlns:ma14="http://schemas.microsoft.com/office/mac/drawingml/2011/main" val="1"/>
+            </a:ext>
+          </a:extLst>
+        </p:spPr>
+        <p:txBody>
+          <a:bodyPr lIns="50800" tIns="50800" rIns="50800" bIns="50800" anchor="ctr">
+            <a:spAutoFit/>
+          </a:bodyPr>
+          <a:lstStyle>
+            <a:lvl1pPr>
+              <a:defRPr b="0" sz="1400" u="sng">
+                <a:latin typeface="Freight Sans Medium"/>
+                <a:ea typeface="Freight Sans Medium"/>
+                <a:cs typeface="Freight Sans Medium"/>
+                <a:sym typeface="Freight Sans Medium"/>
+                <a:hlinkClick r:id="rId2" invalidUrl="" action="" tgtFrame="" tooltip="" history="1" highlightClick="0" endSnd="0"/>
+              </a:defRPr>
+            </a:lvl1pPr>
+          </a:lstStyle>
+          <a:p>
+            <a:pPr>
+              <a:defRPr u="none"/>
+            </a:pPr>
+            <a:r>
+              <a:rPr u="sng">
+                <a:hlinkClick r:id="rId2" invalidUrl="" action="" tgtFrame="" tooltip="" history="1" highlightClick="0" endSnd="0"/>
+              </a:rPr>
+              <a:t>https://docs.google.com/spreadsheets/d/1sVV7-4OHZ-EDNqkMJ55OPUfz_QLJ4LZNuZl-cRaxgV0/edit#gid=0</a:t>
+            </a:r>
+          </a:p>
+        </p:txBody>
+      </p:sp>
+      <p:grpSp>
+        <p:nvGrpSpPr>
+          <p:cNvPr id="146" name="Fall18-Schedule.pdf"/>
+          <p:cNvGrpSpPr/>
+          <p:nvPr/>
+        </p:nvGrpSpPr>
+        <p:grpSpPr>
+          <a:xfrm>
+            <a:off x="183438" y="243130"/>
+            <a:ext cx="12734999" cy="5727940"/>
+            <a:chOff x="0" y="0"/>
+            <a:chExt cx="12734997" cy="5727938"/>
+          </a:xfrm>
+        </p:grpSpPr>
+        <p:pic>
+          <p:nvPicPr>
+            <p:cNvPr id="145" name="Fall18-Schedule.pdf" descr="Fall18-Schedule.pdf"/>
+            <p:cNvPicPr>
+              <a:picLocks noChangeAspect="1"/>
+            </p:cNvPicPr>
+            <p:nvPr/>
+          </p:nvPicPr>
+          <p:blipFill>
+            <a:blip r:embed="rId3">
+              <a:extLst/>
+            </a:blip>
+            <a:stretch>
+              <a:fillRect/>
+            </a:stretch>
+          </p:blipFill>
+          <p:spPr>
+            <a:xfrm>
+              <a:off x="127000" y="88899"/>
+              <a:ext cx="12480998" cy="5397740"/>
+            </a:xfrm>
+            <a:prstGeom prst="rect">
+              <a:avLst/>
+            </a:prstGeom>
+            <a:ln>
+              <a:noFill/>
+            </a:ln>
+            <a:effectLst/>
+          </p:spPr>
+        </p:pic>
+        <p:pic>
+          <p:nvPicPr>
+            <p:cNvPr id="144" name="Fall18-Schedule.pdf" descr="Fall18-Schedule.pdf"/>
+            <p:cNvPicPr>
+              <a:picLocks noChangeAspect="0"/>
+            </p:cNvPicPr>
+            <p:nvPr/>
+          </p:nvPicPr>
+          <p:blipFill>
+            <a:blip r:embed="rId4">
+              <a:extLst/>
+            </a:blip>
+            <a:stretch>
+              <a:fillRect/>
+            </a:stretch>
+          </p:blipFill>
+          <p:spPr>
+            <a:xfrm>
+              <a:off x="0" y="-1"/>
+              <a:ext cx="12734998" cy="5727940"/>
+            </a:xfrm>
+            <a:prstGeom prst="rect">
+              <a:avLst/>
+            </a:prstGeom>
+            <a:effectLst/>
+          </p:spPr>
+        </p:pic>
+      </p:grpSp>
+      <p:sp>
+        <p:nvSpPr>
+          <p:cNvPr id="147" name="NumPy will likely take back seat to your presentations."/>
+          <p:cNvSpPr txBox="1"/>
+          <p:nvPr/>
+        </p:nvSpPr>
+        <p:spPr>
+          <a:xfrm>
+            <a:off x="906068" y="6300552"/>
+            <a:ext cx="8043064" cy="461060"/>
+          </a:xfrm>
+          <a:prstGeom prst="rect">
+            <a:avLst/>
+          </a:prstGeom>
+          <a:ln w="12700">
+            <a:miter lim="400000"/>
+          </a:ln>
+          <a:extLst>
+            <a:ext uri="{C572A759-6A51-4108-AA02-DFA0A04FC94B}">
+              <ma14:wrappingTextBoxFlag xmlns:ma14="http://schemas.microsoft.com/office/mac/drawingml/2011/main" val="1"/>
+            </a:ext>
+          </a:extLst>
+        </p:spPr>
+        <p:txBody>
+          <a:bodyPr wrap="none" lIns="50800" tIns="50800" rIns="50800" bIns="50800" anchor="ctr">
+            <a:spAutoFit/>
+          </a:bodyPr>
+          <a:lstStyle/>
+          <a:p>
+            <a:pPr/>
+            <a:r>
+              <a:t>NumPy will likely take back seat to your presentations.</a:t>
+            </a:r>
           </a:p>
         </p:txBody>
       </p:sp>
@@ -10811,17 +11684,13 @@
       </p:grpSpPr>
       <p:sp>
         <p:nvSpPr>
-          <p:cNvPr id="146" name="Moving on … Up and down levels of abstraction"/>
+          <p:cNvPr id="149" name="Any questions about the showcase?"/>
           <p:cNvSpPr txBox="1"/>
           <p:nvPr>
             <p:ph type="title"/>
           </p:nvPr>
         </p:nvSpPr>
         <p:spPr>
-          <a:xfrm>
-            <a:off x="419100" y="254037"/>
-            <a:ext cx="12379127" cy="995364"/>
-          </a:xfrm>
           <a:prstGeom prst="rect">
             <a:avLst/>
           </a:prstGeom>
@@ -10832,24 +11701,20 @@
           <a:p>
             <a:pPr/>
             <a:r>
-              <a:t>Moving on … Up and down levels of abstraction</a:t>
-            </a:r>
-          </a:p>
-        </p:txBody>
-      </p:sp>
-      <p:sp>
-        <p:nvSpPr>
-          <p:cNvPr id="147" name="We’ve traversed the levels of abstraction … up and down ……"/>
+              <a:t>Any questions about the showcase?</a:t>
+            </a:r>
+          </a:p>
+        </p:txBody>
+      </p:sp>
+      <p:sp>
+        <p:nvSpPr>
+          <p:cNvPr id="150" name="Some questions that you may address ……"/>
           <p:cNvSpPr txBox="1"/>
           <p:nvPr>
             <p:ph type="body" idx="1"/>
           </p:nvPr>
         </p:nvSpPr>
         <p:spPr>
-          <a:xfrm>
-            <a:off x="419100" y="1405466"/>
-            <a:ext cx="12379127" cy="6685559"/>
-          </a:xfrm>
           <a:prstGeom prst="rect">
             <a:avLst/>
           </a:prstGeom>
@@ -10860,7 +11725,7 @@
           <a:p>
             <a:pPr/>
             <a:r>
-              <a:t>We’ve traversed the levels of abstraction … up and down …</a:t>
+              <a:t>Some questions that you may address …</a:t>
             </a:r>
           </a:p>
           <a:p>
@@ -10868,11 +11733,7 @@
               <a:defRPr i="0"/>
             </a:pPr>
             <a:r>
-              <a:rPr u="sng"/>
-              <a:t>Fundamental</a:t>
-            </a:r>
-            <a:r>
-              <a:t> types: ints, floats … [aka primitives]</a:t>
+              <a:t>Explain your project at a high level</a:t>
             </a:r>
           </a:p>
           <a:p>
@@ -10880,11 +11741,7 @@
               <a:defRPr i="0"/>
             </a:pPr>
             <a:r>
-              <a:rPr u="sng"/>
-              <a:t>Container</a:t>
-            </a:r>
-            <a:r>
-              <a:t> objects: lists, strings</a:t>
+              <a:t>Share your screen, run your code, a couple of slides if you want, … show off what you’ve done!</a:t>
             </a:r>
           </a:p>
           <a:p>
@@ -10892,22 +11749,50 @@
               <a:defRPr i="0"/>
             </a:pPr>
             <a:r>
-              <a:t>Classes</a:t>
-            </a:r>
-          </a:p>
-          <a:p>
-            <a:pPr>
+              <a:t>Open the code and share to discuss …</a:t>
+            </a:r>
+          </a:p>
+          <a:p>
+            <a:pPr lvl="2">
               <a:defRPr i="0"/>
             </a:pPr>
             <a:r>
-              <a:t>Now … drill down to characters and bytes [oh, boy!]</a:t>
-            </a:r>
-          </a:p>
-        </p:txBody>
-      </p:sp>
-      <p:sp>
-        <p:nvSpPr>
-          <p:cNvPr id="148" name="Slide Number"/>
+              <a:t>what classes did you use to solve your problem?</a:t>
+            </a:r>
+          </a:p>
+          <a:p>
+            <a:pPr lvl="2">
+              <a:defRPr i="0"/>
+            </a:pPr>
+            <a:r>
+              <a:t>what were the major challenges of your implementation?</a:t>
+            </a:r>
+          </a:p>
+          <a:p>
+            <a:pPr lvl="1"/>
+            <a:r>
+              <a:t>Please </a:t>
+            </a:r>
+            <a:r>
+              <a:rPr i="0"/>
+              <a:t>practice</a:t>
+            </a:r>
+            <a:r>
+              <a:t> a brief (about 5 min, tops) presentation that </a:t>
+            </a:r>
+            <a:r>
+              <a:rPr i="0"/>
+              <a:t>communicates</a:t>
+            </a:r>
+            <a:r>
+              <a:t> your project to others.  Very important skill.</a:t>
+            </a:r>
+          </a:p>
+        </p:txBody>
+      </p:sp>
+      <p:sp>
+        <p:nvSpPr>
+          <p:cNvPr id="151" name="Slide Number"/>
           <p:cNvSpPr txBox="1"/>
           <p:nvPr>
             <p:ph type="sldNum" sz="quarter" idx="2"/>
@@ -10936,84 +11821,6 @@
           </a:p>
         </p:txBody>
       </p:sp>
-      <p:pic>
-        <p:nvPicPr>
-          <p:cNvPr id="149" name="Image" descr="Image"/>
-          <p:cNvPicPr>
-            <a:picLocks noChangeAspect="1"/>
-          </p:cNvPicPr>
-          <p:nvPr/>
-        </p:nvPicPr>
-        <p:blipFill>
-          <a:blip r:embed="rId2">
-            <a:extLst/>
-          </a:blip>
-          <a:stretch>
-            <a:fillRect/>
-          </a:stretch>
-        </p:blipFill>
-        <p:spPr>
-          <a:xfrm>
-            <a:off x="3913156" y="5594350"/>
-            <a:ext cx="5178488" cy="3132150"/>
-          </a:xfrm>
-          <a:prstGeom prst="rect">
-            <a:avLst/>
-          </a:prstGeom>
-          <a:ln w="25400">
-            <a:solidFill>
-              <a:srgbClr val="F3F7F5"/>
-            </a:solidFill>
-            <a:miter lim="400000"/>
-          </a:ln>
-          <a:effectLst>
-            <a:outerShdw sx="100000" sy="100000" kx="0" ky="0" algn="b" rotWithShape="0" blurRad="50800" dist="25400" dir="3600000">
-              <a:srgbClr val="000000">
-                <a:alpha val="70000"/>
-              </a:srgbClr>
-            </a:outerShdw>
-          </a:effectLst>
-        </p:spPr>
-      </p:pic>
-      <p:pic>
-        <p:nvPicPr>
-          <p:cNvPr id="150" name="Google Shape;153;p24" descr="Google Shape;153;p24"/>
-          <p:cNvPicPr>
-            <a:picLocks noChangeAspect="1"/>
-          </p:cNvPicPr>
-          <p:nvPr/>
-        </p:nvPicPr>
-        <p:blipFill>
-          <a:blip r:embed="rId3">
-            <a:extLst/>
-          </a:blip>
-          <a:stretch>
-            <a:fillRect/>
-          </a:stretch>
-        </p:blipFill>
-        <p:spPr>
-          <a:xfrm>
-            <a:off x="10774363" y="1519654"/>
-            <a:ext cx="1318371" cy="1945478"/>
-          </a:xfrm>
-          <a:prstGeom prst="rect">
-            <a:avLst/>
-          </a:prstGeom>
-          <a:ln w="25400">
-            <a:solidFill>
-              <a:srgbClr val="F3F7F5"/>
-            </a:solidFill>
-            <a:miter lim="400000"/>
-          </a:ln>
-          <a:effectLst>
-            <a:outerShdw sx="100000" sy="100000" kx="0" ky="0" algn="b" rotWithShape="0" blurRad="50800" dist="25400" dir="3600000">
-              <a:srgbClr val="000000">
-                <a:alpha val="70000"/>
-              </a:srgbClr>
-            </a:outerShdw>
-          </a:effectLst>
-        </p:spPr>
-      </p:pic>
     </p:spTree>
   </p:cSld>
   <p:clrMapOvr>
@@ -11042,7 +11849,7 @@
       </p:grpSpPr>
       <p:sp>
         <p:nvSpPr>
-          <p:cNvPr id="152" name="The challenge?  Translate icons/type to code &amp; back"/>
+          <p:cNvPr id="153" name="Moving on … Up and down levels of abstraction"/>
           <p:cNvSpPr txBox="1"/>
           <p:nvPr>
             <p:ph type="title"/>
@@ -11059,22 +11866,86 @@
         </p:spPr>
         <p:txBody>
           <a:bodyPr/>
-          <a:lstStyle>
-            <a:lvl1pPr defTabSz="537463">
-              <a:defRPr sz="4784"/>
-            </a:lvl1pPr>
-          </a:lstStyle>
+          <a:lstStyle/>
           <a:p>
             <a:pPr/>
             <a:r>
-              <a:t>The challenge?  Translate icons/type to code &amp; back</a:t>
-            </a:r>
-          </a:p>
-        </p:txBody>
-      </p:sp>
-      <p:sp>
-        <p:nvSpPr>
-          <p:cNvPr id="153" name="Slide Number"/>
+              <a:t>Moving on … Up and down levels of abstraction</a:t>
+            </a:r>
+          </a:p>
+        </p:txBody>
+      </p:sp>
+      <p:sp>
+        <p:nvSpPr>
+          <p:cNvPr id="154" name="We’ve traversed the levels of abstraction … up and down ……"/>
+          <p:cNvSpPr txBox="1"/>
+          <p:nvPr>
+            <p:ph type="body" idx="1"/>
+          </p:nvPr>
+        </p:nvSpPr>
+        <p:spPr>
+          <a:xfrm>
+            <a:off x="419100" y="1405466"/>
+            <a:ext cx="12379127" cy="6685559"/>
+          </a:xfrm>
+          <a:prstGeom prst="rect">
+            <a:avLst/>
+          </a:prstGeom>
+        </p:spPr>
+        <p:txBody>
+          <a:bodyPr/>
+          <a:lstStyle/>
+          <a:p>
+            <a:pPr/>
+            <a:r>
+              <a:t>We’ve traversed the levels of abstraction … up and down …</a:t>
+            </a:r>
+          </a:p>
+          <a:p>
+            <a:pPr lvl="1">
+              <a:defRPr i="0"/>
+            </a:pPr>
+            <a:r>
+              <a:rPr u="sng"/>
+              <a:t>Fundamental</a:t>
+            </a:r>
+            <a:r>
+              <a:t> types: ints, floats … [aka primitives]</a:t>
+            </a:r>
+          </a:p>
+          <a:p>
+            <a:pPr lvl="1">
+              <a:defRPr i="0"/>
+            </a:pPr>
+            <a:r>
+              <a:rPr u="sng"/>
+              <a:t>Container</a:t>
+            </a:r>
+            <a:r>
+              <a:t> objects: lists, strings</a:t>
+            </a:r>
+          </a:p>
+          <a:p>
+            <a:pPr lvl="1">
+              <a:defRPr i="0"/>
+            </a:pPr>
+            <a:r>
+              <a:t>Classes</a:t>
+            </a:r>
+          </a:p>
+          <a:p>
+            <a:pPr>
+              <a:defRPr i="0"/>
+            </a:pPr>
+            <a:r>
+              <a:t>Now … drill down to characters and bytes [oh, boy!]</a:t>
+            </a:r>
+          </a:p>
+        </p:txBody>
+      </p:sp>
+      <p:sp>
+        <p:nvSpPr>
+          <p:cNvPr id="155" name="Slide Number"/>
           <p:cNvSpPr txBox="1"/>
           <p:nvPr>
             <p:ph type="sldNum" sz="quarter" idx="2"/>
@@ -11105,7 +11976,7 @@
       </p:sp>
       <p:pic>
         <p:nvPicPr>
-          <p:cNvPr id="154" name="Google Shape;161;p25" descr="Google Shape;161;p25"/>
+          <p:cNvPr id="156" name="Image" descr="Image"/>
           <p:cNvPicPr>
             <a:picLocks noChangeAspect="1"/>
           </p:cNvPicPr>
@@ -11121,20 +11992,30 @@
         </p:blipFill>
         <p:spPr>
           <a:xfrm>
-            <a:off x="576438" y="1441541"/>
-            <a:ext cx="3076576" cy="1485901"/>
+            <a:off x="3913156" y="5594350"/>
+            <a:ext cx="5178488" cy="3132150"/>
           </a:xfrm>
           <a:prstGeom prst="rect">
             <a:avLst/>
           </a:prstGeom>
-          <a:ln w="12700">
+          <a:ln w="25400">
+            <a:solidFill>
+              <a:srgbClr val="F3F7F5"/>
+            </a:solidFill>
             <a:miter lim="400000"/>
           </a:ln>
+          <a:effectLst>
+            <a:outerShdw sx="100000" sy="100000" kx="0" ky="0" algn="b" rotWithShape="0" blurRad="50800" dist="25400" dir="3600000">
+              <a:srgbClr val="000000">
+                <a:alpha val="70000"/>
+              </a:srgbClr>
+            </a:outerShdw>
+          </a:effectLst>
         </p:spPr>
       </p:pic>
       <p:pic>
         <p:nvPicPr>
-          <p:cNvPr id="155" name="Google Shape;162;p25" descr="Google Shape;162;p25"/>
+          <p:cNvPr id="157" name="Google Shape;153;p24" descr="Google Shape;153;p24"/>
           <p:cNvPicPr>
             <a:picLocks noChangeAspect="1"/>
           </p:cNvPicPr>
@@ -11150,41 +12031,18 @@
         </p:blipFill>
         <p:spPr>
           <a:xfrm>
-            <a:off x="3819041" y="1489166"/>
-            <a:ext cx="3783387" cy="1390651"/>
+            <a:off x="10774363" y="1519654"/>
+            <a:ext cx="1318371" cy="1945478"/>
           </a:xfrm>
           <a:prstGeom prst="rect">
             <a:avLst/>
           </a:prstGeom>
-          <a:ln w="12700">
+          <a:ln w="25400">
+            <a:solidFill>
+              <a:srgbClr val="F3F7F5"/>
+            </a:solidFill>
             <a:miter lim="400000"/>
           </a:ln>
-        </p:spPr>
-      </p:pic>
-      <p:pic>
-        <p:nvPicPr>
-          <p:cNvPr id="156" name="Screen Shot 2018-10-21 at 6.57.04 PM.png" descr="Screen Shot 2018-10-21 at 6.57.04 PM.png"/>
-          <p:cNvPicPr>
-            <a:picLocks noChangeAspect="0"/>
-          </p:cNvPicPr>
-          <p:nvPr/>
-        </p:nvPicPr>
-        <p:blipFill>
-          <a:blip r:embed="rId4">
-            <a:extLst/>
-          </a:blip>
-          <a:stretch>
-            <a:fillRect/>
-          </a:stretch>
-        </p:blipFill>
-        <p:spPr>
-          <a:xfrm>
-            <a:off x="7211483" y="4782323"/>
-            <a:ext cx="4548848" cy="3956779"/>
-          </a:xfrm>
-          <a:prstGeom prst="rect">
-            <a:avLst/>
-          </a:prstGeom>
           <a:effectLst>
             <a:outerShdw sx="100000" sy="100000" kx="0" ky="0" algn="b" rotWithShape="0" blurRad="50800" dist="25400" dir="3600000">
               <a:srgbClr val="000000">
@@ -11194,186 +12052,6 @@
           </a:effectLst>
         </p:spPr>
       </p:pic>
-      <p:pic>
-        <p:nvPicPr>
-          <p:cNvPr id="157" name="Screen Shot 2018-10-21 at 6.56.50 PM.png" descr="Screen Shot 2018-10-21 at 6.56.50 PM.png"/>
-          <p:cNvPicPr>
-            <a:picLocks noChangeAspect="0"/>
-          </p:cNvPicPr>
-          <p:nvPr/>
-        </p:nvPicPr>
-        <p:blipFill>
-          <a:blip r:embed="rId5">
-            <a:extLst/>
-          </a:blip>
-          <a:stretch>
-            <a:fillRect/>
-          </a:stretch>
-        </p:blipFill>
-        <p:spPr>
-          <a:xfrm>
-            <a:off x="4682066" y="3543300"/>
-            <a:ext cx="4207566" cy="3956779"/>
-          </a:xfrm>
-          <a:prstGeom prst="rect">
-            <a:avLst/>
-          </a:prstGeom>
-          <a:effectLst>
-            <a:outerShdw sx="100000" sy="100000" kx="0" ky="0" algn="b" rotWithShape="0" blurRad="50800" dist="25400" dir="3600000">
-              <a:srgbClr val="000000">
-                <a:alpha val="70000"/>
-              </a:srgbClr>
-            </a:outerShdw>
-          </a:effectLst>
-        </p:spPr>
-      </p:pic>
-      <p:pic>
-        <p:nvPicPr>
-          <p:cNvPr id="158" name="Screen Shot 2018-10-21 at 6.56.44 PM.png" descr="Screen Shot 2018-10-21 at 6.56.44 PM.png"/>
-          <p:cNvPicPr>
-            <a:picLocks noChangeAspect="0"/>
-          </p:cNvPicPr>
-          <p:nvPr/>
-        </p:nvPicPr>
-        <p:blipFill>
-          <a:blip r:embed="rId6">
-            <a:extLst/>
-          </a:blip>
-          <a:stretch>
-            <a:fillRect/>
-          </a:stretch>
-        </p:blipFill>
-        <p:spPr>
-          <a:xfrm>
-            <a:off x="2540000" y="5033433"/>
-            <a:ext cx="3632372" cy="3454559"/>
-          </a:xfrm>
-          <a:prstGeom prst="rect">
-            <a:avLst/>
-          </a:prstGeom>
-          <a:effectLst>
-            <a:outerShdw sx="100000" sy="100000" kx="0" ky="0" algn="b" rotWithShape="0" blurRad="50800" dist="25400" dir="3600000">
-              <a:srgbClr val="000000">
-                <a:alpha val="70000"/>
-              </a:srgbClr>
-            </a:outerShdw>
-          </a:effectLst>
-        </p:spPr>
-      </p:pic>
-      <p:pic>
-        <p:nvPicPr>
-          <p:cNvPr id="159" name="Screen Shot 2018-10-21 at 6.56.31 PM.png" descr="Screen Shot 2018-10-21 at 6.56.31 PM.png"/>
-          <p:cNvPicPr>
-            <a:picLocks noChangeAspect="0"/>
-          </p:cNvPicPr>
-          <p:nvPr/>
-        </p:nvPicPr>
-        <p:blipFill>
-          <a:blip r:embed="rId7">
-            <a:extLst/>
-          </a:blip>
-          <a:stretch>
-            <a:fillRect/>
-          </a:stretch>
-        </p:blipFill>
-        <p:spPr>
-          <a:xfrm>
-            <a:off x="533400" y="3871383"/>
-            <a:ext cx="3772885" cy="3551435"/>
-          </a:xfrm>
-          <a:prstGeom prst="rect">
-            <a:avLst/>
-          </a:prstGeom>
-          <a:effectLst>
-            <a:outerShdw sx="100000" sy="100000" kx="0" ky="0" algn="b" rotWithShape="0" blurRad="50800" dist="25400" dir="3600000">
-              <a:srgbClr val="000000">
-                <a:alpha val="70000"/>
-              </a:srgbClr>
-            </a:outerShdw>
-          </a:effectLst>
-        </p:spPr>
-      </p:pic>
-      <p:pic>
-        <p:nvPicPr>
-          <p:cNvPr id="160" name="Screen Shot 2018-10-21 at 6.58.24 PM.png" descr="Screen Shot 2018-10-21 at 6.58.24 PM.png"/>
-          <p:cNvPicPr>
-            <a:picLocks noChangeAspect="0"/>
-          </p:cNvPicPr>
-          <p:nvPr/>
-        </p:nvPicPr>
-        <p:blipFill>
-          <a:blip r:embed="rId8">
-            <a:extLst/>
-          </a:blip>
-          <a:stretch>
-            <a:fillRect/>
-          </a:stretch>
-        </p:blipFill>
-        <p:spPr>
-          <a:xfrm>
-            <a:off x="9476382" y="2457846"/>
-            <a:ext cx="3013485" cy="2876531"/>
-          </a:xfrm>
-          <a:prstGeom prst="rect">
-            <a:avLst/>
-          </a:prstGeom>
-          <a:effectLst>
-            <a:outerShdw sx="100000" sy="100000" kx="0" ky="0" algn="b" rotWithShape="0" blurRad="50800" dist="25400" dir="3600000">
-              <a:srgbClr val="000000">
-                <a:alpha val="70000"/>
-              </a:srgbClr>
-            </a:outerShdw>
-          </a:effectLst>
-        </p:spPr>
-      </p:pic>
-      <p:sp>
-        <p:nvSpPr>
-          <p:cNvPr id="161" name="http://unicode.org and…"/>
-          <p:cNvSpPr txBox="1"/>
-          <p:nvPr/>
-        </p:nvSpPr>
-        <p:spPr>
-          <a:xfrm>
-            <a:off x="8400762" y="1220648"/>
-            <a:ext cx="3958743" cy="829360"/>
-          </a:xfrm>
-          <a:prstGeom prst="rect">
-            <a:avLst/>
-          </a:prstGeom>
-          <a:ln w="12700">
-            <a:miter lim="400000"/>
-          </a:ln>
-          <a:extLst>
-            <a:ext uri="{C572A759-6A51-4108-AA02-DFA0A04FC94B}">
-              <ma14:wrappingTextBoxFlag xmlns:ma14="http://schemas.microsoft.com/office/mac/drawingml/2011/main" val="1"/>
-            </a:ext>
-          </a:extLst>
-        </p:spPr>
-        <p:txBody>
-          <a:bodyPr wrap="none" lIns="50800" tIns="50800" rIns="50800" bIns="50800" anchor="ctr">
-            <a:spAutoFit/>
-          </a:bodyPr>
-          <a:lstStyle/>
-          <a:p>
-            <a:pPr/>
-            <a:r>
-              <a:rPr u="sng">
-                <a:hlinkClick r:id="rId9" invalidUrl="" action="" tgtFrame="" tooltip="" history="1" highlightClick="0" endSnd="0"/>
-              </a:rPr>
-              <a:t>http://unicode.org</a:t>
-            </a:r>
-            <a:r>
-              <a:t> and</a:t>
-            </a:r>
-          </a:p>
-          <a:p>
-            <a:pPr/>
-            <a:r>
-              <a:t>check out the codesheets.</a:t>
-            </a:r>
-          </a:p>
-        </p:txBody>
-      </p:sp>
     </p:spTree>
   </p:cSld>
   <p:clrMapOvr>
@@ -11402,85 +12080,39 @@
       </p:grpSpPr>
       <p:sp>
         <p:nvSpPr>
-          <p:cNvPr id="163" name="Translating encoding schemes …"/>
+          <p:cNvPr id="159" name="The challenge?  Translate icons/type to code &amp; back"/>
           <p:cNvSpPr txBox="1"/>
           <p:nvPr>
             <p:ph type="title"/>
           </p:nvPr>
         </p:nvSpPr>
         <p:spPr>
+          <a:xfrm>
+            <a:off x="419100" y="254037"/>
+            <a:ext cx="12379127" cy="995364"/>
+          </a:xfrm>
           <a:prstGeom prst="rect">
             <a:avLst/>
           </a:prstGeom>
         </p:spPr>
         <p:txBody>
           <a:bodyPr/>
-          <a:lstStyle/>
+          <a:lstStyle>
+            <a:lvl1pPr defTabSz="537463">
+              <a:defRPr sz="4784"/>
+            </a:lvl1pPr>
+          </a:lstStyle>
           <a:p>
             <a:pPr/>
             <a:r>
-              <a:t>Translating encoding schemes … </a:t>
-            </a:r>
-          </a:p>
-        </p:txBody>
-      </p:sp>
-      <p:sp>
-        <p:nvSpPr>
-          <p:cNvPr id="164" name="Everything is stored in binary (o, 1)…"/>
-          <p:cNvSpPr txBox="1"/>
-          <p:nvPr>
-            <p:ph type="body" idx="1"/>
-          </p:nvPr>
-        </p:nvSpPr>
-        <p:spPr>
-          <a:prstGeom prst="rect">
-            <a:avLst/>
-          </a:prstGeom>
-        </p:spPr>
-        <p:txBody>
-          <a:bodyPr/>
-          <a:lstStyle/>
-          <a:p>
-            <a:pPr/>
-            <a:r>
-              <a:t>Everything is stored in binary </a:t>
-            </a:r>
-            <a:r>
-              <a:rPr i="0"/>
-              <a:t>(o, 1)</a:t>
-            </a:r>
-          </a:p>
-          <a:p>
-            <a:pPr/>
-            <a:r>
-              <a:t>At some point, data are translated into this common format.</a:t>
-            </a:r>
-          </a:p>
-          <a:p>
-            <a:pPr/>
-            <a:r>
-              <a:t>BTW, note that how the data are stored on the hard drive is the “internal reflection” of the data (usually as UTF-8); and then there’s the “external reflection” of the data (what’s shown on the screen, often UTF-8, but could be win-1285, MacRoman, koi-8, etc.!).</a:t>
-            </a:r>
-          </a:p>
-          <a:p>
-            <a:pPr lvl="1">
-              <a:defRPr i="0"/>
-            </a:pPr>
-            <a:r>
-              <a:t>https://en.wikipedia.org/wiki/Character_encoding</a:t>
-            </a:r>
-          </a:p>
-          <a:p>
-            <a:pPr/>
-            <a:r>
-              <a:t>Keep in mind: it’s all just data!  We can call “X” the same thing in a variety of “dialects” … as you’ll see! (grin)…  But first things first … </a:t>
-            </a:r>
-          </a:p>
-        </p:txBody>
-      </p:sp>
-      <p:sp>
-        <p:nvSpPr>
-          <p:cNvPr id="165" name="Slide Number"/>
+              <a:t>The challenge?  Translate icons/type to code &amp; back</a:t>
+            </a:r>
+          </a:p>
+        </p:txBody>
+      </p:sp>
+      <p:sp>
+        <p:nvSpPr>
+          <p:cNvPr id="160" name="Slide Number"/>
           <p:cNvSpPr txBox="1"/>
           <p:nvPr>
             <p:ph type="sldNum" sz="quarter" idx="2"/>
@@ -11506,6 +12138,277 @@
           <a:p>
             <a:pPr/>
             <a:fld id="{86CB4B4D-7CA3-9044-876B-883B54F8677D}" type="slidenum"/>
+          </a:p>
+        </p:txBody>
+      </p:sp>
+      <p:pic>
+        <p:nvPicPr>
+          <p:cNvPr id="161" name="Google Shape;161;p25" descr="Google Shape;161;p25"/>
+          <p:cNvPicPr>
+            <a:picLocks noChangeAspect="1"/>
+          </p:cNvPicPr>
+          <p:nvPr/>
+        </p:nvPicPr>
+        <p:blipFill>
+          <a:blip r:embed="rId2">
+            <a:extLst/>
+          </a:blip>
+          <a:stretch>
+            <a:fillRect/>
+          </a:stretch>
+        </p:blipFill>
+        <p:spPr>
+          <a:xfrm>
+            <a:off x="576438" y="1441541"/>
+            <a:ext cx="3076576" cy="1485901"/>
+          </a:xfrm>
+          <a:prstGeom prst="rect">
+            <a:avLst/>
+          </a:prstGeom>
+          <a:ln w="12700">
+            <a:miter lim="400000"/>
+          </a:ln>
+        </p:spPr>
+      </p:pic>
+      <p:pic>
+        <p:nvPicPr>
+          <p:cNvPr id="162" name="Google Shape;162;p25" descr="Google Shape;162;p25"/>
+          <p:cNvPicPr>
+            <a:picLocks noChangeAspect="1"/>
+          </p:cNvPicPr>
+          <p:nvPr/>
+        </p:nvPicPr>
+        <p:blipFill>
+          <a:blip r:embed="rId3">
+            <a:extLst/>
+          </a:blip>
+          <a:stretch>
+            <a:fillRect/>
+          </a:stretch>
+        </p:blipFill>
+        <p:spPr>
+          <a:xfrm>
+            <a:off x="3819041" y="1489166"/>
+            <a:ext cx="3783387" cy="1390651"/>
+          </a:xfrm>
+          <a:prstGeom prst="rect">
+            <a:avLst/>
+          </a:prstGeom>
+          <a:ln w="12700">
+            <a:miter lim="400000"/>
+          </a:ln>
+        </p:spPr>
+      </p:pic>
+      <p:pic>
+        <p:nvPicPr>
+          <p:cNvPr id="163" name="Screen Shot 2018-10-21 at 6.57.04 PM.png" descr="Screen Shot 2018-10-21 at 6.57.04 PM.png"/>
+          <p:cNvPicPr>
+            <a:picLocks noChangeAspect="0"/>
+          </p:cNvPicPr>
+          <p:nvPr/>
+        </p:nvPicPr>
+        <p:blipFill>
+          <a:blip r:embed="rId4">
+            <a:extLst/>
+          </a:blip>
+          <a:stretch>
+            <a:fillRect/>
+          </a:stretch>
+        </p:blipFill>
+        <p:spPr>
+          <a:xfrm>
+            <a:off x="7211483" y="4782323"/>
+            <a:ext cx="4548848" cy="3956779"/>
+          </a:xfrm>
+          <a:prstGeom prst="rect">
+            <a:avLst/>
+          </a:prstGeom>
+          <a:effectLst>
+            <a:outerShdw sx="100000" sy="100000" kx="0" ky="0" algn="b" rotWithShape="0" blurRad="50800" dist="25400" dir="3600000">
+              <a:srgbClr val="000000">
+                <a:alpha val="70000"/>
+              </a:srgbClr>
+            </a:outerShdw>
+          </a:effectLst>
+        </p:spPr>
+      </p:pic>
+      <p:pic>
+        <p:nvPicPr>
+          <p:cNvPr id="164" name="Screen Shot 2018-10-21 at 6.56.50 PM.png" descr="Screen Shot 2018-10-21 at 6.56.50 PM.png"/>
+          <p:cNvPicPr>
+            <a:picLocks noChangeAspect="0"/>
+          </p:cNvPicPr>
+          <p:nvPr/>
+        </p:nvPicPr>
+        <p:blipFill>
+          <a:blip r:embed="rId5">
+            <a:extLst/>
+          </a:blip>
+          <a:stretch>
+            <a:fillRect/>
+          </a:stretch>
+        </p:blipFill>
+        <p:spPr>
+          <a:xfrm>
+            <a:off x="4682066" y="3543300"/>
+            <a:ext cx="4207566" cy="3956779"/>
+          </a:xfrm>
+          <a:prstGeom prst="rect">
+            <a:avLst/>
+          </a:prstGeom>
+          <a:effectLst>
+            <a:outerShdw sx="100000" sy="100000" kx="0" ky="0" algn="b" rotWithShape="0" blurRad="50800" dist="25400" dir="3600000">
+              <a:srgbClr val="000000">
+                <a:alpha val="70000"/>
+              </a:srgbClr>
+            </a:outerShdw>
+          </a:effectLst>
+        </p:spPr>
+      </p:pic>
+      <p:pic>
+        <p:nvPicPr>
+          <p:cNvPr id="165" name="Screen Shot 2018-10-21 at 6.56.44 PM.png" descr="Screen Shot 2018-10-21 at 6.56.44 PM.png"/>
+          <p:cNvPicPr>
+            <a:picLocks noChangeAspect="0"/>
+          </p:cNvPicPr>
+          <p:nvPr/>
+        </p:nvPicPr>
+        <p:blipFill>
+          <a:blip r:embed="rId6">
+            <a:extLst/>
+          </a:blip>
+          <a:stretch>
+            <a:fillRect/>
+          </a:stretch>
+        </p:blipFill>
+        <p:spPr>
+          <a:xfrm>
+            <a:off x="2540000" y="5033433"/>
+            <a:ext cx="3632372" cy="3454559"/>
+          </a:xfrm>
+          <a:prstGeom prst="rect">
+            <a:avLst/>
+          </a:prstGeom>
+          <a:effectLst>
+            <a:outerShdw sx="100000" sy="100000" kx="0" ky="0" algn="b" rotWithShape="0" blurRad="50800" dist="25400" dir="3600000">
+              <a:srgbClr val="000000">
+                <a:alpha val="70000"/>
+              </a:srgbClr>
+            </a:outerShdw>
+          </a:effectLst>
+        </p:spPr>
+      </p:pic>
+      <p:pic>
+        <p:nvPicPr>
+          <p:cNvPr id="166" name="Screen Shot 2018-10-21 at 6.56.31 PM.png" descr="Screen Shot 2018-10-21 at 6.56.31 PM.png"/>
+          <p:cNvPicPr>
+            <a:picLocks noChangeAspect="0"/>
+          </p:cNvPicPr>
+          <p:nvPr/>
+        </p:nvPicPr>
+        <p:blipFill>
+          <a:blip r:embed="rId7">
+            <a:extLst/>
+          </a:blip>
+          <a:stretch>
+            <a:fillRect/>
+          </a:stretch>
+        </p:blipFill>
+        <p:spPr>
+          <a:xfrm>
+            <a:off x="533400" y="3871383"/>
+            <a:ext cx="3772885" cy="3551435"/>
+          </a:xfrm>
+          <a:prstGeom prst="rect">
+            <a:avLst/>
+          </a:prstGeom>
+          <a:effectLst>
+            <a:outerShdw sx="100000" sy="100000" kx="0" ky="0" algn="b" rotWithShape="0" blurRad="50800" dist="25400" dir="3600000">
+              <a:srgbClr val="000000">
+                <a:alpha val="70000"/>
+              </a:srgbClr>
+            </a:outerShdw>
+          </a:effectLst>
+        </p:spPr>
+      </p:pic>
+      <p:pic>
+        <p:nvPicPr>
+          <p:cNvPr id="167" name="Screen Shot 2018-10-21 at 6.58.24 PM.png" descr="Screen Shot 2018-10-21 at 6.58.24 PM.png"/>
+          <p:cNvPicPr>
+            <a:picLocks noChangeAspect="0"/>
+          </p:cNvPicPr>
+          <p:nvPr/>
+        </p:nvPicPr>
+        <p:blipFill>
+          <a:blip r:embed="rId8">
+            <a:extLst/>
+          </a:blip>
+          <a:stretch>
+            <a:fillRect/>
+          </a:stretch>
+        </p:blipFill>
+        <p:spPr>
+          <a:xfrm>
+            <a:off x="9476382" y="2457846"/>
+            <a:ext cx="3013485" cy="2876531"/>
+          </a:xfrm>
+          <a:prstGeom prst="rect">
+            <a:avLst/>
+          </a:prstGeom>
+          <a:effectLst>
+            <a:outerShdw sx="100000" sy="100000" kx="0" ky="0" algn="b" rotWithShape="0" blurRad="50800" dist="25400" dir="3600000">
+              <a:srgbClr val="000000">
+                <a:alpha val="70000"/>
+              </a:srgbClr>
+            </a:outerShdw>
+          </a:effectLst>
+        </p:spPr>
+      </p:pic>
+      <p:sp>
+        <p:nvSpPr>
+          <p:cNvPr id="168" name="http://unicode.org and…"/>
+          <p:cNvSpPr txBox="1"/>
+          <p:nvPr/>
+        </p:nvSpPr>
+        <p:spPr>
+          <a:xfrm>
+            <a:off x="8400761" y="1220648"/>
+            <a:ext cx="3958744" cy="829360"/>
+          </a:xfrm>
+          <a:prstGeom prst="rect">
+            <a:avLst/>
+          </a:prstGeom>
+          <a:ln w="12700">
+            <a:miter lim="400000"/>
+          </a:ln>
+          <a:extLst>
+            <a:ext uri="{C572A759-6A51-4108-AA02-DFA0A04FC94B}">
+              <ma14:wrappingTextBoxFlag xmlns:ma14="http://schemas.microsoft.com/office/mac/drawingml/2011/main" val="1"/>
+            </a:ext>
+          </a:extLst>
+        </p:spPr>
+        <p:txBody>
+          <a:bodyPr wrap="none" lIns="50800" tIns="50800" rIns="50800" bIns="50800" anchor="ctr">
+            <a:spAutoFit/>
+          </a:bodyPr>
+          <a:lstStyle/>
+          <a:p>
+            <a:pPr/>
+            <a:r>
+              <a:rPr u="sng">
+                <a:hlinkClick r:id="rId9" invalidUrl="" action="" tgtFrame="" tooltip="" history="1" highlightClick="0" endSnd="0"/>
+              </a:rPr>
+              <a:t>http://unicode.org</a:t>
+            </a:r>
+            <a:r>
+              <a:t> and</a:t>
+            </a:r>
+          </a:p>
+          <a:p>
+            <a:pPr/>
+            <a:r>
+              <a:t>check out the codesheets.</a:t>
+            </a:r>
           </a:p>
         </p:txBody>
       </p:sp>
@@ -11537,7 +12440,7 @@
       </p:grpSpPr>
       <p:sp>
         <p:nvSpPr>
-          <p:cNvPr id="167" name="Encoding Schemes … before we press on"/>
+          <p:cNvPr id="170" name="Translating encoding schemes …"/>
           <p:cNvSpPr txBox="1"/>
           <p:nvPr>
             <p:ph type="title"/>
@@ -11554,14 +12457,14 @@
           <a:p>
             <a:pPr/>
             <a:r>
-              <a:t>Encoding Schemes … before we press on</a:t>
-            </a:r>
-          </a:p>
-        </p:txBody>
-      </p:sp>
-      <p:sp>
-        <p:nvSpPr>
-          <p:cNvPr id="168" name="Binary  (base 2; 0 or 1)…"/>
+              <a:t>Translating encoding schemes … </a:t>
+            </a:r>
+          </a:p>
+        </p:txBody>
+      </p:sp>
+      <p:sp>
+        <p:nvSpPr>
+          <p:cNvPr id="171" name="Everything is stored in binary (o, 1)…"/>
           <p:cNvSpPr txBox="1"/>
           <p:nvPr>
             <p:ph type="body" idx="1"/>
@@ -11576,117 +12479,46 @@
           <a:bodyPr/>
           <a:lstStyle/>
           <a:p>
-            <a:pPr marL="400050" indent="-400050" defTabSz="525779">
-              <a:spcBef>
-                <a:spcPts val="2900"/>
-              </a:spcBef>
-              <a:defRPr sz="2880"/>
-            </a:pPr>
-            <a:r>
-              <a:t>Binary  (base 2; </a:t>
+            <a:pPr/>
+            <a:r>
+              <a:t>Everything is stored in binary </a:t>
             </a:r>
             <a:r>
               <a:rPr i="0"/>
-              <a:t>0 or 1</a:t>
-            </a:r>
-            <a:r>
-              <a:t>)</a:t>
-            </a:r>
-          </a:p>
-          <a:p>
-            <a:pPr marL="400050" indent="-400050" defTabSz="525779">
-              <a:spcBef>
-                <a:spcPts val="2900"/>
-              </a:spcBef>
-              <a:defRPr sz="2880"/>
-            </a:pPr>
-            <a:r>
-              <a:t>Octal  (base 8)</a:t>
-            </a:r>
-          </a:p>
-          <a:p>
-            <a:pPr marL="400050" indent="-400050" defTabSz="525779">
-              <a:spcBef>
-                <a:spcPts val="2900"/>
-              </a:spcBef>
-              <a:defRPr sz="2880"/>
-            </a:pPr>
-            <a:r>
-              <a:t>Decimal (base 10; back to </a:t>
-            </a:r>
-            <a:r>
-              <a:rPr i="0"/>
-              <a:t>0,1,2,3,4,5,6,7,8,9</a:t>
-            </a:r>
-            <a:r>
-              <a:t>)</a:t>
-            </a:r>
-          </a:p>
-          <a:p>
-            <a:pPr marL="400050" indent="-400050" defTabSz="525779">
-              <a:spcBef>
-                <a:spcPts val="2900"/>
-              </a:spcBef>
-              <a:defRPr sz="2880"/>
-            </a:pPr>
-            <a:r>
-              <a:t>Hexadecimal (base 16; </a:t>
-            </a:r>
-            <a:r>
-              <a:rPr i="0"/>
-              <a:t>0, 1, 2, 3, 4, 5, 6, 7, 8, 9, A, B, C, D, E, F</a:t>
-            </a:r>
-            <a:r>
-              <a:t>)</a:t>
-            </a:r>
-          </a:p>
-          <a:p>
-            <a:pPr marL="400050" indent="-400050" defTabSz="525779">
-              <a:spcBef>
-                <a:spcPts val="2900"/>
-              </a:spcBef>
-              <a:defRPr i="0" sz="2880"/>
-            </a:pPr>
-            <a:r>
-              <a:t>This leads to various expressions: e.g., “byte” [8-bits], “nibble” [4-bits]; “multibyte” [unicode, ISO-639-x, utf-x [8, 16, 32, 64, even 132.]].</a:t>
-            </a:r>
-          </a:p>
-          <a:p>
-            <a:pPr lvl="1" marL="800100" indent="-400050" defTabSz="525779">
-              <a:spcBef>
-                <a:spcPts val="2900"/>
-              </a:spcBef>
-              <a:defRPr i="0" sz="2880"/>
-            </a:pPr>
-            <a:r>
-              <a:t>Check out: </a:t>
-            </a:r>
-            <a:r>
-              <a:rPr u="sng">
-                <a:hlinkClick r:id="rId2" invalidUrl="" action="" tgtFrame="" tooltip="" history="1" highlightClick="0" endSnd="0"/>
-              </a:rPr>
-              <a:t>http://unicode.org/charts/charindex.html</a:t>
-            </a:r>
-            <a:r>
-              <a:t> for the names!</a:t>
-            </a:r>
-          </a:p>
-          <a:p>
-            <a:pPr marL="400050" indent="-400050" defTabSz="525779">
-              <a:spcBef>
-                <a:spcPts val="2900"/>
-              </a:spcBef>
-              <a:defRPr i="0" sz="2880"/>
-            </a:pPr>
-            <a:r>
-              <a:t>BTW, when data don’t appear on screen correctly it is often an encoding mis-match error between the data stream and the output device’s encoding settings.  In word processing programs and in CJK and other language groups, byte-shifting is critical to storage and retrieval.</a:t>
-            </a:r>
-          </a:p>
-        </p:txBody>
-      </p:sp>
-      <p:sp>
-        <p:nvSpPr>
-          <p:cNvPr id="169" name="Slide Number"/>
+              <a:t>(o, 1)</a:t>
+            </a:r>
+          </a:p>
+          <a:p>
+            <a:pPr/>
+            <a:r>
+              <a:t>At some point, data are translated into this common format.</a:t>
+            </a:r>
+          </a:p>
+          <a:p>
+            <a:pPr/>
+            <a:r>
+              <a:t>BTW, note that how the data are stored on the hard drive is the “internal reflection” of the data (usually as UTF-8); and then there’s the “external reflection” of the data (what’s shown on the screen, often UTF-8, but could be win-1285, MacRoman, koi-8, etc.!).</a:t>
+            </a:r>
+          </a:p>
+          <a:p>
+            <a:pPr lvl="1">
+              <a:defRPr i="0"/>
+            </a:pPr>
+            <a:r>
+              <a:t>https://en.wikipedia.org/wiki/Character_encoding</a:t>
+            </a:r>
+          </a:p>
+          <a:p>
+            <a:pPr/>
+            <a:r>
+              <a:t>Keep in mind: it’s all just data!  We can call “X” the same thing in a variety of “dialects” … as you’ll see! (grin)…  But first things first … </a:t>
+            </a:r>
+          </a:p>
+        </p:txBody>
+      </p:sp>
+      <p:sp>
+        <p:nvSpPr>
+          <p:cNvPr id="172" name="Slide Number"/>
           <p:cNvSpPr txBox="1"/>
           <p:nvPr>
             <p:ph type="sldNum" sz="quarter" idx="2"/>
@@ -11743,7 +12575,31 @@
       </p:grpSpPr>
       <p:sp>
         <p:nvSpPr>
-          <p:cNvPr id="171" name="Most end-users think about what they type … but most professional/industrial standards require UTF-8.  (https://www.w3schools.com/charsets/ref_html_utf8.asp).  There are hundreds of encoding schemes - from Big5, TwinBridge to IIS, JIS, MacRoman, win-1285, utf-8, utf-16, etc.!…"/>
+          <p:cNvPr id="174" name="Encoding Schemes … before we press on"/>
+          <p:cNvSpPr txBox="1"/>
+          <p:nvPr>
+            <p:ph type="title"/>
+          </p:nvPr>
+        </p:nvSpPr>
+        <p:spPr>
+          <a:prstGeom prst="rect">
+            <a:avLst/>
+          </a:prstGeom>
+        </p:spPr>
+        <p:txBody>
+          <a:bodyPr/>
+          <a:lstStyle/>
+          <a:p>
+            <a:pPr/>
+            <a:r>
+              <a:t>Encoding Schemes … before we press on</a:t>
+            </a:r>
+          </a:p>
+        </p:txBody>
+      </p:sp>
+      <p:sp>
+        <p:nvSpPr>
+          <p:cNvPr id="175" name="Binary  (base 2; 0 or 1)…"/>
           <p:cNvSpPr txBox="1"/>
           <p:nvPr>
             <p:ph type="body" idx="1"/>
@@ -11758,221 +12614,158 @@
           <a:bodyPr/>
           <a:lstStyle/>
           <a:p>
-            <a:pPr marL="377825" indent="-377825" defTabSz="496570">
-              <a:spcBef>
-                <a:spcPts val="2800"/>
-              </a:spcBef>
-              <a:defRPr sz="2720"/>
-            </a:pPr>
-            <a:r>
-              <a:t>Most end-users think about what they type … but most professional/industrial standards </a:t>
+            <a:pPr marL="355600" indent="-355600" defTabSz="467359">
+              <a:spcBef>
+                <a:spcPts val="2600"/>
+              </a:spcBef>
+              <a:defRPr sz="2560"/>
+            </a:pPr>
+            <a:r>
+              <a:t>Binary  (base 2; </a:t>
             </a:r>
             <a:r>
               <a:rPr i="0"/>
-              <a:t>require</a:t>
-            </a:r>
-            <a:r>
-              <a:t> UTF-8.  (</a:t>
+              <a:t>0 or 1</a:t>
+            </a:r>
+            <a:r>
+              <a:t>)</a:t>
+            </a:r>
+          </a:p>
+          <a:p>
+            <a:pPr marL="355600" indent="-355600" defTabSz="467359">
+              <a:spcBef>
+                <a:spcPts val="2600"/>
+              </a:spcBef>
+              <a:defRPr sz="2560"/>
+            </a:pPr>
+            <a:r>
+              <a:t>Octal  (base 8); e.g., </a:t>
+            </a:r>
+            <a:r>
+              <a:rPr i="0"/>
+              <a:t>1 + 2 + 4  (2</a:t>
+            </a:r>
+            <a:r>
+              <a:rPr baseline="31999" i="0"/>
+              <a:t>0</a:t>
+            </a:r>
+            <a:r>
+              <a:rPr i="0"/>
+              <a:t> + 2</a:t>
+            </a:r>
+            <a:r>
+              <a:rPr baseline="31999" i="0"/>
+              <a:t>1</a:t>
+            </a:r>
+            <a:r>
+              <a:rPr i="0"/>
+              <a:t> + 2</a:t>
+            </a:r>
+            <a:r>
+              <a:rPr baseline="31999" i="0"/>
+              <a:t>2.  </a:t>
+            </a:r>
+            <a:r>
+              <a:rPr i="0"/>
+              <a:t>1 + 2 = 3; 1 + 4 = 5; 1 + 2 + 4 = 7). example?</a:t>
+            </a:r>
+            <a:endParaRPr i="0"/>
+          </a:p>
+          <a:p>
+            <a:pPr lvl="1" marL="711200" indent="-355600" defTabSz="467359">
+              <a:spcBef>
+                <a:spcPts val="2600"/>
+              </a:spcBef>
+              <a:defRPr sz="2560"/>
+            </a:pPr>
+            <a:r>
+              <a:rPr i="0"/>
+              <a:t>e.g., setting file permissions read, write, execute = 1, 2, 4 = 7;  so what is 755?</a:t>
+            </a:r>
+          </a:p>
+          <a:p>
+            <a:pPr marL="355600" indent="-355600" defTabSz="467359">
+              <a:spcBef>
+                <a:spcPts val="2600"/>
+              </a:spcBef>
+              <a:defRPr sz="2560"/>
+            </a:pPr>
+            <a:r>
+              <a:t>Decimal (base 10; back to </a:t>
+            </a:r>
+            <a:r>
+              <a:rPr i="0"/>
+              <a:t>0,1,2,3,4,5,6,7,8,9</a:t>
+            </a:r>
+            <a:r>
+              <a:t>)</a:t>
+            </a:r>
+          </a:p>
+          <a:p>
+            <a:pPr marL="355600" indent="-355600" defTabSz="467359">
+              <a:spcBef>
+                <a:spcPts val="2600"/>
+              </a:spcBef>
+              <a:defRPr sz="2560"/>
+            </a:pPr>
+            <a:r>
+              <a:t>Hexadecimal (base 16; </a:t>
+            </a:r>
+            <a:r>
+              <a:rPr i="0"/>
+              <a:t>0, 1, 2, 3, 4, 5, 6, 7, 8, 9, A, B, C, D, E, F</a:t>
+            </a:r>
+            <a:r>
+              <a:t>)</a:t>
+            </a:r>
+          </a:p>
+          <a:p>
+            <a:pPr marL="355600" indent="-355600" defTabSz="467359">
+              <a:spcBef>
+                <a:spcPts val="2600"/>
+              </a:spcBef>
+              <a:defRPr i="0" sz="2560"/>
+            </a:pPr>
+            <a:r>
+              <a:t>This leads to various expressions: e.g., “byte” [8-bits], “nibble” [4-bits]; “multibyte” [unicode, ISO-639-x, utf-x [8, 16, 32, 64, even 128.]].</a:t>
+            </a:r>
+          </a:p>
+          <a:p>
+            <a:pPr lvl="1" marL="711200" indent="-355600" defTabSz="467359">
+              <a:spcBef>
+                <a:spcPts val="2600"/>
+              </a:spcBef>
+              <a:defRPr i="0" sz="2560"/>
+            </a:pPr>
+            <a:r>
+              <a:t>Check out: </a:t>
             </a:r>
             <a:r>
               <a:rPr u="sng">
                 <a:hlinkClick r:id="rId2" invalidUrl="" action="" tgtFrame="" tooltip="" history="1" highlightClick="0" endSnd="0"/>
               </a:rPr>
-              <a:t>https://www.w3schools.com/charsets/ref_html_utf8.asp</a:t>
-            </a:r>
-            <a:r>
-              <a:t>).  There are hundreds of encoding schemes - from Big5, TwinBridge to IIS, JIS, MacRoman, win-1285, utf-8, utf-16, etc.!</a:t>
-            </a:r>
-          </a:p>
-          <a:p>
-            <a:pPr marL="377825" indent="-377825" defTabSz="496570">
-              <a:spcBef>
-                <a:spcPts val="2800"/>
-              </a:spcBef>
-              <a:defRPr sz="2720"/>
-            </a:pPr>
-            <a:r>
-              <a:t>Base 10 example:</a:t>
-            </a:r>
-          </a:p>
-          <a:p>
-            <a:pPr lvl="1" marL="755650" indent="-377825" defTabSz="496570">
-              <a:spcBef>
-                <a:spcPts val="2800"/>
-              </a:spcBef>
-              <a:defRPr i="0" sz="2720"/>
-            </a:pPr>
-            <a:r>
-              <a:t>0000 = 0 [zero in all places, 0, 0, 0, 0]</a:t>
-            </a:r>
-          </a:p>
-          <a:p>
-            <a:pPr lvl="1" marL="755650" indent="-377825" defTabSz="496570">
-              <a:spcBef>
-                <a:spcPts val="2800"/>
-              </a:spcBef>
-              <a:defRPr i="0" sz="2720"/>
-            </a:pPr>
-            <a:r>
-              <a:t>0001 = 1 [ 1 x 2</a:t>
-            </a:r>
-            <a:r>
-              <a:rPr baseline="31999"/>
-              <a:t>0</a:t>
-            </a:r>
-            <a:r>
-              <a:t>] 1 in the one’s place  *nb: take the bite * 2…</a:t>
-            </a:r>
-          </a:p>
-          <a:p>
-            <a:pPr lvl="1" marL="755650" indent="-377825" defTabSz="496570">
-              <a:spcBef>
-                <a:spcPts val="2800"/>
-              </a:spcBef>
-              <a:defRPr i="0" sz="2720"/>
-            </a:pPr>
-            <a:r>
-              <a:t>0010 = 2 [ 1 x 2</a:t>
-            </a:r>
-            <a:r>
-              <a:rPr baseline="31999"/>
-              <a:t>1</a:t>
-            </a:r>
-            <a:r>
-              <a:t>]  1 in the two’s place</a:t>
-            </a:r>
-          </a:p>
-          <a:p>
-            <a:pPr lvl="1" marL="755650" indent="-377825" defTabSz="496570">
-              <a:spcBef>
-                <a:spcPts val="2800"/>
-              </a:spcBef>
-              <a:defRPr i="0" sz="2720"/>
-            </a:pPr>
-            <a:r>
-              <a:t>0100 = 4 [ 1 x 2</a:t>
-            </a:r>
-            <a:r>
-              <a:rPr baseline="31999"/>
-              <a:t>2</a:t>
-            </a:r>
-            <a:r>
-              <a:t>]  1 in the four’s place</a:t>
-            </a:r>
-          </a:p>
-          <a:p>
-            <a:pPr lvl="1" marL="755650" indent="-377825" defTabSz="496570">
-              <a:spcBef>
-                <a:spcPts val="2800"/>
-              </a:spcBef>
-              <a:defRPr i="0" sz="2720"/>
-            </a:pPr>
-            <a:r>
-              <a:t>1000 = 8 [ 1 x 2</a:t>
-            </a:r>
-            <a:r>
-              <a:rPr baseline="31999"/>
-              <a:t>3</a:t>
-            </a:r>
-            <a:r>
-              <a:t>] 1 in the eight’s place </a:t>
-            </a:r>
-          </a:p>
-          <a:p>
-            <a:pPr lvl="1" marL="755650" indent="-377825" defTabSz="496570">
-              <a:spcBef>
-                <a:spcPts val="2800"/>
-              </a:spcBef>
-              <a:defRPr i="0" sz="2720"/>
-            </a:pPr>
-            <a:r>
-              <a:t>1100 = 12 [ 1 x 2</a:t>
-            </a:r>
-            <a:r>
-              <a:rPr baseline="31999"/>
-              <a:t>4</a:t>
-            </a:r>
-            <a:r>
-              <a:t>]   8 + 4 … on in the eight’s place and one in the four’s … and so on… </a:t>
-            </a:r>
-          </a:p>
-        </p:txBody>
-      </p:sp>
-      <p:sp>
-        <p:nvSpPr>
-          <p:cNvPr id="172" name="Rounded Rectangle"/>
-          <p:cNvSpPr/>
-          <p:nvPr/>
-        </p:nvSpPr>
-        <p:spPr>
-          <a:xfrm>
-            <a:off x="8987366" y="5308600"/>
-            <a:ext cx="3585035" cy="2228718"/>
-          </a:xfrm>
-          <a:prstGeom prst="roundRect">
-            <a:avLst>
-              <a:gd name="adj" fmla="val 15000"/>
-            </a:avLst>
-          </a:prstGeom>
-          <a:solidFill>
-            <a:srgbClr val="F8F3CB"/>
-          </a:solidFill>
-          <a:ln w="12700">
-            <a:miter lim="400000"/>
-          </a:ln>
-          <a:effectLst>
-            <a:outerShdw sx="100000" sy="100000" kx="0" ky="0" algn="b" rotWithShape="0" blurRad="50800" dist="25400" dir="3600000">
-              <a:srgbClr val="000000">
-                <a:alpha val="70000"/>
-              </a:srgbClr>
-            </a:outerShdw>
-          </a:effectLst>
-        </p:spPr>
-        <p:txBody>
-          <a:bodyPr lIns="50800" tIns="50800" rIns="50800" bIns="50800" anchor="ctr"/>
-          <a:lstStyle/>
-          <a:p>
-            <a:pPr>
-              <a:defRPr b="0" sz="2200">
-                <a:solidFill>
-                  <a:srgbClr val="FFFFFF"/>
-                </a:solidFill>
-                <a:latin typeface="+mn-lt"/>
-                <a:ea typeface="+mn-ea"/>
-                <a:cs typeface="+mn-cs"/>
-                <a:sym typeface="Helvetica Neue Medium"/>
-              </a:defRPr>
-            </a:pPr>
-          </a:p>
-        </p:txBody>
-      </p:sp>
-      <p:sp>
-        <p:nvSpPr>
-          <p:cNvPr id="173" name="Encoding Schemes"/>
-          <p:cNvSpPr txBox="1"/>
-          <p:nvPr>
-            <p:ph type="title"/>
-          </p:nvPr>
-        </p:nvSpPr>
-        <p:spPr>
-          <a:prstGeom prst="rect">
-            <a:avLst/>
-          </a:prstGeom>
-        </p:spPr>
-        <p:txBody>
-          <a:bodyPr/>
-          <a:lstStyle/>
-          <a:p>
-            <a:pPr/>
-            <a:r>
-              <a:t>Encoding Schemes</a:t>
-            </a:r>
-          </a:p>
-        </p:txBody>
-      </p:sp>
-      <p:sp>
-        <p:nvSpPr>
-          <p:cNvPr id="174" name="Slide Number"/>
+              <a:t>http://unicode.org/charts/charindex.html</a:t>
+            </a:r>
+            <a:r>
+              <a:t> for the names!</a:t>
+            </a:r>
+          </a:p>
+          <a:p>
+            <a:pPr marL="355600" indent="-355600" defTabSz="467359">
+              <a:spcBef>
+                <a:spcPts val="2600"/>
+              </a:spcBef>
+              <a:defRPr i="0" sz="2560"/>
+            </a:pPr>
+            <a:r>
+              <a:t>BTW, when data don’t appear on screen correctly it is often an encoding mis-match error between the data stream and the output device’s encoding settings.  In word processing programs and in CJK and other language groups, byte-shifting is critical to storage and retrieval.</a:t>
+            </a:r>
+          </a:p>
+        </p:txBody>
+      </p:sp>
+      <p:sp>
+        <p:nvSpPr>
+          <p:cNvPr id="176" name="Slide Number"/>
           <p:cNvSpPr txBox="1"/>
           <p:nvPr>
             <p:ph type="sldNum" sz="quarter" idx="2"/>
@@ -11998,100 +12791,6 @@
           <a:p>
             <a:pPr/>
             <a:fld id="{86CB4B4D-7CA3-9044-876B-883B54F8677D}" type="slidenum"/>
-          </a:p>
-        </p:txBody>
-      </p:sp>
-      <p:sp>
-        <p:nvSpPr>
-          <p:cNvPr id="175" name="Google Shape;177;p27"/>
-          <p:cNvSpPr txBox="1"/>
-          <p:nvPr/>
-        </p:nvSpPr>
-        <p:spPr>
-          <a:xfrm>
-            <a:off x="9293833" y="5374008"/>
-            <a:ext cx="2972101" cy="1775572"/>
-          </a:xfrm>
-          <a:prstGeom prst="rect">
-            <a:avLst/>
-          </a:prstGeom>
-          <a:ln w="12700">
-            <a:miter lim="400000"/>
-          </a:ln>
-          <a:extLst>
-            <a:ext uri="{C572A759-6A51-4108-AA02-DFA0A04FC94B}">
-              <ma14:wrappingTextBoxFlag xmlns:ma14="http://schemas.microsoft.com/office/mac/drawingml/2011/main" val="1"/>
-            </a:ext>
-          </a:extLst>
-        </p:spPr>
-        <p:txBody>
-          <a:bodyPr lIns="91424" tIns="91424" rIns="91424" bIns="91424">
-            <a:spAutoFit/>
-          </a:bodyPr>
-          <a:lstStyle/>
-          <a:p>
-            <a:pPr algn="l" defTabSz="914400">
-              <a:defRPr sz="1800">
-                <a:solidFill>
-                  <a:srgbClr val="0000FF"/>
-                </a:solidFill>
-                <a:latin typeface="Arial"/>
-                <a:ea typeface="Arial"/>
-                <a:cs typeface="Arial"/>
-                <a:sym typeface="Arial"/>
-              </a:defRPr>
-            </a:pPr>
-            <a:r>
-              <a:t>In binary every number takes one of 2 values </a:t>
-            </a:r>
-          </a:p>
-          <a:p>
-            <a:pPr algn="l" defTabSz="914400">
-              <a:defRPr sz="1800">
-                <a:solidFill>
-                  <a:srgbClr val="0000FF"/>
-                </a:solidFill>
-                <a:latin typeface="Arial"/>
-                <a:ea typeface="Arial"/>
-                <a:cs typeface="Arial"/>
-                <a:sym typeface="Arial"/>
-              </a:defRPr>
-            </a:pPr>
-            <a:r>
-              <a:t>0 or 1)</a:t>
-            </a:r>
-          </a:p>
-          <a:p>
-            <a:pPr algn="l" defTabSz="914400">
-              <a:defRPr sz="1800">
-                <a:solidFill>
-                  <a:srgbClr val="0000FF"/>
-                </a:solidFill>
-                <a:latin typeface="Arial"/>
-                <a:ea typeface="Arial"/>
-                <a:cs typeface="Arial"/>
-                <a:sym typeface="Arial"/>
-              </a:defRPr>
-            </a:pPr>
-            <a:r>
-              <a:t>------------------------------------</a:t>
-            </a:r>
-          </a:p>
-          <a:p>
-            <a:pPr algn="l" defTabSz="914400">
-              <a:defRPr sz="1800">
-                <a:solidFill>
-                  <a:srgbClr val="20124D"/>
-                </a:solidFill>
-                <a:latin typeface="Arial"/>
-                <a:ea typeface="Arial"/>
-                <a:cs typeface="Arial"/>
-                <a:sym typeface="Arial"/>
-              </a:defRPr>
-            </a:pPr>
-            <a:r>
-              <a:t>The places are multiples of 16 -&gt;       1, 2, 4, 6, 8, 10</a:t>
-            </a:r>
           </a:p>
         </p:txBody>
       </p:sp>
